--- a/picture/triangle.pptx
+++ b/picture/triangle.pptx
@@ -6,6 +6,13 @@
   </p:sldMasterIdLst>
   <p:sldIdLst>
     <p:sldId id="256" r:id="rId2"/>
+    <p:sldId id="259" r:id="rId3"/>
+    <p:sldId id="258" r:id="rId4"/>
+    <p:sldId id="260" r:id="rId5"/>
+    <p:sldId id="261" r:id="rId6"/>
+    <p:sldId id="263" r:id="rId7"/>
+    <p:sldId id="262" r:id="rId8"/>
+    <p:sldId id="264" r:id="rId9"/>
   </p:sldIdLst>
   <p:sldSz cx="12192000" cy="6858000"/>
   <p:notesSz cx="6858000" cy="9144000"/>
@@ -104,6 +111,11 @@
       </a:defRPr>
     </a:lvl9pPr>
   </p:defaultTextStyle>
+  <p:extLst>
+    <p:ext uri="{EFAFB233-063F-42B5-8137-9DF3F51BA10A}">
+      <p15:sldGuideLst xmlns:p15="http://schemas.microsoft.com/office/powerpoint/2012/main"/>
+    </p:ext>
+  </p:extLst>
 </p:presentation>
 </file>
 
@@ -254,7 +266,7 @@
           <a:p>
             <a:fld id="{35C9D601-9A37-4948-BF18-FB19663AF408}" type="datetimeFigureOut">
               <a:rPr lang="zh-CN" altLang="en-US" smtClean="0"/>
-              <a:t>2021/5/4</a:t>
+              <a:t>2021/5/24</a:t>
             </a:fld>
             <a:endParaRPr lang="zh-CN" altLang="en-US"/>
           </a:p>
@@ -452,7 +464,7 @@
           <a:p>
             <a:fld id="{35C9D601-9A37-4948-BF18-FB19663AF408}" type="datetimeFigureOut">
               <a:rPr lang="zh-CN" altLang="en-US" smtClean="0"/>
-              <a:t>2021/5/4</a:t>
+              <a:t>2021/5/24</a:t>
             </a:fld>
             <a:endParaRPr lang="zh-CN" altLang="en-US"/>
           </a:p>
@@ -660,7 +672,7 @@
           <a:p>
             <a:fld id="{35C9D601-9A37-4948-BF18-FB19663AF408}" type="datetimeFigureOut">
               <a:rPr lang="zh-CN" altLang="en-US" smtClean="0"/>
-              <a:t>2021/5/4</a:t>
+              <a:t>2021/5/24</a:t>
             </a:fld>
             <a:endParaRPr lang="zh-CN" altLang="en-US"/>
           </a:p>
@@ -858,7 +870,7 @@
           <a:p>
             <a:fld id="{35C9D601-9A37-4948-BF18-FB19663AF408}" type="datetimeFigureOut">
               <a:rPr lang="zh-CN" altLang="en-US" smtClean="0"/>
-              <a:t>2021/5/4</a:t>
+              <a:t>2021/5/24</a:t>
             </a:fld>
             <a:endParaRPr lang="zh-CN" altLang="en-US"/>
           </a:p>
@@ -1133,7 +1145,7 @@
           <a:p>
             <a:fld id="{35C9D601-9A37-4948-BF18-FB19663AF408}" type="datetimeFigureOut">
               <a:rPr lang="zh-CN" altLang="en-US" smtClean="0"/>
-              <a:t>2021/5/4</a:t>
+              <a:t>2021/5/24</a:t>
             </a:fld>
             <a:endParaRPr lang="zh-CN" altLang="en-US"/>
           </a:p>
@@ -1398,7 +1410,7 @@
           <a:p>
             <a:fld id="{35C9D601-9A37-4948-BF18-FB19663AF408}" type="datetimeFigureOut">
               <a:rPr lang="zh-CN" altLang="en-US" smtClean="0"/>
-              <a:t>2021/5/4</a:t>
+              <a:t>2021/5/24</a:t>
             </a:fld>
             <a:endParaRPr lang="zh-CN" altLang="en-US"/>
           </a:p>
@@ -1810,7 +1822,7 @@
           <a:p>
             <a:fld id="{35C9D601-9A37-4948-BF18-FB19663AF408}" type="datetimeFigureOut">
               <a:rPr lang="zh-CN" altLang="en-US" smtClean="0"/>
-              <a:t>2021/5/4</a:t>
+              <a:t>2021/5/24</a:t>
             </a:fld>
             <a:endParaRPr lang="zh-CN" altLang="en-US"/>
           </a:p>
@@ -1951,7 +1963,7 @@
           <a:p>
             <a:fld id="{35C9D601-9A37-4948-BF18-FB19663AF408}" type="datetimeFigureOut">
               <a:rPr lang="zh-CN" altLang="en-US" smtClean="0"/>
-              <a:t>2021/5/4</a:t>
+              <a:t>2021/5/24</a:t>
             </a:fld>
             <a:endParaRPr lang="zh-CN" altLang="en-US"/>
           </a:p>
@@ -2064,7 +2076,7 @@
           <a:p>
             <a:fld id="{35C9D601-9A37-4948-BF18-FB19663AF408}" type="datetimeFigureOut">
               <a:rPr lang="zh-CN" altLang="en-US" smtClean="0"/>
-              <a:t>2021/5/4</a:t>
+              <a:t>2021/5/24</a:t>
             </a:fld>
             <a:endParaRPr lang="zh-CN" altLang="en-US"/>
           </a:p>
@@ -2375,7 +2387,7 @@
           <a:p>
             <a:fld id="{35C9D601-9A37-4948-BF18-FB19663AF408}" type="datetimeFigureOut">
               <a:rPr lang="zh-CN" altLang="en-US" smtClean="0"/>
-              <a:t>2021/5/4</a:t>
+              <a:t>2021/5/24</a:t>
             </a:fld>
             <a:endParaRPr lang="zh-CN" altLang="en-US"/>
           </a:p>
@@ -2663,7 +2675,7 @@
           <a:p>
             <a:fld id="{35C9D601-9A37-4948-BF18-FB19663AF408}" type="datetimeFigureOut">
               <a:rPr lang="zh-CN" altLang="en-US" smtClean="0"/>
-              <a:t>2021/5/4</a:t>
+              <a:t>2021/5/24</a:t>
             </a:fld>
             <a:endParaRPr lang="zh-CN" altLang="en-US"/>
           </a:p>
@@ -2904,7 +2916,7 @@
           <a:p>
             <a:fld id="{35C9D601-9A37-4948-BF18-FB19663AF408}" type="datetimeFigureOut">
               <a:rPr lang="zh-CN" altLang="en-US" smtClean="0"/>
-              <a:t>2021/5/4</a:t>
+              <a:t>2021/5/24</a:t>
             </a:fld>
             <a:endParaRPr lang="zh-CN" altLang="en-US"/>
           </a:p>
@@ -3414,8 +3426,8 @@
           </a:p>
         </p:txBody>
       </p:sp>
-      <mc:AlternateContent xmlns:mc="http://schemas.openxmlformats.org/markup-compatibility/2006">
-        <mc:Choice xmlns:a14="http://schemas.microsoft.com/office/drawing/2010/main" Requires="a14">
+      <mc:AlternateContent xmlns:mc="http://schemas.openxmlformats.org/markup-compatibility/2006" xmlns:a14="http://schemas.microsoft.com/office/drawing/2010/main">
+        <mc:Choice Requires="a14">
           <p:sp>
             <p:nvSpPr>
               <p:cNvPr id="7" name="文本框 6">
@@ -3444,6 +3456,7 @@
               </a:bodyPr>
               <a:lstStyle/>
               <a:p>
+                <a:pPr/>
                 <a14:m>
                   <m:oMathPara xmlns:m="http://schemas.openxmlformats.org/officeDocument/2006/math">
                     <m:oMathParaPr>
@@ -3483,7 +3496,7 @@
             </p:txBody>
           </p:sp>
         </mc:Choice>
-        <mc:Fallback>
+        <mc:Fallback xmlns="">
           <p:sp>
             <p:nvSpPr>
               <p:cNvPr id="7" name="文本框 6">
@@ -3528,8 +3541,8 @@
           </p:sp>
         </mc:Fallback>
       </mc:AlternateContent>
-      <mc:AlternateContent xmlns:mc="http://schemas.openxmlformats.org/markup-compatibility/2006">
-        <mc:Choice xmlns:a14="http://schemas.microsoft.com/office/drawing/2010/main" Requires="a14">
+      <mc:AlternateContent xmlns:mc="http://schemas.openxmlformats.org/markup-compatibility/2006" xmlns:a14="http://schemas.microsoft.com/office/drawing/2010/main">
+        <mc:Choice Requires="a14">
           <p:sp>
             <p:nvSpPr>
               <p:cNvPr id="8" name="文本框 7">
@@ -3558,6 +3571,7 @@
               </a:bodyPr>
               <a:lstStyle/>
               <a:p>
+                <a:pPr/>
                 <a14:m>
                   <m:oMathPara xmlns:m="http://schemas.openxmlformats.org/officeDocument/2006/math">
                     <m:oMathParaPr>
@@ -3597,7 +3611,7 @@
             </p:txBody>
           </p:sp>
         </mc:Choice>
-        <mc:Fallback>
+        <mc:Fallback xmlns="">
           <p:sp>
             <p:nvSpPr>
               <p:cNvPr id="8" name="文本框 7">
@@ -3642,8 +3656,8 @@
           </p:sp>
         </mc:Fallback>
       </mc:AlternateContent>
-      <mc:AlternateContent xmlns:mc="http://schemas.openxmlformats.org/markup-compatibility/2006">
-        <mc:Choice xmlns:a14="http://schemas.microsoft.com/office/drawing/2010/main" Requires="a14">
+      <mc:AlternateContent xmlns:mc="http://schemas.openxmlformats.org/markup-compatibility/2006" xmlns:a14="http://schemas.microsoft.com/office/drawing/2010/main">
+        <mc:Choice Requires="a14">
           <p:sp>
             <p:nvSpPr>
               <p:cNvPr id="9" name="文本框 8">
@@ -3672,6 +3686,7 @@
               </a:bodyPr>
               <a:lstStyle/>
               <a:p>
+                <a:pPr/>
                 <a14:m>
                   <m:oMathPara xmlns:m="http://schemas.openxmlformats.org/officeDocument/2006/math">
                     <m:oMathParaPr>
@@ -3711,7 +3726,7 @@
             </p:txBody>
           </p:sp>
         </mc:Choice>
-        <mc:Fallback>
+        <mc:Fallback xmlns="">
           <p:sp>
             <p:nvSpPr>
               <p:cNvPr id="9" name="文本框 8">
@@ -3936,8 +3951,8 @@
           </a:fontRef>
         </p:style>
       </p:cxnSp>
-      <mc:AlternateContent xmlns:mc="http://schemas.openxmlformats.org/markup-compatibility/2006">
-        <mc:Choice xmlns:a14="http://schemas.microsoft.com/office/drawing/2010/main" Requires="a14">
+      <mc:AlternateContent xmlns:mc="http://schemas.openxmlformats.org/markup-compatibility/2006" xmlns:a14="http://schemas.microsoft.com/office/drawing/2010/main">
+        <mc:Choice Requires="a14">
           <p:sp>
             <p:nvSpPr>
               <p:cNvPr id="26" name="文本框 25">
@@ -3966,6 +3981,7 @@
               </a:bodyPr>
               <a:lstStyle/>
               <a:p>
+                <a:pPr/>
                 <a14:m>
                   <m:oMathPara xmlns:m="http://schemas.openxmlformats.org/officeDocument/2006/math">
                     <m:oMathParaPr>
@@ -3986,7 +4002,7 @@
             </p:txBody>
           </p:sp>
         </mc:Choice>
-        <mc:Fallback>
+        <mc:Fallback xmlns="">
           <p:sp>
             <p:nvSpPr>
               <p:cNvPr id="26" name="文本框 25">
@@ -4176,6 +4192,5909 @@
     <p:extLst>
       <p:ext uri="{BB962C8B-B14F-4D97-AF65-F5344CB8AC3E}">
         <p14:creationId xmlns:p14="http://schemas.microsoft.com/office/powerpoint/2010/main" val="495924045"/>
+      </p:ext>
+    </p:extLst>
+  </p:cSld>
+  <p:clrMapOvr>
+    <a:masterClrMapping/>
+  </p:clrMapOvr>
+</p:sld>
+</file>
+
+<file path=ppt/slides/slide2.xml><?xml version="1.0" encoding="utf-8"?>
+<p:sld xmlns:a="http://schemas.openxmlformats.org/drawingml/2006/main" xmlns:r="http://schemas.openxmlformats.org/officeDocument/2006/relationships" xmlns:p="http://schemas.openxmlformats.org/presentationml/2006/main">
+  <p:cSld>
+    <p:spTree>
+      <p:nvGrpSpPr>
+        <p:cNvPr id="1" name=""/>
+        <p:cNvGrpSpPr/>
+        <p:nvPr/>
+      </p:nvGrpSpPr>
+      <p:grpSpPr>
+        <a:xfrm>
+          <a:off x="0" y="0"/>
+          <a:ext cx="0" cy="0"/>
+          <a:chOff x="0" y="0"/>
+          <a:chExt cx="0" cy="0"/>
+        </a:xfrm>
+      </p:grpSpPr>
+      <p:sp>
+        <p:nvSpPr>
+          <p:cNvPr id="13" name="梯形 12">
+            <a:extLst>
+              <a:ext uri="{FF2B5EF4-FFF2-40B4-BE49-F238E27FC236}">
+                <a16:creationId xmlns:a16="http://schemas.microsoft.com/office/drawing/2014/main" id="{42C44345-DC79-4F3D-9889-89FA4EEE70E2}"/>
+              </a:ext>
+            </a:extLst>
+          </p:cNvPr>
+          <p:cNvSpPr/>
+          <p:nvPr/>
+        </p:nvSpPr>
+        <p:spPr>
+          <a:xfrm rot="5400000">
+            <a:off x="3998715" y="2510182"/>
+            <a:ext cx="2473358" cy="892014"/>
+          </a:xfrm>
+          <a:prstGeom prst="trapezoid">
+            <a:avLst/>
+          </a:prstGeom>
+        </p:spPr>
+        <p:style>
+          <a:lnRef idx="2">
+            <a:schemeClr val="dk1"/>
+          </a:lnRef>
+          <a:fillRef idx="1">
+            <a:schemeClr val="lt1"/>
+          </a:fillRef>
+          <a:effectRef idx="0">
+            <a:schemeClr val="dk1"/>
+          </a:effectRef>
+          <a:fontRef idx="minor">
+            <a:schemeClr val="dk1"/>
+          </a:fontRef>
+        </p:style>
+        <p:txBody>
+          <a:bodyPr rtlCol="0" anchor="ctr"/>
+          <a:lstStyle/>
+          <a:p>
+            <a:pPr algn="ctr"/>
+            <a:endParaRPr lang="zh-CN" altLang="en-US"/>
+          </a:p>
+        </p:txBody>
+      </p:sp>
+      <p:sp>
+        <p:nvSpPr>
+          <p:cNvPr id="19" name="梯形 18">
+            <a:extLst>
+              <a:ext uri="{FF2B5EF4-FFF2-40B4-BE49-F238E27FC236}">
+                <a16:creationId xmlns:a16="http://schemas.microsoft.com/office/drawing/2014/main" id="{626CB46D-C49E-4DC8-8A66-1A1A4DC29A5A}"/>
+              </a:ext>
+            </a:extLst>
+          </p:cNvPr>
+          <p:cNvSpPr/>
+          <p:nvPr/>
+        </p:nvSpPr>
+        <p:spPr>
+          <a:xfrm rot="5400000">
+            <a:off x="1541870" y="2554173"/>
+            <a:ext cx="2473358" cy="871785"/>
+          </a:xfrm>
+          <a:prstGeom prst="trapezoid">
+            <a:avLst/>
+          </a:prstGeom>
+        </p:spPr>
+        <p:style>
+          <a:lnRef idx="2">
+            <a:schemeClr val="dk1"/>
+          </a:lnRef>
+          <a:fillRef idx="1">
+            <a:schemeClr val="lt1"/>
+          </a:fillRef>
+          <a:effectRef idx="0">
+            <a:schemeClr val="dk1"/>
+          </a:effectRef>
+          <a:fontRef idx="minor">
+            <a:schemeClr val="dk1"/>
+          </a:fontRef>
+        </p:style>
+        <p:txBody>
+          <a:bodyPr rtlCol="0" anchor="ctr"/>
+          <a:lstStyle/>
+          <a:p>
+            <a:pPr algn="ctr"/>
+            <a:endParaRPr lang="zh-CN" altLang="en-US"/>
+          </a:p>
+        </p:txBody>
+      </p:sp>
+      <p:sp>
+        <p:nvSpPr>
+          <p:cNvPr id="15" name="箭头: 上 14">
+            <a:extLst>
+              <a:ext uri="{FF2B5EF4-FFF2-40B4-BE49-F238E27FC236}">
+                <a16:creationId xmlns:a16="http://schemas.microsoft.com/office/drawing/2014/main" id="{EC9B464A-7DCB-48C2-B87E-652B012576DE}"/>
+              </a:ext>
+            </a:extLst>
+          </p:cNvPr>
+          <p:cNvSpPr/>
+          <p:nvPr/>
+        </p:nvSpPr>
+        <p:spPr>
+          <a:xfrm rot="10800000">
+            <a:off x="9558780" y="2552308"/>
+            <a:ext cx="575035" cy="857839"/>
+          </a:xfrm>
+          <a:prstGeom prst="upArrow">
+            <a:avLst/>
+          </a:prstGeom>
+        </p:spPr>
+        <p:style>
+          <a:lnRef idx="2">
+            <a:schemeClr val="accent1">
+              <a:shade val="50000"/>
+            </a:schemeClr>
+          </a:lnRef>
+          <a:fillRef idx="1">
+            <a:schemeClr val="accent1"/>
+          </a:fillRef>
+          <a:effectRef idx="0">
+            <a:schemeClr val="accent1"/>
+          </a:effectRef>
+          <a:fontRef idx="minor">
+            <a:schemeClr val="lt1"/>
+          </a:fontRef>
+        </p:style>
+        <p:txBody>
+          <a:bodyPr rtlCol="0" anchor="ctr"/>
+          <a:lstStyle/>
+          <a:p>
+            <a:pPr algn="ctr"/>
+            <a:endParaRPr lang="zh-CN" altLang="en-US"/>
+          </a:p>
+        </p:txBody>
+      </p:sp>
+      <p:cxnSp>
+        <p:nvCxnSpPr>
+          <p:cNvPr id="17" name="直接连接符 16">
+            <a:extLst>
+              <a:ext uri="{FF2B5EF4-FFF2-40B4-BE49-F238E27FC236}">
+                <a16:creationId xmlns:a16="http://schemas.microsoft.com/office/drawing/2014/main" id="{D4C19E03-DC06-413C-B2F1-A4E083DF3360}"/>
+              </a:ext>
+            </a:extLst>
+          </p:cNvPr>
+          <p:cNvCxnSpPr>
+            <a:cxnSpLocks/>
+            <a:endCxn id="18" idx="0"/>
+          </p:cNvCxnSpPr>
+          <p:nvPr/>
+        </p:nvCxnSpPr>
+        <p:spPr>
+          <a:xfrm flipH="1" flipV="1">
+            <a:off x="2778549" y="2680454"/>
+            <a:ext cx="2255706" cy="322206"/>
+          </a:xfrm>
+          <a:prstGeom prst="line">
+            <a:avLst/>
+          </a:prstGeom>
+        </p:spPr>
+        <p:style>
+          <a:lnRef idx="1">
+            <a:schemeClr val="dk1"/>
+          </a:lnRef>
+          <a:fillRef idx="0">
+            <a:schemeClr val="dk1"/>
+          </a:fillRef>
+          <a:effectRef idx="0">
+            <a:schemeClr val="dk1"/>
+          </a:effectRef>
+          <a:fontRef idx="minor">
+            <a:schemeClr val="tx1"/>
+          </a:fontRef>
+        </p:style>
+      </p:cxnSp>
+      <p:cxnSp>
+        <p:nvCxnSpPr>
+          <p:cNvPr id="22" name="直接连接符 21">
+            <a:extLst>
+              <a:ext uri="{FF2B5EF4-FFF2-40B4-BE49-F238E27FC236}">
+                <a16:creationId xmlns:a16="http://schemas.microsoft.com/office/drawing/2014/main" id="{9C021637-1F61-4FFA-A595-C353F3880898}"/>
+              </a:ext>
+            </a:extLst>
+          </p:cNvPr>
+          <p:cNvCxnSpPr>
+            <a:cxnSpLocks/>
+            <a:stCxn id="15" idx="0"/>
+          </p:cNvCxnSpPr>
+          <p:nvPr/>
+        </p:nvCxnSpPr>
+        <p:spPr>
+          <a:xfrm flipH="1" flipV="1">
+            <a:off x="5287418" y="3036536"/>
+            <a:ext cx="4558879" cy="373611"/>
+          </a:xfrm>
+          <a:prstGeom prst="line">
+            <a:avLst/>
+          </a:prstGeom>
+        </p:spPr>
+        <p:style>
+          <a:lnRef idx="1">
+            <a:schemeClr val="dk1"/>
+          </a:lnRef>
+          <a:fillRef idx="0">
+            <a:schemeClr val="dk1"/>
+          </a:fillRef>
+          <a:effectRef idx="0">
+            <a:schemeClr val="dk1"/>
+          </a:effectRef>
+          <a:fontRef idx="minor">
+            <a:schemeClr val="tx1"/>
+          </a:fontRef>
+        </p:style>
+      </p:cxnSp>
+      <p:cxnSp>
+        <p:nvCxnSpPr>
+          <p:cNvPr id="30" name="直接连接符 29">
+            <a:extLst>
+              <a:ext uri="{FF2B5EF4-FFF2-40B4-BE49-F238E27FC236}">
+                <a16:creationId xmlns:a16="http://schemas.microsoft.com/office/drawing/2014/main" id="{A165F14B-13F6-4F9C-85C5-88E6D99FA3ED}"/>
+              </a:ext>
+            </a:extLst>
+          </p:cNvPr>
+          <p:cNvCxnSpPr>
+            <a:cxnSpLocks/>
+            <a:stCxn id="15" idx="2"/>
+          </p:cNvCxnSpPr>
+          <p:nvPr/>
+        </p:nvCxnSpPr>
+        <p:spPr>
+          <a:xfrm flipH="1">
+            <a:off x="5287418" y="2552308"/>
+            <a:ext cx="4558879" cy="462945"/>
+          </a:xfrm>
+          <a:prstGeom prst="line">
+            <a:avLst/>
+          </a:prstGeom>
+        </p:spPr>
+        <p:style>
+          <a:lnRef idx="1">
+            <a:schemeClr val="dk1"/>
+          </a:lnRef>
+          <a:fillRef idx="0">
+            <a:schemeClr val="dk1"/>
+          </a:fillRef>
+          <a:effectRef idx="0">
+            <a:schemeClr val="dk1"/>
+          </a:effectRef>
+          <a:fontRef idx="minor">
+            <a:schemeClr val="tx1"/>
+          </a:fontRef>
+        </p:style>
+      </p:cxnSp>
+      <p:cxnSp>
+        <p:nvCxnSpPr>
+          <p:cNvPr id="32" name="直接连接符 31">
+            <a:extLst>
+              <a:ext uri="{FF2B5EF4-FFF2-40B4-BE49-F238E27FC236}">
+                <a16:creationId xmlns:a16="http://schemas.microsoft.com/office/drawing/2014/main" id="{1138A853-A186-4C4B-A43A-16271C6D4A9B}"/>
+              </a:ext>
+            </a:extLst>
+          </p:cNvPr>
+          <p:cNvCxnSpPr>
+            <a:cxnSpLocks/>
+          </p:cNvCxnSpPr>
+          <p:nvPr/>
+        </p:nvCxnSpPr>
+        <p:spPr>
+          <a:xfrm flipH="1">
+            <a:off x="2778549" y="3036536"/>
+            <a:ext cx="2255708" cy="277867"/>
+          </a:xfrm>
+          <a:prstGeom prst="line">
+            <a:avLst/>
+          </a:prstGeom>
+        </p:spPr>
+        <p:style>
+          <a:lnRef idx="1">
+            <a:schemeClr val="dk1"/>
+          </a:lnRef>
+          <a:fillRef idx="0">
+            <a:schemeClr val="dk1"/>
+          </a:fillRef>
+          <a:effectRef idx="0">
+            <a:schemeClr val="dk1"/>
+          </a:effectRef>
+          <a:fontRef idx="minor">
+            <a:schemeClr val="tx1"/>
+          </a:fontRef>
+        </p:style>
+      </p:cxnSp>
+      <p:sp>
+        <p:nvSpPr>
+          <p:cNvPr id="49" name="文本框 48">
+            <a:extLst>
+              <a:ext uri="{FF2B5EF4-FFF2-40B4-BE49-F238E27FC236}">
+                <a16:creationId xmlns:a16="http://schemas.microsoft.com/office/drawing/2014/main" id="{FA213D86-BF01-464F-A86D-2863739E8BB4}"/>
+              </a:ext>
+            </a:extLst>
+          </p:cNvPr>
+          <p:cNvSpPr txBox="1"/>
+          <p:nvPr/>
+        </p:nvSpPr>
+        <p:spPr>
+          <a:xfrm>
+            <a:off x="2224552" y="1350178"/>
+            <a:ext cx="1577676" cy="369332"/>
+          </a:xfrm>
+          <a:prstGeom prst="rect">
+            <a:avLst/>
+          </a:prstGeom>
+          <a:noFill/>
+        </p:spPr>
+        <p:txBody>
+          <a:bodyPr wrap="none" rtlCol="0">
+            <a:spAutoFit/>
+          </a:bodyPr>
+          <a:lstStyle/>
+          <a:p>
+            <a:r>
+              <a:rPr lang="zh-CN" altLang="en-US" dirty="0"/>
+              <a:t>成像平面 </a:t>
+            </a:r>
+            <a:r>
+              <a:rPr lang="en-US" altLang="zh-CN" dirty="0"/>
+              <a:t>Film</a:t>
+            </a:r>
+            <a:endParaRPr lang="zh-CN" altLang="en-US" dirty="0"/>
+          </a:p>
+        </p:txBody>
+      </p:sp>
+      <p:sp>
+        <p:nvSpPr>
+          <p:cNvPr id="52" name="文本框 51">
+            <a:extLst>
+              <a:ext uri="{FF2B5EF4-FFF2-40B4-BE49-F238E27FC236}">
+                <a16:creationId xmlns:a16="http://schemas.microsoft.com/office/drawing/2014/main" id="{22AF4D4B-D474-456F-996A-1EF25E52B1BA}"/>
+              </a:ext>
+            </a:extLst>
+          </p:cNvPr>
+          <p:cNvSpPr txBox="1"/>
+          <p:nvPr/>
+        </p:nvSpPr>
+        <p:spPr>
+          <a:xfrm>
+            <a:off x="9141470" y="1350178"/>
+            <a:ext cx="1107996" cy="369332"/>
+          </a:xfrm>
+          <a:prstGeom prst="rect">
+            <a:avLst/>
+          </a:prstGeom>
+          <a:noFill/>
+        </p:spPr>
+        <p:txBody>
+          <a:bodyPr wrap="none" rtlCol="0">
+            <a:spAutoFit/>
+          </a:bodyPr>
+          <a:lstStyle/>
+          <a:p>
+            <a:r>
+              <a:rPr lang="zh-CN" altLang="en-US" dirty="0"/>
+              <a:t>场景物体</a:t>
+            </a:r>
+          </a:p>
+        </p:txBody>
+      </p:sp>
+      <p:sp>
+        <p:nvSpPr>
+          <p:cNvPr id="53" name="文本框 52">
+            <a:extLst>
+              <a:ext uri="{FF2B5EF4-FFF2-40B4-BE49-F238E27FC236}">
+                <a16:creationId xmlns:a16="http://schemas.microsoft.com/office/drawing/2014/main" id="{3FC0AB0E-5DB1-4BBE-9297-A0BBFAD20899}"/>
+              </a:ext>
+            </a:extLst>
+          </p:cNvPr>
+          <p:cNvSpPr txBox="1"/>
+          <p:nvPr/>
+        </p:nvSpPr>
+        <p:spPr>
+          <a:xfrm>
+            <a:off x="6040604" y="1760331"/>
+            <a:ext cx="925253" cy="369332"/>
+          </a:xfrm>
+          <a:prstGeom prst="rect">
+            <a:avLst/>
+          </a:prstGeom>
+          <a:noFill/>
+        </p:spPr>
+        <p:txBody>
+          <a:bodyPr wrap="none" rtlCol="0">
+            <a:spAutoFit/>
+          </a:bodyPr>
+          <a:lstStyle/>
+          <a:p>
+            <a:r>
+              <a:rPr lang="en-US" altLang="zh-CN" dirty="0"/>
+              <a:t>pinhole</a:t>
+            </a:r>
+            <a:endParaRPr lang="zh-CN" altLang="en-US" dirty="0"/>
+          </a:p>
+        </p:txBody>
+      </p:sp>
+      <p:cxnSp>
+        <p:nvCxnSpPr>
+          <p:cNvPr id="55" name="直接箭头连接符 54">
+            <a:extLst>
+              <a:ext uri="{FF2B5EF4-FFF2-40B4-BE49-F238E27FC236}">
+                <a16:creationId xmlns:a16="http://schemas.microsoft.com/office/drawing/2014/main" id="{58749FF9-A21E-4F40-8A3F-CBEEDB503F76}"/>
+              </a:ext>
+            </a:extLst>
+          </p:cNvPr>
+          <p:cNvCxnSpPr>
+            <a:cxnSpLocks/>
+            <a:stCxn id="53" idx="1"/>
+          </p:cNvCxnSpPr>
+          <p:nvPr/>
+        </p:nvCxnSpPr>
+        <p:spPr>
+          <a:xfrm flipH="1">
+            <a:off x="5235394" y="1944997"/>
+            <a:ext cx="805210" cy="1011192"/>
+          </a:xfrm>
+          <a:prstGeom prst="straightConnector1">
+            <a:avLst/>
+          </a:prstGeom>
+          <a:ln>
+            <a:tailEnd type="triangle"/>
+          </a:ln>
+        </p:spPr>
+        <p:style>
+          <a:lnRef idx="1">
+            <a:schemeClr val="dk1"/>
+          </a:lnRef>
+          <a:fillRef idx="0">
+            <a:schemeClr val="dk1"/>
+          </a:fillRef>
+          <a:effectRef idx="0">
+            <a:schemeClr val="dk1"/>
+          </a:effectRef>
+          <a:fontRef idx="minor">
+            <a:schemeClr val="tx1"/>
+          </a:fontRef>
+        </p:style>
+      </p:cxnSp>
+      <p:sp>
+        <p:nvSpPr>
+          <p:cNvPr id="18" name="箭头: 上 17">
+            <a:extLst>
+              <a:ext uri="{FF2B5EF4-FFF2-40B4-BE49-F238E27FC236}">
+                <a16:creationId xmlns:a16="http://schemas.microsoft.com/office/drawing/2014/main" id="{6491F619-ED11-4457-A429-690D8E2407C8}"/>
+              </a:ext>
+            </a:extLst>
+          </p:cNvPr>
+          <p:cNvSpPr/>
+          <p:nvPr/>
+        </p:nvSpPr>
+        <p:spPr>
+          <a:xfrm>
+            <a:off x="2536278" y="2680454"/>
+            <a:ext cx="484542" cy="600073"/>
+          </a:xfrm>
+          <a:prstGeom prst="upArrow">
+            <a:avLst/>
+          </a:prstGeom>
+        </p:spPr>
+        <p:style>
+          <a:lnRef idx="2">
+            <a:schemeClr val="accent1">
+              <a:shade val="50000"/>
+            </a:schemeClr>
+          </a:lnRef>
+          <a:fillRef idx="1">
+            <a:schemeClr val="accent1"/>
+          </a:fillRef>
+          <a:effectRef idx="0">
+            <a:schemeClr val="accent1"/>
+          </a:effectRef>
+          <a:fontRef idx="minor">
+            <a:schemeClr val="lt1"/>
+          </a:fontRef>
+        </p:style>
+        <p:txBody>
+          <a:bodyPr rtlCol="0" anchor="ctr"/>
+          <a:lstStyle/>
+          <a:p>
+            <a:pPr algn="ctr"/>
+            <a:endParaRPr lang="zh-CN" altLang="en-US"/>
+          </a:p>
+        </p:txBody>
+      </p:sp>
+    </p:spTree>
+    <p:extLst>
+      <p:ext uri="{BB962C8B-B14F-4D97-AF65-F5344CB8AC3E}">
+        <p14:creationId xmlns:p14="http://schemas.microsoft.com/office/powerpoint/2010/main" val="3594022348"/>
+      </p:ext>
+    </p:extLst>
+  </p:cSld>
+  <p:clrMapOvr>
+    <a:masterClrMapping/>
+  </p:clrMapOvr>
+</p:sld>
+</file>
+
+<file path=ppt/slides/slide3.xml><?xml version="1.0" encoding="utf-8"?>
+<p:sld xmlns:a="http://schemas.openxmlformats.org/drawingml/2006/main" xmlns:r="http://schemas.openxmlformats.org/officeDocument/2006/relationships" xmlns:p="http://schemas.openxmlformats.org/presentationml/2006/main">
+  <p:cSld>
+    <p:spTree>
+      <p:nvGrpSpPr>
+        <p:cNvPr id="1" name=""/>
+        <p:cNvGrpSpPr/>
+        <p:nvPr/>
+      </p:nvGrpSpPr>
+      <p:grpSpPr>
+        <a:xfrm>
+          <a:off x="0" y="0"/>
+          <a:ext cx="0" cy="0"/>
+          <a:chOff x="0" y="0"/>
+          <a:chExt cx="0" cy="0"/>
+        </a:xfrm>
+      </p:grpSpPr>
+      <p:sp>
+        <p:nvSpPr>
+          <p:cNvPr id="13" name="梯形 12">
+            <a:extLst>
+              <a:ext uri="{FF2B5EF4-FFF2-40B4-BE49-F238E27FC236}">
+                <a16:creationId xmlns:a16="http://schemas.microsoft.com/office/drawing/2014/main" id="{42C44345-DC79-4F3D-9889-89FA4EEE70E2}"/>
+              </a:ext>
+            </a:extLst>
+          </p:cNvPr>
+          <p:cNvSpPr/>
+          <p:nvPr/>
+        </p:nvSpPr>
+        <p:spPr>
+          <a:xfrm rot="5400000">
+            <a:off x="3998715" y="2510182"/>
+            <a:ext cx="2473358" cy="892014"/>
+          </a:xfrm>
+          <a:prstGeom prst="trapezoid">
+            <a:avLst/>
+          </a:prstGeom>
+        </p:spPr>
+        <p:style>
+          <a:lnRef idx="2">
+            <a:schemeClr val="dk1"/>
+          </a:lnRef>
+          <a:fillRef idx="1">
+            <a:schemeClr val="lt1"/>
+          </a:fillRef>
+          <a:effectRef idx="0">
+            <a:schemeClr val="dk1"/>
+          </a:effectRef>
+          <a:fontRef idx="minor">
+            <a:schemeClr val="dk1"/>
+          </a:fontRef>
+        </p:style>
+        <p:txBody>
+          <a:bodyPr rtlCol="0" anchor="ctr"/>
+          <a:lstStyle/>
+          <a:p>
+            <a:pPr algn="ctr"/>
+            <a:endParaRPr lang="zh-CN" altLang="en-US"/>
+          </a:p>
+        </p:txBody>
+      </p:sp>
+      <p:sp>
+        <p:nvSpPr>
+          <p:cNvPr id="19" name="梯形 18">
+            <a:extLst>
+              <a:ext uri="{FF2B5EF4-FFF2-40B4-BE49-F238E27FC236}">
+                <a16:creationId xmlns:a16="http://schemas.microsoft.com/office/drawing/2014/main" id="{626CB46D-C49E-4DC8-8A66-1A1A4DC29A5A}"/>
+              </a:ext>
+            </a:extLst>
+          </p:cNvPr>
+          <p:cNvSpPr/>
+          <p:nvPr/>
+        </p:nvSpPr>
+        <p:spPr>
+          <a:xfrm rot="5400000">
+            <a:off x="1541870" y="2554173"/>
+            <a:ext cx="2473358" cy="871785"/>
+          </a:xfrm>
+          <a:prstGeom prst="trapezoid">
+            <a:avLst/>
+          </a:prstGeom>
+        </p:spPr>
+        <p:style>
+          <a:lnRef idx="2">
+            <a:schemeClr val="dk1"/>
+          </a:lnRef>
+          <a:fillRef idx="1">
+            <a:schemeClr val="lt1"/>
+          </a:fillRef>
+          <a:effectRef idx="0">
+            <a:schemeClr val="dk1"/>
+          </a:effectRef>
+          <a:fontRef idx="minor">
+            <a:schemeClr val="dk1"/>
+          </a:fontRef>
+        </p:style>
+        <p:txBody>
+          <a:bodyPr rtlCol="0" anchor="ctr"/>
+          <a:lstStyle/>
+          <a:p>
+            <a:pPr algn="ctr"/>
+            <a:endParaRPr lang="zh-CN" altLang="en-US"/>
+          </a:p>
+        </p:txBody>
+      </p:sp>
+      <p:sp>
+        <p:nvSpPr>
+          <p:cNvPr id="15" name="箭头: 上 14">
+            <a:extLst>
+              <a:ext uri="{FF2B5EF4-FFF2-40B4-BE49-F238E27FC236}">
+                <a16:creationId xmlns:a16="http://schemas.microsoft.com/office/drawing/2014/main" id="{EC9B464A-7DCB-48C2-B87E-652B012576DE}"/>
+              </a:ext>
+            </a:extLst>
+          </p:cNvPr>
+          <p:cNvSpPr/>
+          <p:nvPr/>
+        </p:nvSpPr>
+        <p:spPr>
+          <a:xfrm rot="10800000">
+            <a:off x="9558780" y="2552308"/>
+            <a:ext cx="575035" cy="857839"/>
+          </a:xfrm>
+          <a:prstGeom prst="upArrow">
+            <a:avLst/>
+          </a:prstGeom>
+        </p:spPr>
+        <p:style>
+          <a:lnRef idx="2">
+            <a:schemeClr val="accent1">
+              <a:shade val="50000"/>
+            </a:schemeClr>
+          </a:lnRef>
+          <a:fillRef idx="1">
+            <a:schemeClr val="accent1"/>
+          </a:fillRef>
+          <a:effectRef idx="0">
+            <a:schemeClr val="accent1"/>
+          </a:effectRef>
+          <a:fontRef idx="minor">
+            <a:schemeClr val="lt1"/>
+          </a:fontRef>
+        </p:style>
+        <p:txBody>
+          <a:bodyPr rtlCol="0" anchor="ctr"/>
+          <a:lstStyle/>
+          <a:p>
+            <a:pPr algn="ctr"/>
+            <a:endParaRPr lang="zh-CN" altLang="en-US"/>
+          </a:p>
+        </p:txBody>
+      </p:sp>
+      <p:cxnSp>
+        <p:nvCxnSpPr>
+          <p:cNvPr id="17" name="直接连接符 16">
+            <a:extLst>
+              <a:ext uri="{FF2B5EF4-FFF2-40B4-BE49-F238E27FC236}">
+                <a16:creationId xmlns:a16="http://schemas.microsoft.com/office/drawing/2014/main" id="{D4C19E03-DC06-413C-B2F1-A4E083DF3360}"/>
+              </a:ext>
+            </a:extLst>
+          </p:cNvPr>
+          <p:cNvCxnSpPr>
+            <a:cxnSpLocks/>
+            <a:endCxn id="18" idx="0"/>
+          </p:cNvCxnSpPr>
+          <p:nvPr/>
+        </p:nvCxnSpPr>
+        <p:spPr>
+          <a:xfrm flipH="1" flipV="1">
+            <a:off x="2778549" y="2680454"/>
+            <a:ext cx="2255706" cy="322206"/>
+          </a:xfrm>
+          <a:prstGeom prst="line">
+            <a:avLst/>
+          </a:prstGeom>
+        </p:spPr>
+        <p:style>
+          <a:lnRef idx="1">
+            <a:schemeClr val="dk1"/>
+          </a:lnRef>
+          <a:fillRef idx="0">
+            <a:schemeClr val="dk1"/>
+          </a:fillRef>
+          <a:effectRef idx="0">
+            <a:schemeClr val="dk1"/>
+          </a:effectRef>
+          <a:fontRef idx="minor">
+            <a:schemeClr val="tx1"/>
+          </a:fontRef>
+        </p:style>
+      </p:cxnSp>
+      <p:cxnSp>
+        <p:nvCxnSpPr>
+          <p:cNvPr id="22" name="直接连接符 21">
+            <a:extLst>
+              <a:ext uri="{FF2B5EF4-FFF2-40B4-BE49-F238E27FC236}">
+                <a16:creationId xmlns:a16="http://schemas.microsoft.com/office/drawing/2014/main" id="{9C021637-1F61-4FFA-A595-C353F3880898}"/>
+              </a:ext>
+            </a:extLst>
+          </p:cNvPr>
+          <p:cNvCxnSpPr>
+            <a:cxnSpLocks/>
+            <a:stCxn id="15" idx="0"/>
+          </p:cNvCxnSpPr>
+          <p:nvPr/>
+        </p:nvCxnSpPr>
+        <p:spPr>
+          <a:xfrm flipH="1" flipV="1">
+            <a:off x="5287418" y="3036536"/>
+            <a:ext cx="4558879" cy="373611"/>
+          </a:xfrm>
+          <a:prstGeom prst="line">
+            <a:avLst/>
+          </a:prstGeom>
+        </p:spPr>
+        <p:style>
+          <a:lnRef idx="1">
+            <a:schemeClr val="dk1"/>
+          </a:lnRef>
+          <a:fillRef idx="0">
+            <a:schemeClr val="dk1"/>
+          </a:fillRef>
+          <a:effectRef idx="0">
+            <a:schemeClr val="dk1"/>
+          </a:effectRef>
+          <a:fontRef idx="minor">
+            <a:schemeClr val="tx1"/>
+          </a:fontRef>
+        </p:style>
+      </p:cxnSp>
+      <p:cxnSp>
+        <p:nvCxnSpPr>
+          <p:cNvPr id="30" name="直接连接符 29">
+            <a:extLst>
+              <a:ext uri="{FF2B5EF4-FFF2-40B4-BE49-F238E27FC236}">
+                <a16:creationId xmlns:a16="http://schemas.microsoft.com/office/drawing/2014/main" id="{A165F14B-13F6-4F9C-85C5-88E6D99FA3ED}"/>
+              </a:ext>
+            </a:extLst>
+          </p:cNvPr>
+          <p:cNvCxnSpPr>
+            <a:cxnSpLocks/>
+            <a:stCxn id="15" idx="2"/>
+          </p:cNvCxnSpPr>
+          <p:nvPr/>
+        </p:nvCxnSpPr>
+        <p:spPr>
+          <a:xfrm flipH="1">
+            <a:off x="5287418" y="2552308"/>
+            <a:ext cx="4558879" cy="462945"/>
+          </a:xfrm>
+          <a:prstGeom prst="line">
+            <a:avLst/>
+          </a:prstGeom>
+        </p:spPr>
+        <p:style>
+          <a:lnRef idx="1">
+            <a:schemeClr val="dk1"/>
+          </a:lnRef>
+          <a:fillRef idx="0">
+            <a:schemeClr val="dk1"/>
+          </a:fillRef>
+          <a:effectRef idx="0">
+            <a:schemeClr val="dk1"/>
+          </a:effectRef>
+          <a:fontRef idx="minor">
+            <a:schemeClr val="tx1"/>
+          </a:fontRef>
+        </p:style>
+      </p:cxnSp>
+      <p:cxnSp>
+        <p:nvCxnSpPr>
+          <p:cNvPr id="32" name="直接连接符 31">
+            <a:extLst>
+              <a:ext uri="{FF2B5EF4-FFF2-40B4-BE49-F238E27FC236}">
+                <a16:creationId xmlns:a16="http://schemas.microsoft.com/office/drawing/2014/main" id="{1138A853-A186-4C4B-A43A-16271C6D4A9B}"/>
+              </a:ext>
+            </a:extLst>
+          </p:cNvPr>
+          <p:cNvCxnSpPr>
+            <a:cxnSpLocks/>
+          </p:cNvCxnSpPr>
+          <p:nvPr/>
+        </p:nvCxnSpPr>
+        <p:spPr>
+          <a:xfrm flipH="1">
+            <a:off x="2778549" y="3036536"/>
+            <a:ext cx="2255708" cy="277867"/>
+          </a:xfrm>
+          <a:prstGeom prst="line">
+            <a:avLst/>
+          </a:prstGeom>
+        </p:spPr>
+        <p:style>
+          <a:lnRef idx="1">
+            <a:schemeClr val="dk1"/>
+          </a:lnRef>
+          <a:fillRef idx="0">
+            <a:schemeClr val="dk1"/>
+          </a:fillRef>
+          <a:effectRef idx="0">
+            <a:schemeClr val="dk1"/>
+          </a:effectRef>
+          <a:fontRef idx="minor">
+            <a:schemeClr val="tx1"/>
+          </a:fontRef>
+        </p:style>
+      </p:cxnSp>
+      <p:sp>
+        <p:nvSpPr>
+          <p:cNvPr id="49" name="文本框 48">
+            <a:extLst>
+              <a:ext uri="{FF2B5EF4-FFF2-40B4-BE49-F238E27FC236}">
+                <a16:creationId xmlns:a16="http://schemas.microsoft.com/office/drawing/2014/main" id="{FA213D86-BF01-464F-A86D-2863739E8BB4}"/>
+              </a:ext>
+            </a:extLst>
+          </p:cNvPr>
+          <p:cNvSpPr txBox="1"/>
+          <p:nvPr/>
+        </p:nvSpPr>
+        <p:spPr>
+          <a:xfrm>
+            <a:off x="2224552" y="1350178"/>
+            <a:ext cx="1577676" cy="369332"/>
+          </a:xfrm>
+          <a:prstGeom prst="rect">
+            <a:avLst/>
+          </a:prstGeom>
+          <a:noFill/>
+        </p:spPr>
+        <p:txBody>
+          <a:bodyPr wrap="none" rtlCol="0">
+            <a:spAutoFit/>
+          </a:bodyPr>
+          <a:lstStyle/>
+          <a:p>
+            <a:r>
+              <a:rPr lang="zh-CN" altLang="en-US" dirty="0"/>
+              <a:t>成像平面 </a:t>
+            </a:r>
+            <a:r>
+              <a:rPr lang="en-US" altLang="zh-CN" dirty="0"/>
+              <a:t>Film</a:t>
+            </a:r>
+            <a:endParaRPr lang="zh-CN" altLang="en-US" dirty="0"/>
+          </a:p>
+        </p:txBody>
+      </p:sp>
+      <p:sp>
+        <p:nvSpPr>
+          <p:cNvPr id="52" name="文本框 51">
+            <a:extLst>
+              <a:ext uri="{FF2B5EF4-FFF2-40B4-BE49-F238E27FC236}">
+                <a16:creationId xmlns:a16="http://schemas.microsoft.com/office/drawing/2014/main" id="{22AF4D4B-D474-456F-996A-1EF25E52B1BA}"/>
+              </a:ext>
+            </a:extLst>
+          </p:cNvPr>
+          <p:cNvSpPr txBox="1"/>
+          <p:nvPr/>
+        </p:nvSpPr>
+        <p:spPr>
+          <a:xfrm>
+            <a:off x="9141470" y="1350178"/>
+            <a:ext cx="1107996" cy="369332"/>
+          </a:xfrm>
+          <a:prstGeom prst="rect">
+            <a:avLst/>
+          </a:prstGeom>
+          <a:noFill/>
+        </p:spPr>
+        <p:txBody>
+          <a:bodyPr wrap="none" rtlCol="0">
+            <a:spAutoFit/>
+          </a:bodyPr>
+          <a:lstStyle/>
+          <a:p>
+            <a:r>
+              <a:rPr lang="zh-CN" altLang="en-US" dirty="0"/>
+              <a:t>场景物体</a:t>
+            </a:r>
+          </a:p>
+        </p:txBody>
+      </p:sp>
+      <p:sp>
+        <p:nvSpPr>
+          <p:cNvPr id="53" name="文本框 52">
+            <a:extLst>
+              <a:ext uri="{FF2B5EF4-FFF2-40B4-BE49-F238E27FC236}">
+                <a16:creationId xmlns:a16="http://schemas.microsoft.com/office/drawing/2014/main" id="{3FC0AB0E-5DB1-4BBE-9297-A0BBFAD20899}"/>
+              </a:ext>
+            </a:extLst>
+          </p:cNvPr>
+          <p:cNvSpPr txBox="1"/>
+          <p:nvPr/>
+        </p:nvSpPr>
+        <p:spPr>
+          <a:xfrm>
+            <a:off x="6040604" y="1760331"/>
+            <a:ext cx="925253" cy="369332"/>
+          </a:xfrm>
+          <a:prstGeom prst="rect">
+            <a:avLst/>
+          </a:prstGeom>
+          <a:noFill/>
+        </p:spPr>
+        <p:txBody>
+          <a:bodyPr wrap="none" rtlCol="0">
+            <a:spAutoFit/>
+          </a:bodyPr>
+          <a:lstStyle/>
+          <a:p>
+            <a:r>
+              <a:rPr lang="en-US" altLang="zh-CN" dirty="0"/>
+              <a:t>pinhole</a:t>
+            </a:r>
+            <a:endParaRPr lang="zh-CN" altLang="en-US" dirty="0"/>
+          </a:p>
+        </p:txBody>
+      </p:sp>
+      <p:cxnSp>
+        <p:nvCxnSpPr>
+          <p:cNvPr id="55" name="直接箭头连接符 54">
+            <a:extLst>
+              <a:ext uri="{FF2B5EF4-FFF2-40B4-BE49-F238E27FC236}">
+                <a16:creationId xmlns:a16="http://schemas.microsoft.com/office/drawing/2014/main" id="{58749FF9-A21E-4F40-8A3F-CBEEDB503F76}"/>
+              </a:ext>
+            </a:extLst>
+          </p:cNvPr>
+          <p:cNvCxnSpPr>
+            <a:cxnSpLocks/>
+            <a:stCxn id="53" idx="1"/>
+          </p:cNvCxnSpPr>
+          <p:nvPr/>
+        </p:nvCxnSpPr>
+        <p:spPr>
+          <a:xfrm flipH="1">
+            <a:off x="5235394" y="1944997"/>
+            <a:ext cx="805210" cy="1011192"/>
+          </a:xfrm>
+          <a:prstGeom prst="straightConnector1">
+            <a:avLst/>
+          </a:prstGeom>
+          <a:ln>
+            <a:tailEnd type="triangle"/>
+          </a:ln>
+        </p:spPr>
+        <p:style>
+          <a:lnRef idx="1">
+            <a:schemeClr val="dk1"/>
+          </a:lnRef>
+          <a:fillRef idx="0">
+            <a:schemeClr val="dk1"/>
+          </a:fillRef>
+          <a:effectRef idx="0">
+            <a:schemeClr val="dk1"/>
+          </a:effectRef>
+          <a:fontRef idx="minor">
+            <a:schemeClr val="tx1"/>
+          </a:fontRef>
+        </p:style>
+      </p:cxnSp>
+      <p:sp>
+        <p:nvSpPr>
+          <p:cNvPr id="14" name="梯形 13">
+            <a:extLst>
+              <a:ext uri="{FF2B5EF4-FFF2-40B4-BE49-F238E27FC236}">
+                <a16:creationId xmlns:a16="http://schemas.microsoft.com/office/drawing/2014/main" id="{FA928B8B-D142-4C71-BD5D-547DF4C9F65F}"/>
+              </a:ext>
+            </a:extLst>
+          </p:cNvPr>
+          <p:cNvSpPr/>
+          <p:nvPr/>
+        </p:nvSpPr>
+        <p:spPr>
+          <a:xfrm rot="5400000">
+            <a:off x="6706771" y="2579361"/>
+            <a:ext cx="2473358" cy="871785"/>
+          </a:xfrm>
+          <a:prstGeom prst="trapezoid">
+            <a:avLst/>
+          </a:prstGeom>
+        </p:spPr>
+        <p:style>
+          <a:lnRef idx="2">
+            <a:schemeClr val="dk1"/>
+          </a:lnRef>
+          <a:fillRef idx="1">
+            <a:schemeClr val="lt1"/>
+          </a:fillRef>
+          <a:effectRef idx="0">
+            <a:schemeClr val="dk1"/>
+          </a:effectRef>
+          <a:fontRef idx="minor">
+            <a:schemeClr val="dk1"/>
+          </a:fontRef>
+        </p:style>
+        <p:txBody>
+          <a:bodyPr rtlCol="0" anchor="ctr"/>
+          <a:lstStyle/>
+          <a:p>
+            <a:pPr algn="ctr"/>
+            <a:endParaRPr lang="zh-CN" altLang="en-US"/>
+          </a:p>
+        </p:txBody>
+      </p:sp>
+      <p:sp>
+        <p:nvSpPr>
+          <p:cNvPr id="16" name="箭头: 上 15">
+            <a:extLst>
+              <a:ext uri="{FF2B5EF4-FFF2-40B4-BE49-F238E27FC236}">
+                <a16:creationId xmlns:a16="http://schemas.microsoft.com/office/drawing/2014/main" id="{382EBB65-46B6-41D5-A422-0F0ED46282AB}"/>
+              </a:ext>
+            </a:extLst>
+          </p:cNvPr>
+          <p:cNvSpPr/>
+          <p:nvPr/>
+        </p:nvSpPr>
+        <p:spPr>
+          <a:xfrm rot="10800000">
+            <a:off x="7745058" y="2680454"/>
+            <a:ext cx="484542" cy="600073"/>
+          </a:xfrm>
+          <a:prstGeom prst="upArrow">
+            <a:avLst/>
+          </a:prstGeom>
+        </p:spPr>
+        <p:style>
+          <a:lnRef idx="2">
+            <a:schemeClr val="accent1">
+              <a:shade val="50000"/>
+            </a:schemeClr>
+          </a:lnRef>
+          <a:fillRef idx="1">
+            <a:schemeClr val="accent1"/>
+          </a:fillRef>
+          <a:effectRef idx="0">
+            <a:schemeClr val="accent1"/>
+          </a:effectRef>
+          <a:fontRef idx="minor">
+            <a:schemeClr val="lt1"/>
+          </a:fontRef>
+        </p:style>
+        <p:txBody>
+          <a:bodyPr rtlCol="0" anchor="ctr"/>
+          <a:lstStyle/>
+          <a:p>
+            <a:pPr algn="ctr"/>
+            <a:endParaRPr lang="zh-CN" altLang="en-US"/>
+          </a:p>
+        </p:txBody>
+      </p:sp>
+      <p:sp>
+        <p:nvSpPr>
+          <p:cNvPr id="18" name="箭头: 上 17">
+            <a:extLst>
+              <a:ext uri="{FF2B5EF4-FFF2-40B4-BE49-F238E27FC236}">
+                <a16:creationId xmlns:a16="http://schemas.microsoft.com/office/drawing/2014/main" id="{6491F619-ED11-4457-A429-690D8E2407C8}"/>
+              </a:ext>
+            </a:extLst>
+          </p:cNvPr>
+          <p:cNvSpPr/>
+          <p:nvPr/>
+        </p:nvSpPr>
+        <p:spPr>
+          <a:xfrm>
+            <a:off x="2536278" y="2680454"/>
+            <a:ext cx="484542" cy="600073"/>
+          </a:xfrm>
+          <a:prstGeom prst="upArrow">
+            <a:avLst/>
+          </a:prstGeom>
+        </p:spPr>
+        <p:style>
+          <a:lnRef idx="2">
+            <a:schemeClr val="accent1">
+              <a:shade val="50000"/>
+            </a:schemeClr>
+          </a:lnRef>
+          <a:fillRef idx="1">
+            <a:schemeClr val="accent1"/>
+          </a:fillRef>
+          <a:effectRef idx="0">
+            <a:schemeClr val="accent1"/>
+          </a:effectRef>
+          <a:fontRef idx="minor">
+            <a:schemeClr val="lt1"/>
+          </a:fontRef>
+        </p:style>
+        <p:txBody>
+          <a:bodyPr rtlCol="0" anchor="ctr"/>
+          <a:lstStyle/>
+          <a:p>
+            <a:pPr algn="ctr"/>
+            <a:endParaRPr lang="zh-CN" altLang="en-US"/>
+          </a:p>
+        </p:txBody>
+      </p:sp>
+      <p:sp>
+        <p:nvSpPr>
+          <p:cNvPr id="24" name="文本框 23">
+            <a:extLst>
+              <a:ext uri="{FF2B5EF4-FFF2-40B4-BE49-F238E27FC236}">
+                <a16:creationId xmlns:a16="http://schemas.microsoft.com/office/drawing/2014/main" id="{A06AEC3E-1EEB-4EFF-BCFB-D9B600E5E926}"/>
+              </a:ext>
+            </a:extLst>
+          </p:cNvPr>
+          <p:cNvSpPr txBox="1"/>
+          <p:nvPr/>
+        </p:nvSpPr>
+        <p:spPr>
+          <a:xfrm>
+            <a:off x="7154612" y="1350178"/>
+            <a:ext cx="1292341" cy="369332"/>
+          </a:xfrm>
+          <a:prstGeom prst="rect">
+            <a:avLst/>
+          </a:prstGeom>
+          <a:noFill/>
+        </p:spPr>
+        <p:txBody>
+          <a:bodyPr wrap="none" rtlCol="0">
+            <a:spAutoFit/>
+          </a:bodyPr>
+          <a:lstStyle/>
+          <a:p>
+            <a:r>
+              <a:rPr lang="en-US" altLang="zh-CN" dirty="0"/>
+              <a:t>Virtual Film</a:t>
+            </a:r>
+            <a:endParaRPr lang="zh-CN" altLang="en-US" dirty="0"/>
+          </a:p>
+        </p:txBody>
+      </p:sp>
+    </p:spTree>
+    <p:extLst>
+      <p:ext uri="{BB962C8B-B14F-4D97-AF65-F5344CB8AC3E}">
+        <p14:creationId xmlns:p14="http://schemas.microsoft.com/office/powerpoint/2010/main" val="804292723"/>
+      </p:ext>
+    </p:extLst>
+  </p:cSld>
+  <p:clrMapOvr>
+    <a:masterClrMapping/>
+  </p:clrMapOvr>
+</p:sld>
+</file>
+
+<file path=ppt/slides/slide4.xml><?xml version="1.0" encoding="utf-8"?>
+<p:sld xmlns:a="http://schemas.openxmlformats.org/drawingml/2006/main" xmlns:r="http://schemas.openxmlformats.org/officeDocument/2006/relationships" xmlns:p="http://schemas.openxmlformats.org/presentationml/2006/main">
+  <p:cSld>
+    <p:spTree>
+      <p:nvGrpSpPr>
+        <p:cNvPr id="1" name=""/>
+        <p:cNvGrpSpPr/>
+        <p:nvPr/>
+      </p:nvGrpSpPr>
+      <p:grpSpPr>
+        <a:xfrm>
+          <a:off x="0" y="0"/>
+          <a:ext cx="0" cy="0"/>
+          <a:chOff x="0" y="0"/>
+          <a:chExt cx="0" cy="0"/>
+        </a:xfrm>
+      </p:grpSpPr>
+      <p:sp>
+        <p:nvSpPr>
+          <p:cNvPr id="2" name="椭圆 1">
+            <a:extLst>
+              <a:ext uri="{FF2B5EF4-FFF2-40B4-BE49-F238E27FC236}">
+                <a16:creationId xmlns:a16="http://schemas.microsoft.com/office/drawing/2014/main" id="{40EC5649-AA5C-49C0-B5B9-DF5C2DFC4E03}"/>
+              </a:ext>
+            </a:extLst>
+          </p:cNvPr>
+          <p:cNvSpPr/>
+          <p:nvPr/>
+        </p:nvSpPr>
+        <p:spPr>
+          <a:xfrm>
+            <a:off x="5297864" y="1875934"/>
+            <a:ext cx="527901" cy="1932495"/>
+          </a:xfrm>
+          <a:prstGeom prst="ellipse">
+            <a:avLst/>
+          </a:prstGeom>
+        </p:spPr>
+        <p:style>
+          <a:lnRef idx="2">
+            <a:schemeClr val="dk1"/>
+          </a:lnRef>
+          <a:fillRef idx="1">
+            <a:schemeClr val="lt1"/>
+          </a:fillRef>
+          <a:effectRef idx="0">
+            <a:schemeClr val="dk1"/>
+          </a:effectRef>
+          <a:fontRef idx="minor">
+            <a:schemeClr val="dk1"/>
+          </a:fontRef>
+        </p:style>
+        <p:txBody>
+          <a:bodyPr rtlCol="0" anchor="ctr"/>
+          <a:lstStyle/>
+          <a:p>
+            <a:pPr algn="ctr"/>
+            <a:endParaRPr lang="zh-CN" altLang="en-US"/>
+          </a:p>
+        </p:txBody>
+      </p:sp>
+      <p:cxnSp>
+        <p:nvCxnSpPr>
+          <p:cNvPr id="4" name="直接连接符 3">
+            <a:extLst>
+              <a:ext uri="{FF2B5EF4-FFF2-40B4-BE49-F238E27FC236}">
+                <a16:creationId xmlns:a16="http://schemas.microsoft.com/office/drawing/2014/main" id="{11533AF1-774D-4FD4-918E-C1BE7184A4F8}"/>
+              </a:ext>
+            </a:extLst>
+          </p:cNvPr>
+          <p:cNvCxnSpPr/>
+          <p:nvPr/>
+        </p:nvCxnSpPr>
+        <p:spPr>
+          <a:xfrm>
+            <a:off x="1461155" y="2842181"/>
+            <a:ext cx="9125146" cy="0"/>
+          </a:xfrm>
+          <a:prstGeom prst="line">
+            <a:avLst/>
+          </a:prstGeom>
+        </p:spPr>
+        <p:style>
+          <a:lnRef idx="1">
+            <a:schemeClr val="dk1"/>
+          </a:lnRef>
+          <a:fillRef idx="0">
+            <a:schemeClr val="dk1"/>
+          </a:fillRef>
+          <a:effectRef idx="0">
+            <a:schemeClr val="dk1"/>
+          </a:effectRef>
+          <a:fontRef idx="minor">
+            <a:schemeClr val="tx1"/>
+          </a:fontRef>
+        </p:style>
+      </p:cxnSp>
+      <p:sp>
+        <p:nvSpPr>
+          <p:cNvPr id="5" name="流程图: 接点 4">
+            <a:extLst>
+              <a:ext uri="{FF2B5EF4-FFF2-40B4-BE49-F238E27FC236}">
+                <a16:creationId xmlns:a16="http://schemas.microsoft.com/office/drawing/2014/main" id="{A67199AC-0ECF-4B19-BEAD-8A6C062CB32E}"/>
+              </a:ext>
+            </a:extLst>
+          </p:cNvPr>
+          <p:cNvSpPr/>
+          <p:nvPr/>
+        </p:nvSpPr>
+        <p:spPr>
+          <a:xfrm>
+            <a:off x="1875934" y="2799763"/>
+            <a:ext cx="72000" cy="72000"/>
+          </a:xfrm>
+          <a:prstGeom prst="flowChartConnector">
+            <a:avLst/>
+          </a:prstGeom>
+        </p:spPr>
+        <p:style>
+          <a:lnRef idx="2">
+            <a:schemeClr val="dk1">
+              <a:shade val="50000"/>
+            </a:schemeClr>
+          </a:lnRef>
+          <a:fillRef idx="1">
+            <a:schemeClr val="dk1"/>
+          </a:fillRef>
+          <a:effectRef idx="0">
+            <a:schemeClr val="dk1"/>
+          </a:effectRef>
+          <a:fontRef idx="minor">
+            <a:schemeClr val="lt1"/>
+          </a:fontRef>
+        </p:style>
+        <p:txBody>
+          <a:bodyPr rtlCol="0" anchor="ctr"/>
+          <a:lstStyle/>
+          <a:p>
+            <a:pPr algn="ctr"/>
+            <a:endParaRPr lang="zh-CN" altLang="en-US"/>
+          </a:p>
+        </p:txBody>
+      </p:sp>
+      <p:sp>
+        <p:nvSpPr>
+          <p:cNvPr id="21" name="流程图: 接点 20">
+            <a:extLst>
+              <a:ext uri="{FF2B5EF4-FFF2-40B4-BE49-F238E27FC236}">
+                <a16:creationId xmlns:a16="http://schemas.microsoft.com/office/drawing/2014/main" id="{C1A27E7E-BCF3-42AB-8595-B7F4BB6AF9A9}"/>
+              </a:ext>
+            </a:extLst>
+          </p:cNvPr>
+          <p:cNvSpPr/>
+          <p:nvPr/>
+        </p:nvSpPr>
+        <p:spPr>
+          <a:xfrm>
+            <a:off x="8740216" y="2801333"/>
+            <a:ext cx="72000" cy="72000"/>
+          </a:xfrm>
+          <a:prstGeom prst="flowChartConnector">
+            <a:avLst/>
+          </a:prstGeom>
+        </p:spPr>
+        <p:style>
+          <a:lnRef idx="2">
+            <a:schemeClr val="dk1">
+              <a:shade val="50000"/>
+            </a:schemeClr>
+          </a:lnRef>
+          <a:fillRef idx="1">
+            <a:schemeClr val="dk1"/>
+          </a:fillRef>
+          <a:effectRef idx="0">
+            <a:schemeClr val="dk1"/>
+          </a:effectRef>
+          <a:fontRef idx="minor">
+            <a:schemeClr val="lt1"/>
+          </a:fontRef>
+        </p:style>
+        <p:txBody>
+          <a:bodyPr rtlCol="0" anchor="ctr"/>
+          <a:lstStyle/>
+          <a:p>
+            <a:pPr algn="ctr"/>
+            <a:endParaRPr lang="zh-CN" altLang="en-US"/>
+          </a:p>
+        </p:txBody>
+      </p:sp>
+      <p:cxnSp>
+        <p:nvCxnSpPr>
+          <p:cNvPr id="7" name="直接连接符 6">
+            <a:extLst>
+              <a:ext uri="{FF2B5EF4-FFF2-40B4-BE49-F238E27FC236}">
+                <a16:creationId xmlns:a16="http://schemas.microsoft.com/office/drawing/2014/main" id="{98350195-6F5C-41B5-A945-CA598E08FFBE}"/>
+              </a:ext>
+            </a:extLst>
+          </p:cNvPr>
+          <p:cNvCxnSpPr>
+            <a:cxnSpLocks/>
+            <a:stCxn id="5" idx="7"/>
+            <a:endCxn id="2" idx="0"/>
+          </p:cNvCxnSpPr>
+          <p:nvPr/>
+        </p:nvCxnSpPr>
+        <p:spPr>
+          <a:xfrm flipV="1">
+            <a:off x="1937390" y="1875934"/>
+            <a:ext cx="3624425" cy="934373"/>
+          </a:xfrm>
+          <a:prstGeom prst="line">
+            <a:avLst/>
+          </a:prstGeom>
+          <a:ln>
+            <a:prstDash val="dashDot"/>
+          </a:ln>
+        </p:spPr>
+        <p:style>
+          <a:lnRef idx="1">
+            <a:schemeClr val="dk1"/>
+          </a:lnRef>
+          <a:fillRef idx="0">
+            <a:schemeClr val="dk1"/>
+          </a:fillRef>
+          <a:effectRef idx="0">
+            <a:schemeClr val="dk1"/>
+          </a:effectRef>
+          <a:fontRef idx="minor">
+            <a:schemeClr val="tx1"/>
+          </a:fontRef>
+        </p:style>
+      </p:cxnSp>
+      <p:cxnSp>
+        <p:nvCxnSpPr>
+          <p:cNvPr id="25" name="直接连接符 24">
+            <a:extLst>
+              <a:ext uri="{FF2B5EF4-FFF2-40B4-BE49-F238E27FC236}">
+                <a16:creationId xmlns:a16="http://schemas.microsoft.com/office/drawing/2014/main" id="{4AE8FEAD-FBE3-4795-B086-0673E851606D}"/>
+              </a:ext>
+            </a:extLst>
+          </p:cNvPr>
+          <p:cNvCxnSpPr>
+            <a:cxnSpLocks/>
+            <a:stCxn id="2" idx="0"/>
+            <a:endCxn id="21" idx="0"/>
+          </p:cNvCxnSpPr>
+          <p:nvPr/>
+        </p:nvCxnSpPr>
+        <p:spPr>
+          <a:xfrm>
+            <a:off x="5561815" y="1875934"/>
+            <a:ext cx="3214401" cy="925399"/>
+          </a:xfrm>
+          <a:prstGeom prst="line">
+            <a:avLst/>
+          </a:prstGeom>
+          <a:ln>
+            <a:prstDash val="dashDot"/>
+          </a:ln>
+        </p:spPr>
+        <p:style>
+          <a:lnRef idx="1">
+            <a:schemeClr val="dk1"/>
+          </a:lnRef>
+          <a:fillRef idx="0">
+            <a:schemeClr val="dk1"/>
+          </a:fillRef>
+          <a:effectRef idx="0">
+            <a:schemeClr val="dk1"/>
+          </a:effectRef>
+          <a:fontRef idx="minor">
+            <a:schemeClr val="tx1"/>
+          </a:fontRef>
+        </p:style>
+      </p:cxnSp>
+      <p:cxnSp>
+        <p:nvCxnSpPr>
+          <p:cNvPr id="31" name="直接连接符 30">
+            <a:extLst>
+              <a:ext uri="{FF2B5EF4-FFF2-40B4-BE49-F238E27FC236}">
+                <a16:creationId xmlns:a16="http://schemas.microsoft.com/office/drawing/2014/main" id="{E360D7B9-D3B7-4195-8254-45EDB134B11F}"/>
+              </a:ext>
+            </a:extLst>
+          </p:cNvPr>
+          <p:cNvCxnSpPr>
+            <a:cxnSpLocks/>
+            <a:stCxn id="5" idx="4"/>
+            <a:endCxn id="2" idx="4"/>
+          </p:cNvCxnSpPr>
+          <p:nvPr/>
+        </p:nvCxnSpPr>
+        <p:spPr>
+          <a:xfrm>
+            <a:off x="1911934" y="2871763"/>
+            <a:ext cx="3649881" cy="936666"/>
+          </a:xfrm>
+          <a:prstGeom prst="line">
+            <a:avLst/>
+          </a:prstGeom>
+          <a:ln>
+            <a:prstDash val="dashDot"/>
+          </a:ln>
+        </p:spPr>
+        <p:style>
+          <a:lnRef idx="1">
+            <a:schemeClr val="dk1"/>
+          </a:lnRef>
+          <a:fillRef idx="0">
+            <a:schemeClr val="dk1"/>
+          </a:fillRef>
+          <a:effectRef idx="0">
+            <a:schemeClr val="dk1"/>
+          </a:effectRef>
+          <a:fontRef idx="minor">
+            <a:schemeClr val="tx1"/>
+          </a:fontRef>
+        </p:style>
+      </p:cxnSp>
+      <p:cxnSp>
+        <p:nvCxnSpPr>
+          <p:cNvPr id="33" name="直接连接符 32">
+            <a:extLst>
+              <a:ext uri="{FF2B5EF4-FFF2-40B4-BE49-F238E27FC236}">
+                <a16:creationId xmlns:a16="http://schemas.microsoft.com/office/drawing/2014/main" id="{7DFB0858-37E7-4421-8FCE-2FB9E0444626}"/>
+              </a:ext>
+            </a:extLst>
+          </p:cNvPr>
+          <p:cNvCxnSpPr>
+            <a:cxnSpLocks/>
+            <a:stCxn id="2" idx="4"/>
+            <a:endCxn id="21" idx="3"/>
+          </p:cNvCxnSpPr>
+          <p:nvPr/>
+        </p:nvCxnSpPr>
+        <p:spPr>
+          <a:xfrm flipV="1">
+            <a:off x="5561815" y="2862789"/>
+            <a:ext cx="3188945" cy="945640"/>
+          </a:xfrm>
+          <a:prstGeom prst="line">
+            <a:avLst/>
+          </a:prstGeom>
+          <a:ln>
+            <a:prstDash val="dashDot"/>
+          </a:ln>
+        </p:spPr>
+        <p:style>
+          <a:lnRef idx="1">
+            <a:schemeClr val="dk1"/>
+          </a:lnRef>
+          <a:fillRef idx="0">
+            <a:schemeClr val="dk1"/>
+          </a:fillRef>
+          <a:effectRef idx="0">
+            <a:schemeClr val="dk1"/>
+          </a:effectRef>
+          <a:fontRef idx="minor">
+            <a:schemeClr val="tx1"/>
+          </a:fontRef>
+        </p:style>
+      </p:cxnSp>
+      <p:cxnSp>
+        <p:nvCxnSpPr>
+          <p:cNvPr id="29" name="直接连接符 28">
+            <a:extLst>
+              <a:ext uri="{FF2B5EF4-FFF2-40B4-BE49-F238E27FC236}">
+                <a16:creationId xmlns:a16="http://schemas.microsoft.com/office/drawing/2014/main" id="{5816A793-2223-4BC5-A2B9-EA63FD0EC70A}"/>
+              </a:ext>
+            </a:extLst>
+          </p:cNvPr>
+          <p:cNvCxnSpPr>
+            <a:cxnSpLocks/>
+          </p:cNvCxnSpPr>
+          <p:nvPr/>
+        </p:nvCxnSpPr>
+        <p:spPr>
+          <a:xfrm>
+            <a:off x="8740216" y="1715678"/>
+            <a:ext cx="72000" cy="2300141"/>
+          </a:xfrm>
+          <a:prstGeom prst="line">
+            <a:avLst/>
+          </a:prstGeom>
+          <a:ln w="12700"/>
+        </p:spPr>
+        <p:style>
+          <a:lnRef idx="1">
+            <a:schemeClr val="dk1"/>
+          </a:lnRef>
+          <a:fillRef idx="0">
+            <a:schemeClr val="dk1"/>
+          </a:fillRef>
+          <a:effectRef idx="0">
+            <a:schemeClr val="dk1"/>
+          </a:effectRef>
+          <a:fontRef idx="minor">
+            <a:schemeClr val="tx1"/>
+          </a:fontRef>
+        </p:style>
+      </p:cxnSp>
+      <p:cxnSp>
+        <p:nvCxnSpPr>
+          <p:cNvPr id="41" name="直接连接符 40">
+            <a:extLst>
+              <a:ext uri="{FF2B5EF4-FFF2-40B4-BE49-F238E27FC236}">
+                <a16:creationId xmlns:a16="http://schemas.microsoft.com/office/drawing/2014/main" id="{C12B4DBE-4229-4E2F-9FEA-069C2DF7C89F}"/>
+              </a:ext>
+            </a:extLst>
+          </p:cNvPr>
+          <p:cNvCxnSpPr>
+            <a:cxnSpLocks/>
+          </p:cNvCxnSpPr>
+          <p:nvPr/>
+        </p:nvCxnSpPr>
+        <p:spPr>
+          <a:xfrm>
+            <a:off x="7984503" y="1715678"/>
+            <a:ext cx="65988" cy="2300141"/>
+          </a:xfrm>
+          <a:prstGeom prst="line">
+            <a:avLst/>
+          </a:prstGeom>
+          <a:ln w="12700"/>
+        </p:spPr>
+        <p:style>
+          <a:lnRef idx="1">
+            <a:schemeClr val="dk1"/>
+          </a:lnRef>
+          <a:fillRef idx="0">
+            <a:schemeClr val="dk1"/>
+          </a:fillRef>
+          <a:effectRef idx="0">
+            <a:schemeClr val="dk1"/>
+          </a:effectRef>
+          <a:fontRef idx="minor">
+            <a:schemeClr val="tx1"/>
+          </a:fontRef>
+        </p:style>
+      </p:cxnSp>
+      <p:sp>
+        <p:nvSpPr>
+          <p:cNvPr id="43" name="文本框 42">
+            <a:extLst>
+              <a:ext uri="{FF2B5EF4-FFF2-40B4-BE49-F238E27FC236}">
+                <a16:creationId xmlns:a16="http://schemas.microsoft.com/office/drawing/2014/main" id="{1D2E1275-29AD-4331-B1B4-ED12FCDB3456}"/>
+              </a:ext>
+            </a:extLst>
+          </p:cNvPr>
+          <p:cNvSpPr txBox="1"/>
+          <p:nvPr/>
+        </p:nvSpPr>
+        <p:spPr>
+          <a:xfrm>
+            <a:off x="8446417" y="1325739"/>
+            <a:ext cx="1361270" cy="369332"/>
+          </a:xfrm>
+          <a:prstGeom prst="rect">
+            <a:avLst/>
+          </a:prstGeom>
+          <a:noFill/>
+        </p:spPr>
+        <p:txBody>
+          <a:bodyPr wrap="none" rtlCol="0">
+            <a:spAutoFit/>
+          </a:bodyPr>
+          <a:lstStyle/>
+          <a:p>
+            <a:r>
+              <a:rPr lang="en-US" altLang="zh-CN" dirty="0"/>
+              <a:t>Focus plane</a:t>
+            </a:r>
+            <a:endParaRPr lang="zh-CN" altLang="en-US" dirty="0"/>
+          </a:p>
+        </p:txBody>
+      </p:sp>
+      <p:sp>
+        <p:nvSpPr>
+          <p:cNvPr id="44" name="文本框 43">
+            <a:extLst>
+              <a:ext uri="{FF2B5EF4-FFF2-40B4-BE49-F238E27FC236}">
+                <a16:creationId xmlns:a16="http://schemas.microsoft.com/office/drawing/2014/main" id="{4F4EE2CB-1B76-420D-BD17-53A6E3CFF089}"/>
+              </a:ext>
+            </a:extLst>
+          </p:cNvPr>
+          <p:cNvSpPr txBox="1"/>
+          <p:nvPr/>
+        </p:nvSpPr>
+        <p:spPr>
+          <a:xfrm>
+            <a:off x="7628345" y="1311633"/>
+            <a:ext cx="591829" cy="369332"/>
+          </a:xfrm>
+          <a:prstGeom prst="rect">
+            <a:avLst/>
+          </a:prstGeom>
+          <a:noFill/>
+        </p:spPr>
+        <p:txBody>
+          <a:bodyPr wrap="none" rtlCol="0">
+            <a:spAutoFit/>
+          </a:bodyPr>
+          <a:lstStyle/>
+          <a:p>
+            <a:r>
+              <a:rPr lang="en-US" altLang="zh-CN" dirty="0"/>
+              <a:t>Film</a:t>
+            </a:r>
+            <a:endParaRPr lang="zh-CN" altLang="en-US" dirty="0"/>
+          </a:p>
+        </p:txBody>
+      </p:sp>
+      <p:sp>
+        <p:nvSpPr>
+          <p:cNvPr id="50" name="文本框 49">
+            <a:extLst>
+              <a:ext uri="{FF2B5EF4-FFF2-40B4-BE49-F238E27FC236}">
+                <a16:creationId xmlns:a16="http://schemas.microsoft.com/office/drawing/2014/main" id="{A5A5509B-6212-4EA9-B5C3-9851AB354966}"/>
+              </a:ext>
+            </a:extLst>
+          </p:cNvPr>
+          <p:cNvSpPr txBox="1"/>
+          <p:nvPr/>
+        </p:nvSpPr>
+        <p:spPr>
+          <a:xfrm>
+            <a:off x="1875934" y="1325739"/>
+            <a:ext cx="747320" cy="369332"/>
+          </a:xfrm>
+          <a:prstGeom prst="rect">
+            <a:avLst/>
+          </a:prstGeom>
+          <a:noFill/>
+        </p:spPr>
+        <p:txBody>
+          <a:bodyPr wrap="none" rtlCol="0">
+            <a:spAutoFit/>
+          </a:bodyPr>
+          <a:lstStyle/>
+          <a:p>
+            <a:r>
+              <a:rPr lang="en-US" altLang="zh-CN" dirty="0"/>
+              <a:t>scene</a:t>
+            </a:r>
+            <a:endParaRPr lang="zh-CN" altLang="en-US" dirty="0"/>
+          </a:p>
+        </p:txBody>
+      </p:sp>
+      <p:sp>
+        <p:nvSpPr>
+          <p:cNvPr id="46" name="矩形 45">
+            <a:extLst>
+              <a:ext uri="{FF2B5EF4-FFF2-40B4-BE49-F238E27FC236}">
+                <a16:creationId xmlns:a16="http://schemas.microsoft.com/office/drawing/2014/main" id="{8B62DF59-4672-40D2-ACC9-59A6B8F29FB5}"/>
+              </a:ext>
+            </a:extLst>
+          </p:cNvPr>
+          <p:cNvSpPr/>
+          <p:nvPr/>
+        </p:nvSpPr>
+        <p:spPr>
+          <a:xfrm>
+            <a:off x="5358476" y="4056668"/>
+            <a:ext cx="1000565" cy="1316094"/>
+          </a:xfrm>
+          <a:prstGeom prst="rect">
+            <a:avLst/>
+          </a:prstGeom>
+        </p:spPr>
+        <p:style>
+          <a:lnRef idx="2">
+            <a:schemeClr val="dk1"/>
+          </a:lnRef>
+          <a:fillRef idx="1">
+            <a:schemeClr val="lt1"/>
+          </a:fillRef>
+          <a:effectRef idx="0">
+            <a:schemeClr val="dk1"/>
+          </a:effectRef>
+          <a:fontRef idx="minor">
+            <a:schemeClr val="dk1"/>
+          </a:fontRef>
+        </p:style>
+        <p:txBody>
+          <a:bodyPr rtlCol="0" anchor="ctr"/>
+          <a:lstStyle/>
+          <a:p>
+            <a:pPr algn="ctr"/>
+            <a:endParaRPr lang="zh-CN" altLang="en-US"/>
+          </a:p>
+        </p:txBody>
+      </p:sp>
+      <p:sp>
+        <p:nvSpPr>
+          <p:cNvPr id="47" name="流程图: 接点 46">
+            <a:extLst>
+              <a:ext uri="{FF2B5EF4-FFF2-40B4-BE49-F238E27FC236}">
+                <a16:creationId xmlns:a16="http://schemas.microsoft.com/office/drawing/2014/main" id="{2C68247B-A92C-4D6F-9373-DDA73259ABDD}"/>
+              </a:ext>
+            </a:extLst>
+          </p:cNvPr>
+          <p:cNvSpPr/>
+          <p:nvPr/>
+        </p:nvSpPr>
+        <p:spPr>
+          <a:xfrm>
+            <a:off x="5607620" y="4465508"/>
+            <a:ext cx="457200" cy="457200"/>
+          </a:xfrm>
+          <a:prstGeom prst="flowChartConnector">
+            <a:avLst/>
+          </a:prstGeom>
+        </p:spPr>
+        <p:style>
+          <a:lnRef idx="2">
+            <a:schemeClr val="accent2">
+              <a:shade val="50000"/>
+            </a:schemeClr>
+          </a:lnRef>
+          <a:fillRef idx="1">
+            <a:schemeClr val="accent2"/>
+          </a:fillRef>
+          <a:effectRef idx="0">
+            <a:schemeClr val="accent2"/>
+          </a:effectRef>
+          <a:fontRef idx="minor">
+            <a:schemeClr val="lt1"/>
+          </a:fontRef>
+        </p:style>
+        <p:txBody>
+          <a:bodyPr rtlCol="0" anchor="ctr"/>
+          <a:lstStyle/>
+          <a:p>
+            <a:pPr algn="ctr"/>
+            <a:endParaRPr lang="zh-CN" altLang="en-US"/>
+          </a:p>
+        </p:txBody>
+      </p:sp>
+      <p:cxnSp>
+        <p:nvCxnSpPr>
+          <p:cNvPr id="51" name="直接连接符 50">
+            <a:extLst>
+              <a:ext uri="{FF2B5EF4-FFF2-40B4-BE49-F238E27FC236}">
+                <a16:creationId xmlns:a16="http://schemas.microsoft.com/office/drawing/2014/main" id="{DB87D70B-E68B-4448-9FD1-81B32294E27A}"/>
+              </a:ext>
+            </a:extLst>
+          </p:cNvPr>
+          <p:cNvCxnSpPr>
+            <a:cxnSpLocks/>
+          </p:cNvCxnSpPr>
+          <p:nvPr/>
+        </p:nvCxnSpPr>
+        <p:spPr>
+          <a:xfrm>
+            <a:off x="8017497" y="2592371"/>
+            <a:ext cx="0" cy="499621"/>
+          </a:xfrm>
+          <a:prstGeom prst="line">
+            <a:avLst/>
+          </a:prstGeom>
+          <a:ln w="28575"/>
+        </p:spPr>
+        <p:style>
+          <a:lnRef idx="1">
+            <a:schemeClr val="accent2"/>
+          </a:lnRef>
+          <a:fillRef idx="0">
+            <a:schemeClr val="accent2"/>
+          </a:fillRef>
+          <a:effectRef idx="0">
+            <a:schemeClr val="accent2"/>
+          </a:effectRef>
+          <a:fontRef idx="minor">
+            <a:schemeClr val="tx1"/>
+          </a:fontRef>
+        </p:style>
+      </p:cxnSp>
+      <p:cxnSp>
+        <p:nvCxnSpPr>
+          <p:cNvPr id="58" name="直接箭头连接符 57">
+            <a:extLst>
+              <a:ext uri="{FF2B5EF4-FFF2-40B4-BE49-F238E27FC236}">
+                <a16:creationId xmlns:a16="http://schemas.microsoft.com/office/drawing/2014/main" id="{784311ED-C1C5-4857-97AE-1EEEA04A4CD7}"/>
+              </a:ext>
+            </a:extLst>
+          </p:cNvPr>
+          <p:cNvCxnSpPr>
+            <a:cxnSpLocks/>
+            <a:endCxn id="47" idx="1"/>
+          </p:cNvCxnSpPr>
+          <p:nvPr/>
+        </p:nvCxnSpPr>
+        <p:spPr>
+          <a:xfrm flipH="1">
+            <a:off x="5674575" y="2589756"/>
+            <a:ext cx="2330114" cy="1942707"/>
+          </a:xfrm>
+          <a:prstGeom prst="straightConnector1">
+            <a:avLst/>
+          </a:prstGeom>
+          <a:ln>
+            <a:tailEnd type="triangle"/>
+          </a:ln>
+        </p:spPr>
+        <p:style>
+          <a:lnRef idx="1">
+            <a:schemeClr val="accent2"/>
+          </a:lnRef>
+          <a:fillRef idx="0">
+            <a:schemeClr val="accent2"/>
+          </a:fillRef>
+          <a:effectRef idx="0">
+            <a:schemeClr val="accent2"/>
+          </a:effectRef>
+          <a:fontRef idx="minor">
+            <a:schemeClr val="tx1"/>
+          </a:fontRef>
+        </p:style>
+      </p:cxnSp>
+      <p:cxnSp>
+        <p:nvCxnSpPr>
+          <p:cNvPr id="60" name="直接箭头连接符 59">
+            <a:extLst>
+              <a:ext uri="{FF2B5EF4-FFF2-40B4-BE49-F238E27FC236}">
+                <a16:creationId xmlns:a16="http://schemas.microsoft.com/office/drawing/2014/main" id="{B472E475-0CC3-426D-8B01-EEFA84E17301}"/>
+              </a:ext>
+            </a:extLst>
+          </p:cNvPr>
+          <p:cNvCxnSpPr>
+            <a:cxnSpLocks/>
+          </p:cNvCxnSpPr>
+          <p:nvPr/>
+        </p:nvCxnSpPr>
+        <p:spPr>
+          <a:xfrm flipH="1">
+            <a:off x="5950304" y="3091992"/>
+            <a:ext cx="2087379" cy="1830716"/>
+          </a:xfrm>
+          <a:prstGeom prst="straightConnector1">
+            <a:avLst/>
+          </a:prstGeom>
+          <a:ln>
+            <a:tailEnd type="triangle"/>
+          </a:ln>
+        </p:spPr>
+        <p:style>
+          <a:lnRef idx="1">
+            <a:schemeClr val="accent2"/>
+          </a:lnRef>
+          <a:fillRef idx="0">
+            <a:schemeClr val="accent2"/>
+          </a:fillRef>
+          <a:effectRef idx="0">
+            <a:schemeClr val="accent2"/>
+          </a:effectRef>
+          <a:fontRef idx="minor">
+            <a:schemeClr val="tx1"/>
+          </a:fontRef>
+        </p:style>
+      </p:cxnSp>
+      <p:sp>
+        <p:nvSpPr>
+          <p:cNvPr id="62" name="文本框 61">
+            <a:extLst>
+              <a:ext uri="{FF2B5EF4-FFF2-40B4-BE49-F238E27FC236}">
+                <a16:creationId xmlns:a16="http://schemas.microsoft.com/office/drawing/2014/main" id="{59CB938D-F075-40C7-8741-B6661CC209D6}"/>
+              </a:ext>
+            </a:extLst>
+          </p:cNvPr>
+          <p:cNvSpPr txBox="1"/>
+          <p:nvPr/>
+        </p:nvSpPr>
+        <p:spPr>
+          <a:xfrm>
+            <a:off x="5358475" y="4047393"/>
+            <a:ext cx="591829" cy="369332"/>
+          </a:xfrm>
+          <a:prstGeom prst="rect">
+            <a:avLst/>
+          </a:prstGeom>
+          <a:noFill/>
+        </p:spPr>
+        <p:txBody>
+          <a:bodyPr wrap="none" rtlCol="0">
+            <a:spAutoFit/>
+          </a:bodyPr>
+          <a:lstStyle/>
+          <a:p>
+            <a:r>
+              <a:rPr lang="en-US" altLang="zh-CN" dirty="0"/>
+              <a:t>Film</a:t>
+            </a:r>
+            <a:endParaRPr lang="zh-CN" altLang="en-US" dirty="0"/>
+          </a:p>
+        </p:txBody>
+      </p:sp>
+    </p:spTree>
+    <p:extLst>
+      <p:ext uri="{BB962C8B-B14F-4D97-AF65-F5344CB8AC3E}">
+        <p14:creationId xmlns:p14="http://schemas.microsoft.com/office/powerpoint/2010/main" val="3179514684"/>
+      </p:ext>
+    </p:extLst>
+  </p:cSld>
+  <p:clrMapOvr>
+    <a:masterClrMapping/>
+  </p:clrMapOvr>
+</p:sld>
+</file>
+
+<file path=ppt/slides/slide5.xml><?xml version="1.0" encoding="utf-8"?>
+<p:sld xmlns:a="http://schemas.openxmlformats.org/drawingml/2006/main" xmlns:r="http://schemas.openxmlformats.org/officeDocument/2006/relationships" xmlns:p="http://schemas.openxmlformats.org/presentationml/2006/main">
+  <p:cSld>
+    <p:spTree>
+      <p:nvGrpSpPr>
+        <p:cNvPr id="1" name=""/>
+        <p:cNvGrpSpPr/>
+        <p:nvPr/>
+      </p:nvGrpSpPr>
+      <p:grpSpPr>
+        <a:xfrm>
+          <a:off x="0" y="0"/>
+          <a:ext cx="0" cy="0"/>
+          <a:chOff x="0" y="0"/>
+          <a:chExt cx="0" cy="0"/>
+        </a:xfrm>
+      </p:grpSpPr>
+      <p:sp>
+        <p:nvSpPr>
+          <p:cNvPr id="2" name="椭圆 1">
+            <a:extLst>
+              <a:ext uri="{FF2B5EF4-FFF2-40B4-BE49-F238E27FC236}">
+                <a16:creationId xmlns:a16="http://schemas.microsoft.com/office/drawing/2014/main" id="{40EC5649-AA5C-49C0-B5B9-DF5C2DFC4E03}"/>
+              </a:ext>
+            </a:extLst>
+          </p:cNvPr>
+          <p:cNvSpPr/>
+          <p:nvPr/>
+        </p:nvSpPr>
+        <p:spPr>
+          <a:xfrm>
+            <a:off x="5297864" y="1875934"/>
+            <a:ext cx="527901" cy="1932495"/>
+          </a:xfrm>
+          <a:prstGeom prst="ellipse">
+            <a:avLst/>
+          </a:prstGeom>
+        </p:spPr>
+        <p:style>
+          <a:lnRef idx="2">
+            <a:schemeClr val="dk1"/>
+          </a:lnRef>
+          <a:fillRef idx="1">
+            <a:schemeClr val="lt1"/>
+          </a:fillRef>
+          <a:effectRef idx="0">
+            <a:schemeClr val="dk1"/>
+          </a:effectRef>
+          <a:fontRef idx="minor">
+            <a:schemeClr val="dk1"/>
+          </a:fontRef>
+        </p:style>
+        <p:txBody>
+          <a:bodyPr rtlCol="0" anchor="ctr"/>
+          <a:lstStyle/>
+          <a:p>
+            <a:pPr algn="ctr"/>
+            <a:endParaRPr lang="zh-CN" altLang="en-US"/>
+          </a:p>
+        </p:txBody>
+      </p:sp>
+      <p:cxnSp>
+        <p:nvCxnSpPr>
+          <p:cNvPr id="4" name="直接连接符 3">
+            <a:extLst>
+              <a:ext uri="{FF2B5EF4-FFF2-40B4-BE49-F238E27FC236}">
+                <a16:creationId xmlns:a16="http://schemas.microsoft.com/office/drawing/2014/main" id="{11533AF1-774D-4FD4-918E-C1BE7184A4F8}"/>
+              </a:ext>
+            </a:extLst>
+          </p:cNvPr>
+          <p:cNvCxnSpPr/>
+          <p:nvPr/>
+        </p:nvCxnSpPr>
+        <p:spPr>
+          <a:xfrm>
+            <a:off x="1461155" y="2842181"/>
+            <a:ext cx="9125146" cy="0"/>
+          </a:xfrm>
+          <a:prstGeom prst="line">
+            <a:avLst/>
+          </a:prstGeom>
+        </p:spPr>
+        <p:style>
+          <a:lnRef idx="1">
+            <a:schemeClr val="dk1"/>
+          </a:lnRef>
+          <a:fillRef idx="0">
+            <a:schemeClr val="dk1"/>
+          </a:fillRef>
+          <a:effectRef idx="0">
+            <a:schemeClr val="dk1"/>
+          </a:effectRef>
+          <a:fontRef idx="minor">
+            <a:schemeClr val="tx1"/>
+          </a:fontRef>
+        </p:style>
+      </p:cxnSp>
+      <p:sp>
+        <p:nvSpPr>
+          <p:cNvPr id="5" name="流程图: 接点 4">
+            <a:extLst>
+              <a:ext uri="{FF2B5EF4-FFF2-40B4-BE49-F238E27FC236}">
+                <a16:creationId xmlns:a16="http://schemas.microsoft.com/office/drawing/2014/main" id="{A67199AC-0ECF-4B19-BEAD-8A6C062CB32E}"/>
+              </a:ext>
+            </a:extLst>
+          </p:cNvPr>
+          <p:cNvSpPr/>
+          <p:nvPr/>
+        </p:nvSpPr>
+        <p:spPr>
+          <a:xfrm>
+            <a:off x="1875934" y="2799763"/>
+            <a:ext cx="72000" cy="72000"/>
+          </a:xfrm>
+          <a:prstGeom prst="flowChartConnector">
+            <a:avLst/>
+          </a:prstGeom>
+        </p:spPr>
+        <p:style>
+          <a:lnRef idx="2">
+            <a:schemeClr val="dk1">
+              <a:shade val="50000"/>
+            </a:schemeClr>
+          </a:lnRef>
+          <a:fillRef idx="1">
+            <a:schemeClr val="dk1"/>
+          </a:fillRef>
+          <a:effectRef idx="0">
+            <a:schemeClr val="dk1"/>
+          </a:effectRef>
+          <a:fontRef idx="minor">
+            <a:schemeClr val="lt1"/>
+          </a:fontRef>
+        </p:style>
+        <p:txBody>
+          <a:bodyPr rtlCol="0" anchor="ctr"/>
+          <a:lstStyle/>
+          <a:p>
+            <a:pPr algn="ctr"/>
+            <a:endParaRPr lang="zh-CN" altLang="en-US"/>
+          </a:p>
+        </p:txBody>
+      </p:sp>
+      <p:sp>
+        <p:nvSpPr>
+          <p:cNvPr id="21" name="流程图: 接点 20">
+            <a:extLst>
+              <a:ext uri="{FF2B5EF4-FFF2-40B4-BE49-F238E27FC236}">
+                <a16:creationId xmlns:a16="http://schemas.microsoft.com/office/drawing/2014/main" id="{C1A27E7E-BCF3-42AB-8595-B7F4BB6AF9A9}"/>
+              </a:ext>
+            </a:extLst>
+          </p:cNvPr>
+          <p:cNvSpPr/>
+          <p:nvPr/>
+        </p:nvSpPr>
+        <p:spPr>
+          <a:xfrm>
+            <a:off x="8740216" y="2801333"/>
+            <a:ext cx="72000" cy="72000"/>
+          </a:xfrm>
+          <a:prstGeom prst="flowChartConnector">
+            <a:avLst/>
+          </a:prstGeom>
+        </p:spPr>
+        <p:style>
+          <a:lnRef idx="2">
+            <a:schemeClr val="dk1">
+              <a:shade val="50000"/>
+            </a:schemeClr>
+          </a:lnRef>
+          <a:fillRef idx="1">
+            <a:schemeClr val="dk1"/>
+          </a:fillRef>
+          <a:effectRef idx="0">
+            <a:schemeClr val="dk1"/>
+          </a:effectRef>
+          <a:fontRef idx="minor">
+            <a:schemeClr val="lt1"/>
+          </a:fontRef>
+        </p:style>
+        <p:txBody>
+          <a:bodyPr rtlCol="0" anchor="ctr"/>
+          <a:lstStyle/>
+          <a:p>
+            <a:pPr algn="ctr"/>
+            <a:endParaRPr lang="zh-CN" altLang="en-US"/>
+          </a:p>
+        </p:txBody>
+      </p:sp>
+      <p:cxnSp>
+        <p:nvCxnSpPr>
+          <p:cNvPr id="7" name="直接连接符 6">
+            <a:extLst>
+              <a:ext uri="{FF2B5EF4-FFF2-40B4-BE49-F238E27FC236}">
+                <a16:creationId xmlns:a16="http://schemas.microsoft.com/office/drawing/2014/main" id="{98350195-6F5C-41B5-A945-CA598E08FFBE}"/>
+              </a:ext>
+            </a:extLst>
+          </p:cNvPr>
+          <p:cNvCxnSpPr>
+            <a:cxnSpLocks/>
+            <a:stCxn id="5" idx="7"/>
+            <a:endCxn id="2" idx="0"/>
+          </p:cNvCxnSpPr>
+          <p:nvPr/>
+        </p:nvCxnSpPr>
+        <p:spPr>
+          <a:xfrm flipV="1">
+            <a:off x="1937390" y="1875934"/>
+            <a:ext cx="3624425" cy="934373"/>
+          </a:xfrm>
+          <a:prstGeom prst="line">
+            <a:avLst/>
+          </a:prstGeom>
+          <a:ln>
+            <a:prstDash val="dashDot"/>
+          </a:ln>
+        </p:spPr>
+        <p:style>
+          <a:lnRef idx="1">
+            <a:schemeClr val="dk1"/>
+          </a:lnRef>
+          <a:fillRef idx="0">
+            <a:schemeClr val="dk1"/>
+          </a:fillRef>
+          <a:effectRef idx="0">
+            <a:schemeClr val="dk1"/>
+          </a:effectRef>
+          <a:fontRef idx="minor">
+            <a:schemeClr val="tx1"/>
+          </a:fontRef>
+        </p:style>
+      </p:cxnSp>
+      <p:cxnSp>
+        <p:nvCxnSpPr>
+          <p:cNvPr id="25" name="直接连接符 24">
+            <a:extLst>
+              <a:ext uri="{FF2B5EF4-FFF2-40B4-BE49-F238E27FC236}">
+                <a16:creationId xmlns:a16="http://schemas.microsoft.com/office/drawing/2014/main" id="{4AE8FEAD-FBE3-4795-B086-0673E851606D}"/>
+              </a:ext>
+            </a:extLst>
+          </p:cNvPr>
+          <p:cNvCxnSpPr>
+            <a:cxnSpLocks/>
+            <a:stCxn id="2" idx="0"/>
+            <a:endCxn id="21" idx="0"/>
+          </p:cNvCxnSpPr>
+          <p:nvPr/>
+        </p:nvCxnSpPr>
+        <p:spPr>
+          <a:xfrm>
+            <a:off x="5561815" y="1875934"/>
+            <a:ext cx="3214401" cy="925399"/>
+          </a:xfrm>
+          <a:prstGeom prst="line">
+            <a:avLst/>
+          </a:prstGeom>
+          <a:ln>
+            <a:prstDash val="dashDot"/>
+          </a:ln>
+        </p:spPr>
+        <p:style>
+          <a:lnRef idx="1">
+            <a:schemeClr val="dk1"/>
+          </a:lnRef>
+          <a:fillRef idx="0">
+            <a:schemeClr val="dk1"/>
+          </a:fillRef>
+          <a:effectRef idx="0">
+            <a:schemeClr val="dk1"/>
+          </a:effectRef>
+          <a:fontRef idx="minor">
+            <a:schemeClr val="tx1"/>
+          </a:fontRef>
+        </p:style>
+      </p:cxnSp>
+      <p:cxnSp>
+        <p:nvCxnSpPr>
+          <p:cNvPr id="31" name="直接连接符 30">
+            <a:extLst>
+              <a:ext uri="{FF2B5EF4-FFF2-40B4-BE49-F238E27FC236}">
+                <a16:creationId xmlns:a16="http://schemas.microsoft.com/office/drawing/2014/main" id="{E360D7B9-D3B7-4195-8254-45EDB134B11F}"/>
+              </a:ext>
+            </a:extLst>
+          </p:cNvPr>
+          <p:cNvCxnSpPr>
+            <a:cxnSpLocks/>
+            <a:stCxn id="5" idx="4"/>
+            <a:endCxn id="2" idx="4"/>
+          </p:cNvCxnSpPr>
+          <p:nvPr/>
+        </p:nvCxnSpPr>
+        <p:spPr>
+          <a:xfrm>
+            <a:off x="1911934" y="2871763"/>
+            <a:ext cx="3649881" cy="936666"/>
+          </a:xfrm>
+          <a:prstGeom prst="line">
+            <a:avLst/>
+          </a:prstGeom>
+          <a:ln>
+            <a:prstDash val="dashDot"/>
+          </a:ln>
+        </p:spPr>
+        <p:style>
+          <a:lnRef idx="1">
+            <a:schemeClr val="dk1"/>
+          </a:lnRef>
+          <a:fillRef idx="0">
+            <a:schemeClr val="dk1"/>
+          </a:fillRef>
+          <a:effectRef idx="0">
+            <a:schemeClr val="dk1"/>
+          </a:effectRef>
+          <a:fontRef idx="minor">
+            <a:schemeClr val="tx1"/>
+          </a:fontRef>
+        </p:style>
+      </p:cxnSp>
+      <p:cxnSp>
+        <p:nvCxnSpPr>
+          <p:cNvPr id="33" name="直接连接符 32">
+            <a:extLst>
+              <a:ext uri="{FF2B5EF4-FFF2-40B4-BE49-F238E27FC236}">
+                <a16:creationId xmlns:a16="http://schemas.microsoft.com/office/drawing/2014/main" id="{7DFB0858-37E7-4421-8FCE-2FB9E0444626}"/>
+              </a:ext>
+            </a:extLst>
+          </p:cNvPr>
+          <p:cNvCxnSpPr>
+            <a:cxnSpLocks/>
+            <a:stCxn id="2" idx="4"/>
+            <a:endCxn id="21" idx="3"/>
+          </p:cNvCxnSpPr>
+          <p:nvPr/>
+        </p:nvCxnSpPr>
+        <p:spPr>
+          <a:xfrm flipV="1">
+            <a:off x="5561815" y="2862789"/>
+            <a:ext cx="3188945" cy="945640"/>
+          </a:xfrm>
+          <a:prstGeom prst="line">
+            <a:avLst/>
+          </a:prstGeom>
+          <a:ln>
+            <a:prstDash val="dashDot"/>
+          </a:ln>
+        </p:spPr>
+        <p:style>
+          <a:lnRef idx="1">
+            <a:schemeClr val="dk1"/>
+          </a:lnRef>
+          <a:fillRef idx="0">
+            <a:schemeClr val="dk1"/>
+          </a:fillRef>
+          <a:effectRef idx="0">
+            <a:schemeClr val="dk1"/>
+          </a:effectRef>
+          <a:fontRef idx="minor">
+            <a:schemeClr val="tx1"/>
+          </a:fontRef>
+        </p:style>
+      </p:cxnSp>
+      <p:cxnSp>
+        <p:nvCxnSpPr>
+          <p:cNvPr id="29" name="直接连接符 28">
+            <a:extLst>
+              <a:ext uri="{FF2B5EF4-FFF2-40B4-BE49-F238E27FC236}">
+                <a16:creationId xmlns:a16="http://schemas.microsoft.com/office/drawing/2014/main" id="{5816A793-2223-4BC5-A2B9-EA63FD0EC70A}"/>
+              </a:ext>
+            </a:extLst>
+          </p:cNvPr>
+          <p:cNvCxnSpPr>
+            <a:cxnSpLocks/>
+          </p:cNvCxnSpPr>
+          <p:nvPr/>
+        </p:nvCxnSpPr>
+        <p:spPr>
+          <a:xfrm>
+            <a:off x="8740216" y="1715678"/>
+            <a:ext cx="72000" cy="2300141"/>
+          </a:xfrm>
+          <a:prstGeom prst="line">
+            <a:avLst/>
+          </a:prstGeom>
+          <a:ln w="12700"/>
+        </p:spPr>
+        <p:style>
+          <a:lnRef idx="1">
+            <a:schemeClr val="dk1"/>
+          </a:lnRef>
+          <a:fillRef idx="0">
+            <a:schemeClr val="dk1"/>
+          </a:fillRef>
+          <a:effectRef idx="0">
+            <a:schemeClr val="dk1"/>
+          </a:effectRef>
+          <a:fontRef idx="minor">
+            <a:schemeClr val="tx1"/>
+          </a:fontRef>
+        </p:style>
+      </p:cxnSp>
+      <p:cxnSp>
+        <p:nvCxnSpPr>
+          <p:cNvPr id="41" name="直接连接符 40">
+            <a:extLst>
+              <a:ext uri="{FF2B5EF4-FFF2-40B4-BE49-F238E27FC236}">
+                <a16:creationId xmlns:a16="http://schemas.microsoft.com/office/drawing/2014/main" id="{C12B4DBE-4229-4E2F-9FEA-069C2DF7C89F}"/>
+              </a:ext>
+            </a:extLst>
+          </p:cNvPr>
+          <p:cNvCxnSpPr>
+            <a:cxnSpLocks/>
+          </p:cNvCxnSpPr>
+          <p:nvPr/>
+        </p:nvCxnSpPr>
+        <p:spPr>
+          <a:xfrm>
+            <a:off x="8210746" y="1728247"/>
+            <a:ext cx="65988" cy="2300141"/>
+          </a:xfrm>
+          <a:prstGeom prst="line">
+            <a:avLst/>
+          </a:prstGeom>
+          <a:ln w="12700"/>
+        </p:spPr>
+        <p:style>
+          <a:lnRef idx="1">
+            <a:schemeClr val="dk1"/>
+          </a:lnRef>
+          <a:fillRef idx="0">
+            <a:schemeClr val="dk1"/>
+          </a:fillRef>
+          <a:effectRef idx="0">
+            <a:schemeClr val="dk1"/>
+          </a:effectRef>
+          <a:fontRef idx="minor">
+            <a:schemeClr val="tx1"/>
+          </a:fontRef>
+        </p:style>
+      </p:cxnSp>
+      <p:sp>
+        <p:nvSpPr>
+          <p:cNvPr id="44" name="文本框 43">
+            <a:extLst>
+              <a:ext uri="{FF2B5EF4-FFF2-40B4-BE49-F238E27FC236}">
+                <a16:creationId xmlns:a16="http://schemas.microsoft.com/office/drawing/2014/main" id="{4F4EE2CB-1B76-420D-BD17-53A6E3CFF089}"/>
+              </a:ext>
+            </a:extLst>
+          </p:cNvPr>
+          <p:cNvSpPr txBox="1"/>
+          <p:nvPr/>
+        </p:nvSpPr>
+        <p:spPr>
+          <a:xfrm>
+            <a:off x="7914831" y="1334559"/>
+            <a:ext cx="591829" cy="369332"/>
+          </a:xfrm>
+          <a:prstGeom prst="rect">
+            <a:avLst/>
+          </a:prstGeom>
+          <a:noFill/>
+        </p:spPr>
+        <p:txBody>
+          <a:bodyPr wrap="none" rtlCol="0">
+            <a:spAutoFit/>
+          </a:bodyPr>
+          <a:lstStyle/>
+          <a:p>
+            <a:r>
+              <a:rPr lang="en-US" altLang="zh-CN" dirty="0"/>
+              <a:t>Film</a:t>
+            </a:r>
+            <a:endParaRPr lang="zh-CN" altLang="en-US" dirty="0"/>
+          </a:p>
+        </p:txBody>
+      </p:sp>
+      <p:sp>
+        <p:nvSpPr>
+          <p:cNvPr id="50" name="文本框 49">
+            <a:extLst>
+              <a:ext uri="{FF2B5EF4-FFF2-40B4-BE49-F238E27FC236}">
+                <a16:creationId xmlns:a16="http://schemas.microsoft.com/office/drawing/2014/main" id="{A5A5509B-6212-4EA9-B5C3-9851AB354966}"/>
+              </a:ext>
+            </a:extLst>
+          </p:cNvPr>
+          <p:cNvSpPr txBox="1"/>
+          <p:nvPr/>
+        </p:nvSpPr>
+        <p:spPr>
+          <a:xfrm>
+            <a:off x="1875934" y="1325739"/>
+            <a:ext cx="747320" cy="369332"/>
+          </a:xfrm>
+          <a:prstGeom prst="rect">
+            <a:avLst/>
+          </a:prstGeom>
+          <a:noFill/>
+        </p:spPr>
+        <p:txBody>
+          <a:bodyPr wrap="none" rtlCol="0">
+            <a:spAutoFit/>
+          </a:bodyPr>
+          <a:lstStyle/>
+          <a:p>
+            <a:r>
+              <a:rPr lang="en-US" altLang="zh-CN" dirty="0"/>
+              <a:t>scene</a:t>
+            </a:r>
+            <a:endParaRPr lang="zh-CN" altLang="en-US" dirty="0"/>
+          </a:p>
+        </p:txBody>
+      </p:sp>
+      <p:cxnSp>
+        <p:nvCxnSpPr>
+          <p:cNvPr id="51" name="直接连接符 50">
+            <a:extLst>
+              <a:ext uri="{FF2B5EF4-FFF2-40B4-BE49-F238E27FC236}">
+                <a16:creationId xmlns:a16="http://schemas.microsoft.com/office/drawing/2014/main" id="{DB87D70B-E68B-4448-9FD1-81B32294E27A}"/>
+              </a:ext>
+            </a:extLst>
+          </p:cNvPr>
+          <p:cNvCxnSpPr>
+            <a:cxnSpLocks/>
+          </p:cNvCxnSpPr>
+          <p:nvPr/>
+        </p:nvCxnSpPr>
+        <p:spPr>
+          <a:xfrm>
+            <a:off x="8253167" y="2658359"/>
+            <a:ext cx="0" cy="367645"/>
+          </a:xfrm>
+          <a:prstGeom prst="line">
+            <a:avLst/>
+          </a:prstGeom>
+          <a:ln w="28575">
+            <a:solidFill>
+              <a:srgbClr val="FF0000"/>
+            </a:solidFill>
+          </a:ln>
+        </p:spPr>
+        <p:style>
+          <a:lnRef idx="1">
+            <a:schemeClr val="accent2"/>
+          </a:lnRef>
+          <a:fillRef idx="0">
+            <a:schemeClr val="accent2"/>
+          </a:fillRef>
+          <a:effectRef idx="0">
+            <a:schemeClr val="accent2"/>
+          </a:effectRef>
+          <a:fontRef idx="minor">
+            <a:schemeClr val="tx1"/>
+          </a:fontRef>
+        </p:style>
+      </p:cxnSp>
+      <p:sp>
+        <p:nvSpPr>
+          <p:cNvPr id="26" name="流程图: 接点 25">
+            <a:extLst>
+              <a:ext uri="{FF2B5EF4-FFF2-40B4-BE49-F238E27FC236}">
+                <a16:creationId xmlns:a16="http://schemas.microsoft.com/office/drawing/2014/main" id="{16FE19A8-311C-4652-9FF4-F319E865B4CE}"/>
+              </a:ext>
+            </a:extLst>
+          </p:cNvPr>
+          <p:cNvSpPr/>
+          <p:nvPr/>
+        </p:nvSpPr>
+        <p:spPr>
+          <a:xfrm>
+            <a:off x="2329994" y="2810759"/>
+            <a:ext cx="72000" cy="72000"/>
+          </a:xfrm>
+          <a:prstGeom prst="flowChartConnector">
+            <a:avLst/>
+          </a:prstGeom>
+        </p:spPr>
+        <p:style>
+          <a:lnRef idx="2">
+            <a:schemeClr val="dk1">
+              <a:shade val="50000"/>
+            </a:schemeClr>
+          </a:lnRef>
+          <a:fillRef idx="1">
+            <a:schemeClr val="dk1"/>
+          </a:fillRef>
+          <a:effectRef idx="0">
+            <a:schemeClr val="dk1"/>
+          </a:effectRef>
+          <a:fontRef idx="minor">
+            <a:schemeClr val="lt1"/>
+          </a:fontRef>
+        </p:style>
+        <p:txBody>
+          <a:bodyPr rtlCol="0" anchor="ctr"/>
+          <a:lstStyle/>
+          <a:p>
+            <a:pPr algn="ctr"/>
+            <a:endParaRPr lang="zh-CN" altLang="en-US"/>
+          </a:p>
+        </p:txBody>
+      </p:sp>
+      <p:cxnSp>
+        <p:nvCxnSpPr>
+          <p:cNvPr id="27" name="直接连接符 26">
+            <a:extLst>
+              <a:ext uri="{FF2B5EF4-FFF2-40B4-BE49-F238E27FC236}">
+                <a16:creationId xmlns:a16="http://schemas.microsoft.com/office/drawing/2014/main" id="{1540E8F0-FAF8-46B5-8894-3C7A571C72D9}"/>
+              </a:ext>
+            </a:extLst>
+          </p:cNvPr>
+          <p:cNvCxnSpPr>
+            <a:cxnSpLocks/>
+            <a:stCxn id="26" idx="7"/>
+            <a:endCxn id="2" idx="0"/>
+          </p:cNvCxnSpPr>
+          <p:nvPr/>
+        </p:nvCxnSpPr>
+        <p:spPr>
+          <a:xfrm flipV="1">
+            <a:off x="2391450" y="1875934"/>
+            <a:ext cx="3170365" cy="945369"/>
+          </a:xfrm>
+          <a:prstGeom prst="line">
+            <a:avLst/>
+          </a:prstGeom>
+          <a:ln w="9525">
+            <a:prstDash val="lgDash"/>
+          </a:ln>
+        </p:spPr>
+        <p:style>
+          <a:lnRef idx="1">
+            <a:schemeClr val="dk1"/>
+          </a:lnRef>
+          <a:fillRef idx="0">
+            <a:schemeClr val="dk1"/>
+          </a:fillRef>
+          <a:effectRef idx="0">
+            <a:schemeClr val="dk1"/>
+          </a:effectRef>
+          <a:fontRef idx="minor">
+            <a:schemeClr val="tx1"/>
+          </a:fontRef>
+        </p:style>
+      </p:cxnSp>
+      <p:cxnSp>
+        <p:nvCxnSpPr>
+          <p:cNvPr id="30" name="直接连接符 29">
+            <a:extLst>
+              <a:ext uri="{FF2B5EF4-FFF2-40B4-BE49-F238E27FC236}">
+                <a16:creationId xmlns:a16="http://schemas.microsoft.com/office/drawing/2014/main" id="{62A3907F-E94D-4346-A329-A90C4BE792BF}"/>
+              </a:ext>
+            </a:extLst>
+          </p:cNvPr>
+          <p:cNvCxnSpPr>
+            <a:cxnSpLocks/>
+            <a:stCxn id="26" idx="4"/>
+            <a:endCxn id="2" idx="4"/>
+          </p:cNvCxnSpPr>
+          <p:nvPr/>
+        </p:nvCxnSpPr>
+        <p:spPr>
+          <a:xfrm>
+            <a:off x="2365994" y="2882759"/>
+            <a:ext cx="3195821" cy="925670"/>
+          </a:xfrm>
+          <a:prstGeom prst="line">
+            <a:avLst/>
+          </a:prstGeom>
+          <a:ln w="9525">
+            <a:prstDash val="lgDash"/>
+          </a:ln>
+        </p:spPr>
+        <p:style>
+          <a:lnRef idx="1">
+            <a:schemeClr val="dk1"/>
+          </a:lnRef>
+          <a:fillRef idx="0">
+            <a:schemeClr val="dk1"/>
+          </a:fillRef>
+          <a:effectRef idx="0">
+            <a:schemeClr val="dk1"/>
+          </a:effectRef>
+          <a:fontRef idx="minor">
+            <a:schemeClr val="tx1"/>
+          </a:fontRef>
+        </p:style>
+      </p:cxnSp>
+      <p:cxnSp>
+        <p:nvCxnSpPr>
+          <p:cNvPr id="32" name="直接连接符 31">
+            <a:extLst>
+              <a:ext uri="{FF2B5EF4-FFF2-40B4-BE49-F238E27FC236}">
+                <a16:creationId xmlns:a16="http://schemas.microsoft.com/office/drawing/2014/main" id="{649A3708-E01C-4D14-AC3F-ADA46EBB82D4}"/>
+              </a:ext>
+            </a:extLst>
+          </p:cNvPr>
+          <p:cNvCxnSpPr>
+            <a:cxnSpLocks/>
+            <a:stCxn id="2" idx="4"/>
+          </p:cNvCxnSpPr>
+          <p:nvPr/>
+        </p:nvCxnSpPr>
+        <p:spPr>
+          <a:xfrm flipV="1">
+            <a:off x="5561815" y="2655399"/>
+            <a:ext cx="2714919" cy="1153030"/>
+          </a:xfrm>
+          <a:prstGeom prst="line">
+            <a:avLst/>
+          </a:prstGeom>
+          <a:ln w="9525">
+            <a:prstDash val="lgDash"/>
+          </a:ln>
+        </p:spPr>
+        <p:style>
+          <a:lnRef idx="1">
+            <a:schemeClr val="dk1"/>
+          </a:lnRef>
+          <a:fillRef idx="0">
+            <a:schemeClr val="dk1"/>
+          </a:fillRef>
+          <a:effectRef idx="0">
+            <a:schemeClr val="dk1"/>
+          </a:effectRef>
+          <a:fontRef idx="minor">
+            <a:schemeClr val="tx1"/>
+          </a:fontRef>
+        </p:style>
+      </p:cxnSp>
+      <p:cxnSp>
+        <p:nvCxnSpPr>
+          <p:cNvPr id="35" name="直接连接符 34">
+            <a:extLst>
+              <a:ext uri="{FF2B5EF4-FFF2-40B4-BE49-F238E27FC236}">
+                <a16:creationId xmlns:a16="http://schemas.microsoft.com/office/drawing/2014/main" id="{1D881404-B1BE-4C9F-8B96-EABC84CB0739}"/>
+              </a:ext>
+            </a:extLst>
+          </p:cNvPr>
+          <p:cNvCxnSpPr>
+            <a:cxnSpLocks/>
+            <a:stCxn id="2" idx="0"/>
+          </p:cNvCxnSpPr>
+          <p:nvPr/>
+        </p:nvCxnSpPr>
+        <p:spPr>
+          <a:xfrm>
+            <a:off x="5561815" y="1875934"/>
+            <a:ext cx="2691352" cy="1159044"/>
+          </a:xfrm>
+          <a:prstGeom prst="line">
+            <a:avLst/>
+          </a:prstGeom>
+          <a:ln w="9525">
+            <a:prstDash val="lgDash"/>
+          </a:ln>
+        </p:spPr>
+        <p:style>
+          <a:lnRef idx="1">
+            <a:schemeClr val="dk1"/>
+          </a:lnRef>
+          <a:fillRef idx="0">
+            <a:schemeClr val="dk1"/>
+          </a:fillRef>
+          <a:effectRef idx="0">
+            <a:schemeClr val="dk1"/>
+          </a:effectRef>
+          <a:fontRef idx="minor">
+            <a:schemeClr val="tx1"/>
+          </a:fontRef>
+        </p:style>
+      </p:cxnSp>
+      <p:sp>
+        <p:nvSpPr>
+          <p:cNvPr id="38" name="流程图: 接点 37">
+            <a:extLst>
+              <a:ext uri="{FF2B5EF4-FFF2-40B4-BE49-F238E27FC236}">
+                <a16:creationId xmlns:a16="http://schemas.microsoft.com/office/drawing/2014/main" id="{31F2C304-E45C-4E08-8A2A-B6AC7666500E}"/>
+              </a:ext>
+            </a:extLst>
+          </p:cNvPr>
+          <p:cNvSpPr/>
+          <p:nvPr/>
+        </p:nvSpPr>
+        <p:spPr>
+          <a:xfrm>
+            <a:off x="7789684" y="2821754"/>
+            <a:ext cx="72000" cy="72000"/>
+          </a:xfrm>
+          <a:prstGeom prst="flowChartConnector">
+            <a:avLst/>
+          </a:prstGeom>
+        </p:spPr>
+        <p:style>
+          <a:lnRef idx="2">
+            <a:schemeClr val="dk1">
+              <a:shade val="50000"/>
+            </a:schemeClr>
+          </a:lnRef>
+          <a:fillRef idx="1">
+            <a:schemeClr val="dk1"/>
+          </a:fillRef>
+          <a:effectRef idx="0">
+            <a:schemeClr val="dk1"/>
+          </a:effectRef>
+          <a:fontRef idx="minor">
+            <a:schemeClr val="lt1"/>
+          </a:fontRef>
+        </p:style>
+        <p:txBody>
+          <a:bodyPr rtlCol="0" anchor="ctr"/>
+          <a:lstStyle/>
+          <a:p>
+            <a:pPr algn="ctr"/>
+            <a:endParaRPr lang="zh-CN" altLang="en-US"/>
+          </a:p>
+        </p:txBody>
+      </p:sp>
+      <p:cxnSp>
+        <p:nvCxnSpPr>
+          <p:cNvPr id="19" name="直接箭头连接符 18">
+            <a:extLst>
+              <a:ext uri="{FF2B5EF4-FFF2-40B4-BE49-F238E27FC236}">
+                <a16:creationId xmlns:a16="http://schemas.microsoft.com/office/drawing/2014/main" id="{935D25F1-0CF6-4861-A66F-2492145B5DB5}"/>
+              </a:ext>
+            </a:extLst>
+          </p:cNvPr>
+          <p:cNvCxnSpPr>
+            <a:cxnSpLocks/>
+          </p:cNvCxnSpPr>
+          <p:nvPr/>
+        </p:nvCxnSpPr>
+        <p:spPr>
+          <a:xfrm flipH="1">
+            <a:off x="7117237" y="2655399"/>
+            <a:ext cx="1093510" cy="1372989"/>
+          </a:xfrm>
+          <a:prstGeom prst="straightConnector1">
+            <a:avLst/>
+          </a:prstGeom>
+          <a:ln>
+            <a:tailEnd type="triangle"/>
+          </a:ln>
+        </p:spPr>
+        <p:style>
+          <a:lnRef idx="1">
+            <a:schemeClr val="accent2"/>
+          </a:lnRef>
+          <a:fillRef idx="0">
+            <a:schemeClr val="accent2"/>
+          </a:fillRef>
+          <a:effectRef idx="0">
+            <a:schemeClr val="accent2"/>
+          </a:effectRef>
+          <a:fontRef idx="minor">
+            <a:schemeClr val="tx1"/>
+          </a:fontRef>
+        </p:style>
+      </p:cxnSp>
+      <p:cxnSp>
+        <p:nvCxnSpPr>
+          <p:cNvPr id="42" name="直接箭头连接符 41">
+            <a:extLst>
+              <a:ext uri="{FF2B5EF4-FFF2-40B4-BE49-F238E27FC236}">
+                <a16:creationId xmlns:a16="http://schemas.microsoft.com/office/drawing/2014/main" id="{F6F4E614-512F-4CB2-8EA9-CA91293328A0}"/>
+              </a:ext>
+            </a:extLst>
+          </p:cNvPr>
+          <p:cNvCxnSpPr>
+            <a:cxnSpLocks/>
+          </p:cNvCxnSpPr>
+          <p:nvPr/>
+        </p:nvCxnSpPr>
+        <p:spPr>
+          <a:xfrm flipH="1">
+            <a:off x="7409468" y="3026004"/>
+            <a:ext cx="801278" cy="1043232"/>
+          </a:xfrm>
+          <a:prstGeom prst="straightConnector1">
+            <a:avLst/>
+          </a:prstGeom>
+          <a:ln>
+            <a:tailEnd type="triangle"/>
+          </a:ln>
+        </p:spPr>
+        <p:style>
+          <a:lnRef idx="1">
+            <a:schemeClr val="accent2"/>
+          </a:lnRef>
+          <a:fillRef idx="0">
+            <a:schemeClr val="accent2"/>
+          </a:fillRef>
+          <a:effectRef idx="0">
+            <a:schemeClr val="accent2"/>
+          </a:effectRef>
+          <a:fontRef idx="minor">
+            <a:schemeClr val="tx1"/>
+          </a:fontRef>
+        </p:style>
+      </p:cxnSp>
+      <p:sp>
+        <p:nvSpPr>
+          <p:cNvPr id="24" name="矩形 23">
+            <a:extLst>
+              <a:ext uri="{FF2B5EF4-FFF2-40B4-BE49-F238E27FC236}">
+                <a16:creationId xmlns:a16="http://schemas.microsoft.com/office/drawing/2014/main" id="{8AC43313-4964-4D7B-8F15-6F57FA3AE87A}"/>
+              </a:ext>
+            </a:extLst>
+          </p:cNvPr>
+          <p:cNvSpPr/>
+          <p:nvPr/>
+        </p:nvSpPr>
+        <p:spPr>
+          <a:xfrm>
+            <a:off x="7070103" y="4059810"/>
+            <a:ext cx="339365" cy="358219"/>
+          </a:xfrm>
+          <a:prstGeom prst="rect">
+            <a:avLst/>
+          </a:prstGeom>
+          <a:solidFill>
+            <a:srgbClr val="FF0000"/>
+          </a:solidFill>
+          <a:ln>
+            <a:solidFill>
+              <a:srgbClr val="FF0000"/>
+            </a:solidFill>
+          </a:ln>
+        </p:spPr>
+        <p:style>
+          <a:lnRef idx="2">
+            <a:schemeClr val="accent1">
+              <a:shade val="50000"/>
+            </a:schemeClr>
+          </a:lnRef>
+          <a:fillRef idx="1">
+            <a:schemeClr val="accent1"/>
+          </a:fillRef>
+          <a:effectRef idx="0">
+            <a:schemeClr val="accent1"/>
+          </a:effectRef>
+          <a:fontRef idx="minor">
+            <a:schemeClr val="lt1"/>
+          </a:fontRef>
+        </p:style>
+        <p:txBody>
+          <a:bodyPr rtlCol="0" anchor="ctr"/>
+          <a:lstStyle/>
+          <a:p>
+            <a:pPr algn="ctr"/>
+            <a:endParaRPr lang="zh-CN" altLang="en-US"/>
+          </a:p>
+        </p:txBody>
+      </p:sp>
+      <p:sp>
+        <p:nvSpPr>
+          <p:cNvPr id="48" name="文本框 47">
+            <a:extLst>
+              <a:ext uri="{FF2B5EF4-FFF2-40B4-BE49-F238E27FC236}">
+                <a16:creationId xmlns:a16="http://schemas.microsoft.com/office/drawing/2014/main" id="{B8062245-668A-41FE-A0C1-845FDF827AB7}"/>
+              </a:ext>
+            </a:extLst>
+          </p:cNvPr>
+          <p:cNvSpPr txBox="1"/>
+          <p:nvPr/>
+        </p:nvSpPr>
+        <p:spPr>
+          <a:xfrm>
+            <a:off x="7345296" y="4025915"/>
+            <a:ext cx="646331" cy="369332"/>
+          </a:xfrm>
+          <a:prstGeom prst="rect">
+            <a:avLst/>
+          </a:prstGeom>
+          <a:noFill/>
+        </p:spPr>
+        <p:txBody>
+          <a:bodyPr wrap="none" rtlCol="0">
+            <a:spAutoFit/>
+          </a:bodyPr>
+          <a:lstStyle/>
+          <a:p>
+            <a:r>
+              <a:rPr lang="zh-CN" altLang="en-US" dirty="0"/>
+              <a:t>像素</a:t>
+            </a:r>
+          </a:p>
+        </p:txBody>
+      </p:sp>
+      <p:cxnSp>
+        <p:nvCxnSpPr>
+          <p:cNvPr id="36" name="直接连接符 35">
+            <a:extLst>
+              <a:ext uri="{FF2B5EF4-FFF2-40B4-BE49-F238E27FC236}">
+                <a16:creationId xmlns:a16="http://schemas.microsoft.com/office/drawing/2014/main" id="{4251D57C-A3B5-4274-9BA1-75030E9A6E91}"/>
+              </a:ext>
+            </a:extLst>
+          </p:cNvPr>
+          <p:cNvCxnSpPr>
+            <a:cxnSpLocks/>
+          </p:cNvCxnSpPr>
+          <p:nvPr/>
+        </p:nvCxnSpPr>
+        <p:spPr>
+          <a:xfrm>
+            <a:off x="1910841" y="2842181"/>
+            <a:ext cx="428604" cy="452"/>
+          </a:xfrm>
+          <a:prstGeom prst="line">
+            <a:avLst/>
+          </a:prstGeom>
+          <a:ln w="38100">
+            <a:solidFill>
+              <a:srgbClr val="FF0000"/>
+            </a:solidFill>
+          </a:ln>
+        </p:spPr>
+        <p:style>
+          <a:lnRef idx="1">
+            <a:schemeClr val="accent1"/>
+          </a:lnRef>
+          <a:fillRef idx="0">
+            <a:schemeClr val="accent1"/>
+          </a:fillRef>
+          <a:effectRef idx="0">
+            <a:schemeClr val="accent1"/>
+          </a:effectRef>
+          <a:fontRef idx="minor">
+            <a:schemeClr val="tx1"/>
+          </a:fontRef>
+        </p:style>
+      </p:cxnSp>
+      <p:sp>
+        <p:nvSpPr>
+          <p:cNvPr id="52" name="文本框 51">
+            <a:extLst>
+              <a:ext uri="{FF2B5EF4-FFF2-40B4-BE49-F238E27FC236}">
+                <a16:creationId xmlns:a16="http://schemas.microsoft.com/office/drawing/2014/main" id="{0A94B19E-764E-418E-A202-05C610BFCD7B}"/>
+              </a:ext>
+            </a:extLst>
+          </p:cNvPr>
+          <p:cNvSpPr txBox="1"/>
+          <p:nvPr/>
+        </p:nvSpPr>
+        <p:spPr>
+          <a:xfrm>
+            <a:off x="1647984" y="3545667"/>
+            <a:ext cx="1107996" cy="369332"/>
+          </a:xfrm>
+          <a:prstGeom prst="rect">
+            <a:avLst/>
+          </a:prstGeom>
+          <a:noFill/>
+        </p:spPr>
+        <p:txBody>
+          <a:bodyPr wrap="none" rtlCol="0">
+            <a:spAutoFit/>
+          </a:bodyPr>
+          <a:lstStyle/>
+          <a:p>
+            <a:r>
+              <a:rPr lang="zh-CN" altLang="en-US" dirty="0"/>
+              <a:t>聚焦范围</a:t>
+            </a:r>
+          </a:p>
+        </p:txBody>
+      </p:sp>
+      <p:cxnSp>
+        <p:nvCxnSpPr>
+          <p:cNvPr id="39" name="直接箭头连接符 38">
+            <a:extLst>
+              <a:ext uri="{FF2B5EF4-FFF2-40B4-BE49-F238E27FC236}">
+                <a16:creationId xmlns:a16="http://schemas.microsoft.com/office/drawing/2014/main" id="{76A6E9AA-61BF-4DBF-B462-8303422BB2D3}"/>
+              </a:ext>
+            </a:extLst>
+          </p:cNvPr>
+          <p:cNvCxnSpPr>
+            <a:stCxn id="52" idx="0"/>
+          </p:cNvCxnSpPr>
+          <p:nvPr/>
+        </p:nvCxnSpPr>
+        <p:spPr>
+          <a:xfrm flipV="1">
+            <a:off x="2201982" y="2842181"/>
+            <a:ext cx="0" cy="703486"/>
+          </a:xfrm>
+          <a:prstGeom prst="straightConnector1">
+            <a:avLst/>
+          </a:prstGeom>
+          <a:ln>
+            <a:tailEnd type="triangle"/>
+          </a:ln>
+        </p:spPr>
+        <p:style>
+          <a:lnRef idx="1">
+            <a:schemeClr val="accent2"/>
+          </a:lnRef>
+          <a:fillRef idx="0">
+            <a:schemeClr val="accent2"/>
+          </a:fillRef>
+          <a:effectRef idx="0">
+            <a:schemeClr val="accent2"/>
+          </a:effectRef>
+          <a:fontRef idx="minor">
+            <a:schemeClr val="tx1"/>
+          </a:fontRef>
+        </p:style>
+      </p:cxnSp>
+      <p:cxnSp>
+        <p:nvCxnSpPr>
+          <p:cNvPr id="53" name="直接连接符 52">
+            <a:extLst>
+              <a:ext uri="{FF2B5EF4-FFF2-40B4-BE49-F238E27FC236}">
+                <a16:creationId xmlns:a16="http://schemas.microsoft.com/office/drawing/2014/main" id="{39E4E1DA-3060-4AB0-96E0-BDDA4FB1412C}"/>
+              </a:ext>
+            </a:extLst>
+          </p:cNvPr>
+          <p:cNvCxnSpPr>
+            <a:cxnSpLocks/>
+          </p:cNvCxnSpPr>
+          <p:nvPr/>
+        </p:nvCxnSpPr>
+        <p:spPr>
+          <a:xfrm>
+            <a:off x="7789683" y="1769095"/>
+            <a:ext cx="72000" cy="2300141"/>
+          </a:xfrm>
+          <a:prstGeom prst="line">
+            <a:avLst/>
+          </a:prstGeom>
+          <a:ln w="12700"/>
+        </p:spPr>
+        <p:style>
+          <a:lnRef idx="1">
+            <a:schemeClr val="dk1"/>
+          </a:lnRef>
+          <a:fillRef idx="0">
+            <a:schemeClr val="dk1"/>
+          </a:fillRef>
+          <a:effectRef idx="0">
+            <a:schemeClr val="dk1"/>
+          </a:effectRef>
+          <a:fontRef idx="minor">
+            <a:schemeClr val="tx1"/>
+          </a:fontRef>
+        </p:style>
+      </p:cxnSp>
+    </p:spTree>
+    <p:extLst>
+      <p:ext uri="{BB962C8B-B14F-4D97-AF65-F5344CB8AC3E}">
+        <p14:creationId xmlns:p14="http://schemas.microsoft.com/office/powerpoint/2010/main" val="2546617756"/>
+      </p:ext>
+    </p:extLst>
+  </p:cSld>
+  <p:clrMapOvr>
+    <a:masterClrMapping/>
+  </p:clrMapOvr>
+</p:sld>
+</file>
+
+<file path=ppt/slides/slide6.xml><?xml version="1.0" encoding="utf-8"?>
+<p:sld xmlns:a="http://schemas.openxmlformats.org/drawingml/2006/main" xmlns:r="http://schemas.openxmlformats.org/officeDocument/2006/relationships" xmlns:p="http://schemas.openxmlformats.org/presentationml/2006/main">
+  <p:cSld>
+    <p:spTree>
+      <p:nvGrpSpPr>
+        <p:cNvPr id="1" name=""/>
+        <p:cNvGrpSpPr/>
+        <p:nvPr/>
+      </p:nvGrpSpPr>
+      <p:grpSpPr>
+        <a:xfrm>
+          <a:off x="0" y="0"/>
+          <a:ext cx="0" cy="0"/>
+          <a:chOff x="0" y="0"/>
+          <a:chExt cx="0" cy="0"/>
+        </a:xfrm>
+      </p:grpSpPr>
+      <p:sp>
+        <p:nvSpPr>
+          <p:cNvPr id="49" name="梯形 48">
+            <a:extLst>
+              <a:ext uri="{FF2B5EF4-FFF2-40B4-BE49-F238E27FC236}">
+                <a16:creationId xmlns:a16="http://schemas.microsoft.com/office/drawing/2014/main" id="{CC32966B-C954-42FF-BC36-3F23456F3CF9}"/>
+              </a:ext>
+            </a:extLst>
+          </p:cNvPr>
+          <p:cNvSpPr/>
+          <p:nvPr/>
+        </p:nvSpPr>
+        <p:spPr>
+          <a:xfrm rot="5400000">
+            <a:off x="7263352" y="2714428"/>
+            <a:ext cx="2473358" cy="871785"/>
+          </a:xfrm>
+          <a:prstGeom prst="trapezoid">
+            <a:avLst/>
+          </a:prstGeom>
+        </p:spPr>
+        <p:style>
+          <a:lnRef idx="2">
+            <a:schemeClr val="dk1"/>
+          </a:lnRef>
+          <a:fillRef idx="1">
+            <a:schemeClr val="lt1"/>
+          </a:fillRef>
+          <a:effectRef idx="0">
+            <a:schemeClr val="dk1"/>
+          </a:effectRef>
+          <a:fontRef idx="minor">
+            <a:schemeClr val="dk1"/>
+          </a:fontRef>
+        </p:style>
+        <p:txBody>
+          <a:bodyPr rtlCol="0" anchor="ctr"/>
+          <a:lstStyle/>
+          <a:p>
+            <a:pPr algn="ctr"/>
+            <a:endParaRPr lang="zh-CN" altLang="en-US"/>
+          </a:p>
+        </p:txBody>
+      </p:sp>
+      <p:sp>
+        <p:nvSpPr>
+          <p:cNvPr id="47" name="梯形 46">
+            <a:extLst>
+              <a:ext uri="{FF2B5EF4-FFF2-40B4-BE49-F238E27FC236}">
+                <a16:creationId xmlns:a16="http://schemas.microsoft.com/office/drawing/2014/main" id="{6F0626F1-2249-4BEC-A145-9CA603FD25D0}"/>
+              </a:ext>
+            </a:extLst>
+          </p:cNvPr>
+          <p:cNvSpPr/>
+          <p:nvPr/>
+        </p:nvSpPr>
+        <p:spPr>
+          <a:xfrm rot="5400000">
+            <a:off x="1583506" y="2632532"/>
+            <a:ext cx="2473358" cy="871785"/>
+          </a:xfrm>
+          <a:prstGeom prst="trapezoid">
+            <a:avLst/>
+          </a:prstGeom>
+        </p:spPr>
+        <p:style>
+          <a:lnRef idx="2">
+            <a:schemeClr val="dk1"/>
+          </a:lnRef>
+          <a:fillRef idx="1">
+            <a:schemeClr val="lt1"/>
+          </a:fillRef>
+          <a:effectRef idx="0">
+            <a:schemeClr val="dk1"/>
+          </a:effectRef>
+          <a:fontRef idx="minor">
+            <a:schemeClr val="dk1"/>
+          </a:fontRef>
+        </p:style>
+        <p:txBody>
+          <a:bodyPr rtlCol="0" anchor="ctr"/>
+          <a:lstStyle/>
+          <a:p>
+            <a:pPr algn="ctr"/>
+            <a:endParaRPr lang="zh-CN" altLang="en-US"/>
+          </a:p>
+        </p:txBody>
+      </p:sp>
+      <p:sp>
+        <p:nvSpPr>
+          <p:cNvPr id="37" name="椭圆 36">
+            <a:extLst>
+              <a:ext uri="{FF2B5EF4-FFF2-40B4-BE49-F238E27FC236}">
+                <a16:creationId xmlns:a16="http://schemas.microsoft.com/office/drawing/2014/main" id="{632EF2F4-FE31-4695-B435-C934D802863B}"/>
+              </a:ext>
+            </a:extLst>
+          </p:cNvPr>
+          <p:cNvSpPr/>
+          <p:nvPr/>
+        </p:nvSpPr>
+        <p:spPr>
+          <a:xfrm>
+            <a:off x="5439266" y="2083324"/>
+            <a:ext cx="527901" cy="1932495"/>
+          </a:xfrm>
+          <a:prstGeom prst="ellipse">
+            <a:avLst/>
+          </a:prstGeom>
+        </p:spPr>
+        <p:style>
+          <a:lnRef idx="2">
+            <a:schemeClr val="dk1"/>
+          </a:lnRef>
+          <a:fillRef idx="1">
+            <a:schemeClr val="lt1"/>
+          </a:fillRef>
+          <a:effectRef idx="0">
+            <a:schemeClr val="dk1"/>
+          </a:effectRef>
+          <a:fontRef idx="minor">
+            <a:schemeClr val="dk1"/>
+          </a:fontRef>
+        </p:style>
+        <p:txBody>
+          <a:bodyPr rtlCol="0" anchor="ctr"/>
+          <a:lstStyle/>
+          <a:p>
+            <a:pPr algn="ctr"/>
+            <a:endParaRPr lang="zh-CN" altLang="en-US" dirty="0"/>
+          </a:p>
+        </p:txBody>
+      </p:sp>
+      <p:sp>
+        <p:nvSpPr>
+          <p:cNvPr id="43" name="流程图: 接点 42">
+            <a:extLst>
+              <a:ext uri="{FF2B5EF4-FFF2-40B4-BE49-F238E27FC236}">
+                <a16:creationId xmlns:a16="http://schemas.microsoft.com/office/drawing/2014/main" id="{54049764-2884-4DA1-B76D-E7E31F71517F}"/>
+              </a:ext>
+            </a:extLst>
+          </p:cNvPr>
+          <p:cNvSpPr/>
+          <p:nvPr/>
+        </p:nvSpPr>
+        <p:spPr>
+          <a:xfrm>
+            <a:off x="5656082" y="2941166"/>
+            <a:ext cx="72000" cy="72000"/>
+          </a:xfrm>
+          <a:prstGeom prst="flowChartConnector">
+            <a:avLst/>
+          </a:prstGeom>
+        </p:spPr>
+        <p:style>
+          <a:lnRef idx="2">
+            <a:schemeClr val="dk1">
+              <a:shade val="50000"/>
+            </a:schemeClr>
+          </a:lnRef>
+          <a:fillRef idx="1">
+            <a:schemeClr val="dk1"/>
+          </a:fillRef>
+          <a:effectRef idx="0">
+            <a:schemeClr val="dk1"/>
+          </a:effectRef>
+          <a:fontRef idx="minor">
+            <a:schemeClr val="lt1"/>
+          </a:fontRef>
+        </p:style>
+        <p:txBody>
+          <a:bodyPr rtlCol="0" anchor="ctr"/>
+          <a:lstStyle/>
+          <a:p>
+            <a:pPr algn="ctr"/>
+            <a:endParaRPr lang="zh-CN" altLang="en-US"/>
+          </a:p>
+        </p:txBody>
+      </p:sp>
+      <p:cxnSp>
+        <p:nvCxnSpPr>
+          <p:cNvPr id="13" name="直接连接符 12">
+            <a:extLst>
+              <a:ext uri="{FF2B5EF4-FFF2-40B4-BE49-F238E27FC236}">
+                <a16:creationId xmlns:a16="http://schemas.microsoft.com/office/drawing/2014/main" id="{B110BB7E-ABE6-42D3-A205-593DA3272E35}"/>
+              </a:ext>
+            </a:extLst>
+          </p:cNvPr>
+          <p:cNvCxnSpPr/>
+          <p:nvPr/>
+        </p:nvCxnSpPr>
+        <p:spPr>
+          <a:xfrm>
+            <a:off x="9671901" y="1913641"/>
+            <a:ext cx="0" cy="2309567"/>
+          </a:xfrm>
+          <a:prstGeom prst="line">
+            <a:avLst/>
+          </a:prstGeom>
+          <a:ln w="28575"/>
+        </p:spPr>
+        <p:style>
+          <a:lnRef idx="1">
+            <a:schemeClr val="dk1"/>
+          </a:lnRef>
+          <a:fillRef idx="0">
+            <a:schemeClr val="dk1"/>
+          </a:fillRef>
+          <a:effectRef idx="0">
+            <a:schemeClr val="dk1"/>
+          </a:effectRef>
+          <a:fontRef idx="minor">
+            <a:schemeClr val="tx1"/>
+          </a:fontRef>
+        </p:style>
+      </p:cxnSp>
+      <p:sp>
+        <p:nvSpPr>
+          <p:cNvPr id="14" name="文本框 13">
+            <a:extLst>
+              <a:ext uri="{FF2B5EF4-FFF2-40B4-BE49-F238E27FC236}">
+                <a16:creationId xmlns:a16="http://schemas.microsoft.com/office/drawing/2014/main" id="{008EACEB-CABB-4343-A74C-8AE5E4203D02}"/>
+              </a:ext>
+            </a:extLst>
+          </p:cNvPr>
+          <p:cNvSpPr txBox="1"/>
+          <p:nvPr/>
+        </p:nvSpPr>
+        <p:spPr>
+          <a:xfrm>
+            <a:off x="8991266" y="1544309"/>
+            <a:ext cx="1361270" cy="369332"/>
+          </a:xfrm>
+          <a:prstGeom prst="rect">
+            <a:avLst/>
+          </a:prstGeom>
+          <a:noFill/>
+        </p:spPr>
+        <p:txBody>
+          <a:bodyPr wrap="none" rtlCol="0">
+            <a:spAutoFit/>
+          </a:bodyPr>
+          <a:lstStyle/>
+          <a:p>
+            <a:r>
+              <a:rPr lang="en-US" altLang="zh-CN" dirty="0"/>
+              <a:t>Focus plane</a:t>
+            </a:r>
+            <a:endParaRPr lang="zh-CN" altLang="en-US" dirty="0"/>
+          </a:p>
+        </p:txBody>
+      </p:sp>
+      <p:sp>
+        <p:nvSpPr>
+          <p:cNvPr id="45" name="流程图: 接点 44">
+            <a:extLst>
+              <a:ext uri="{FF2B5EF4-FFF2-40B4-BE49-F238E27FC236}">
+                <a16:creationId xmlns:a16="http://schemas.microsoft.com/office/drawing/2014/main" id="{82024BD2-0A52-472B-8D57-0499EBE0C9B3}"/>
+              </a:ext>
+            </a:extLst>
+          </p:cNvPr>
+          <p:cNvSpPr/>
+          <p:nvPr/>
+        </p:nvSpPr>
+        <p:spPr>
+          <a:xfrm>
+            <a:off x="2820186" y="2395981"/>
+            <a:ext cx="72000" cy="72000"/>
+          </a:xfrm>
+          <a:prstGeom prst="flowChartConnector">
+            <a:avLst/>
+          </a:prstGeom>
+        </p:spPr>
+        <p:style>
+          <a:lnRef idx="2">
+            <a:schemeClr val="dk1">
+              <a:shade val="50000"/>
+            </a:schemeClr>
+          </a:lnRef>
+          <a:fillRef idx="1">
+            <a:schemeClr val="dk1"/>
+          </a:fillRef>
+          <a:effectRef idx="0">
+            <a:schemeClr val="dk1"/>
+          </a:effectRef>
+          <a:fontRef idx="minor">
+            <a:schemeClr val="lt1"/>
+          </a:fontRef>
+        </p:style>
+        <p:txBody>
+          <a:bodyPr rtlCol="0" anchor="ctr"/>
+          <a:lstStyle/>
+          <a:p>
+            <a:pPr algn="ctr"/>
+            <a:endParaRPr lang="zh-CN" altLang="en-US"/>
+          </a:p>
+        </p:txBody>
+      </p:sp>
+      <p:cxnSp>
+        <p:nvCxnSpPr>
+          <p:cNvPr id="16" name="直接箭头连接符 15">
+            <a:extLst>
+              <a:ext uri="{FF2B5EF4-FFF2-40B4-BE49-F238E27FC236}">
+                <a16:creationId xmlns:a16="http://schemas.microsoft.com/office/drawing/2014/main" id="{7576F43F-335D-42B4-9687-06EFE7BE5470}"/>
+              </a:ext>
+            </a:extLst>
+          </p:cNvPr>
+          <p:cNvCxnSpPr>
+            <a:stCxn id="45" idx="6"/>
+          </p:cNvCxnSpPr>
+          <p:nvPr/>
+        </p:nvCxnSpPr>
+        <p:spPr>
+          <a:xfrm>
+            <a:off x="2892186" y="2431981"/>
+            <a:ext cx="6779715" cy="1310460"/>
+          </a:xfrm>
+          <a:prstGeom prst="straightConnector1">
+            <a:avLst/>
+          </a:prstGeom>
+          <a:ln>
+            <a:tailEnd type="triangle"/>
+          </a:ln>
+        </p:spPr>
+        <p:style>
+          <a:lnRef idx="1">
+            <a:schemeClr val="dk1"/>
+          </a:lnRef>
+          <a:fillRef idx="0">
+            <a:schemeClr val="dk1"/>
+          </a:fillRef>
+          <a:effectRef idx="0">
+            <a:schemeClr val="dk1"/>
+          </a:effectRef>
+          <a:fontRef idx="minor">
+            <a:schemeClr val="tx1"/>
+          </a:fontRef>
+        </p:style>
+      </p:cxnSp>
+      <p:sp>
+        <p:nvSpPr>
+          <p:cNvPr id="46" name="流程图: 接点 45">
+            <a:extLst>
+              <a:ext uri="{FF2B5EF4-FFF2-40B4-BE49-F238E27FC236}">
+                <a16:creationId xmlns:a16="http://schemas.microsoft.com/office/drawing/2014/main" id="{F06F9B93-F461-47C5-86FF-AD59D6C00E03}"/>
+              </a:ext>
+            </a:extLst>
+          </p:cNvPr>
+          <p:cNvSpPr/>
+          <p:nvPr/>
+        </p:nvSpPr>
+        <p:spPr>
+          <a:xfrm>
+            <a:off x="9627908" y="3689024"/>
+            <a:ext cx="90000" cy="90000"/>
+          </a:xfrm>
+          <a:prstGeom prst="flowChartConnector">
+            <a:avLst/>
+          </a:prstGeom>
+          <a:solidFill>
+            <a:srgbClr val="FF0000"/>
+          </a:solidFill>
+          <a:ln>
+            <a:solidFill>
+              <a:srgbClr val="FF0000"/>
+            </a:solidFill>
+          </a:ln>
+        </p:spPr>
+        <p:style>
+          <a:lnRef idx="2">
+            <a:schemeClr val="dk1">
+              <a:shade val="50000"/>
+            </a:schemeClr>
+          </a:lnRef>
+          <a:fillRef idx="1">
+            <a:schemeClr val="dk1"/>
+          </a:fillRef>
+          <a:effectRef idx="0">
+            <a:schemeClr val="dk1"/>
+          </a:effectRef>
+          <a:fontRef idx="minor">
+            <a:schemeClr val="lt1"/>
+          </a:fontRef>
+        </p:style>
+        <p:txBody>
+          <a:bodyPr rtlCol="0" anchor="ctr"/>
+          <a:lstStyle/>
+          <a:p>
+            <a:pPr algn="ctr"/>
+            <a:endParaRPr lang="zh-CN" altLang="en-US"/>
+          </a:p>
+        </p:txBody>
+      </p:sp>
+      <p:sp>
+        <p:nvSpPr>
+          <p:cNvPr id="54" name="流程图: 接点 53">
+            <a:extLst>
+              <a:ext uri="{FF2B5EF4-FFF2-40B4-BE49-F238E27FC236}">
+                <a16:creationId xmlns:a16="http://schemas.microsoft.com/office/drawing/2014/main" id="{F5DC3139-6424-445E-9A08-5C1A8AD2D617}"/>
+              </a:ext>
+            </a:extLst>
+          </p:cNvPr>
+          <p:cNvSpPr/>
+          <p:nvPr/>
+        </p:nvSpPr>
+        <p:spPr>
+          <a:xfrm>
+            <a:off x="8477837" y="3481636"/>
+            <a:ext cx="72000" cy="72000"/>
+          </a:xfrm>
+          <a:prstGeom prst="flowChartConnector">
+            <a:avLst/>
+          </a:prstGeom>
+        </p:spPr>
+        <p:style>
+          <a:lnRef idx="2">
+            <a:schemeClr val="dk1">
+              <a:shade val="50000"/>
+            </a:schemeClr>
+          </a:lnRef>
+          <a:fillRef idx="1">
+            <a:schemeClr val="dk1"/>
+          </a:fillRef>
+          <a:effectRef idx="0">
+            <a:schemeClr val="dk1"/>
+          </a:effectRef>
+          <a:fontRef idx="minor">
+            <a:schemeClr val="lt1"/>
+          </a:fontRef>
+        </p:style>
+        <p:txBody>
+          <a:bodyPr rtlCol="0" anchor="ctr"/>
+          <a:lstStyle/>
+          <a:p>
+            <a:pPr algn="ctr"/>
+            <a:endParaRPr lang="zh-CN" altLang="en-US"/>
+          </a:p>
+        </p:txBody>
+      </p:sp>
+      <p:sp>
+        <p:nvSpPr>
+          <p:cNvPr id="55" name="流程图: 接点 54">
+            <a:extLst>
+              <a:ext uri="{FF2B5EF4-FFF2-40B4-BE49-F238E27FC236}">
+                <a16:creationId xmlns:a16="http://schemas.microsoft.com/office/drawing/2014/main" id="{F4DD36D6-FA08-415A-BB12-8592C9ABEDC7}"/>
+              </a:ext>
+            </a:extLst>
+          </p:cNvPr>
+          <p:cNvSpPr/>
+          <p:nvPr/>
+        </p:nvSpPr>
+        <p:spPr>
+          <a:xfrm>
+            <a:off x="5659223" y="2397551"/>
+            <a:ext cx="72000" cy="72000"/>
+          </a:xfrm>
+          <a:prstGeom prst="flowChartConnector">
+            <a:avLst/>
+          </a:prstGeom>
+        </p:spPr>
+        <p:style>
+          <a:lnRef idx="2">
+            <a:schemeClr val="accent2">
+              <a:shade val="50000"/>
+            </a:schemeClr>
+          </a:lnRef>
+          <a:fillRef idx="1">
+            <a:schemeClr val="accent2"/>
+          </a:fillRef>
+          <a:effectRef idx="0">
+            <a:schemeClr val="accent2"/>
+          </a:effectRef>
+          <a:fontRef idx="minor">
+            <a:schemeClr val="lt1"/>
+          </a:fontRef>
+        </p:style>
+        <p:txBody>
+          <a:bodyPr rtlCol="0" anchor="ctr"/>
+          <a:lstStyle/>
+          <a:p>
+            <a:pPr algn="ctr"/>
+            <a:endParaRPr lang="zh-CN" altLang="en-US"/>
+          </a:p>
+        </p:txBody>
+      </p:sp>
+      <p:cxnSp>
+        <p:nvCxnSpPr>
+          <p:cNvPr id="18" name="直接箭头连接符 17">
+            <a:extLst>
+              <a:ext uri="{FF2B5EF4-FFF2-40B4-BE49-F238E27FC236}">
+                <a16:creationId xmlns:a16="http://schemas.microsoft.com/office/drawing/2014/main" id="{FFD16E68-8476-40E3-A6CB-38E60EF899C7}"/>
+              </a:ext>
+            </a:extLst>
+          </p:cNvPr>
+          <p:cNvCxnSpPr>
+            <a:cxnSpLocks/>
+            <a:stCxn id="45" idx="1"/>
+            <a:endCxn id="55" idx="3"/>
+          </p:cNvCxnSpPr>
+          <p:nvPr/>
+        </p:nvCxnSpPr>
+        <p:spPr>
+          <a:xfrm>
+            <a:off x="2830730" y="2406525"/>
+            <a:ext cx="2839037" cy="52482"/>
+          </a:xfrm>
+          <a:prstGeom prst="straightConnector1">
+            <a:avLst/>
+          </a:prstGeom>
+          <a:ln>
+            <a:tailEnd type="triangle"/>
+          </a:ln>
+        </p:spPr>
+        <p:style>
+          <a:lnRef idx="1">
+            <a:schemeClr val="accent1"/>
+          </a:lnRef>
+          <a:fillRef idx="0">
+            <a:schemeClr val="accent1"/>
+          </a:fillRef>
+          <a:effectRef idx="0">
+            <a:schemeClr val="accent1"/>
+          </a:effectRef>
+          <a:fontRef idx="minor">
+            <a:schemeClr val="tx1"/>
+          </a:fontRef>
+        </p:style>
+      </p:cxnSp>
+      <p:cxnSp>
+        <p:nvCxnSpPr>
+          <p:cNvPr id="58" name="直接箭头连接符 57">
+            <a:extLst>
+              <a:ext uri="{FF2B5EF4-FFF2-40B4-BE49-F238E27FC236}">
+                <a16:creationId xmlns:a16="http://schemas.microsoft.com/office/drawing/2014/main" id="{3E4D6150-8B39-4DBC-B22F-BE4B97AB2557}"/>
+              </a:ext>
+            </a:extLst>
+          </p:cNvPr>
+          <p:cNvCxnSpPr>
+            <a:cxnSpLocks/>
+            <a:endCxn id="46" idx="1"/>
+          </p:cNvCxnSpPr>
+          <p:nvPr/>
+        </p:nvCxnSpPr>
+        <p:spPr>
+          <a:xfrm>
+            <a:off x="5743788" y="2431981"/>
+            <a:ext cx="3897300" cy="1270223"/>
+          </a:xfrm>
+          <a:prstGeom prst="straightConnector1">
+            <a:avLst/>
+          </a:prstGeom>
+          <a:ln>
+            <a:tailEnd type="triangle"/>
+          </a:ln>
+        </p:spPr>
+        <p:style>
+          <a:lnRef idx="1">
+            <a:schemeClr val="accent1"/>
+          </a:lnRef>
+          <a:fillRef idx="0">
+            <a:schemeClr val="accent1"/>
+          </a:fillRef>
+          <a:effectRef idx="0">
+            <a:schemeClr val="accent1"/>
+          </a:effectRef>
+          <a:fontRef idx="minor">
+            <a:schemeClr val="tx1"/>
+          </a:fontRef>
+        </p:style>
+      </p:cxnSp>
+      <p:sp>
+        <p:nvSpPr>
+          <p:cNvPr id="74" name="文本框 73">
+            <a:extLst>
+              <a:ext uri="{FF2B5EF4-FFF2-40B4-BE49-F238E27FC236}">
+                <a16:creationId xmlns:a16="http://schemas.microsoft.com/office/drawing/2014/main" id="{214B82A2-3693-4086-8221-295C5E0B39D7}"/>
+              </a:ext>
+            </a:extLst>
+          </p:cNvPr>
+          <p:cNvSpPr txBox="1"/>
+          <p:nvPr/>
+        </p:nvSpPr>
+        <p:spPr>
+          <a:xfrm>
+            <a:off x="7675078" y="1479000"/>
+            <a:ext cx="1215397" cy="369332"/>
+          </a:xfrm>
+          <a:prstGeom prst="rect">
+            <a:avLst/>
+          </a:prstGeom>
+          <a:noFill/>
+        </p:spPr>
+        <p:txBody>
+          <a:bodyPr wrap="none" rtlCol="0">
+            <a:spAutoFit/>
+          </a:bodyPr>
+          <a:lstStyle/>
+          <a:p>
+            <a:r>
+              <a:rPr lang="en-US" altLang="zh-CN" dirty="0"/>
+              <a:t>virtual film</a:t>
+            </a:r>
+            <a:endParaRPr lang="zh-CN" altLang="en-US" dirty="0"/>
+          </a:p>
+        </p:txBody>
+      </p:sp>
+      <p:sp>
+        <p:nvSpPr>
+          <p:cNvPr id="75" name="文本框 74">
+            <a:extLst>
+              <a:ext uri="{FF2B5EF4-FFF2-40B4-BE49-F238E27FC236}">
+                <a16:creationId xmlns:a16="http://schemas.microsoft.com/office/drawing/2014/main" id="{ADEA02A3-BEBB-4C97-9CAD-65AC7476644B}"/>
+              </a:ext>
+            </a:extLst>
+          </p:cNvPr>
+          <p:cNvSpPr txBox="1"/>
+          <p:nvPr/>
+        </p:nvSpPr>
+        <p:spPr>
+          <a:xfrm>
+            <a:off x="2271637" y="1462413"/>
+            <a:ext cx="548548" cy="369332"/>
+          </a:xfrm>
+          <a:prstGeom prst="rect">
+            <a:avLst/>
+          </a:prstGeom>
+          <a:noFill/>
+        </p:spPr>
+        <p:txBody>
+          <a:bodyPr wrap="none" rtlCol="0">
+            <a:spAutoFit/>
+          </a:bodyPr>
+          <a:lstStyle/>
+          <a:p>
+            <a:r>
+              <a:rPr lang="en-US" altLang="zh-CN" dirty="0"/>
+              <a:t>film</a:t>
+            </a:r>
+            <a:endParaRPr lang="zh-CN" altLang="en-US" dirty="0"/>
+          </a:p>
+        </p:txBody>
+      </p:sp>
+      <p:sp>
+        <p:nvSpPr>
+          <p:cNvPr id="25" name="文本框 24">
+            <a:extLst>
+              <a:ext uri="{FF2B5EF4-FFF2-40B4-BE49-F238E27FC236}">
+                <a16:creationId xmlns:a16="http://schemas.microsoft.com/office/drawing/2014/main" id="{D8571D13-E9BE-4611-B7C3-2354FF9D5540}"/>
+              </a:ext>
+            </a:extLst>
+          </p:cNvPr>
+          <p:cNvSpPr txBox="1"/>
+          <p:nvPr/>
+        </p:nvSpPr>
+        <p:spPr>
+          <a:xfrm>
+            <a:off x="4174097" y="3332970"/>
+            <a:ext cx="877163" cy="369332"/>
+          </a:xfrm>
+          <a:prstGeom prst="rect">
+            <a:avLst/>
+          </a:prstGeom>
+          <a:noFill/>
+        </p:spPr>
+        <p:txBody>
+          <a:bodyPr wrap="none" rtlCol="0">
+            <a:spAutoFit/>
+          </a:bodyPr>
+          <a:lstStyle/>
+          <a:p>
+            <a:r>
+              <a:rPr lang="zh-CN" altLang="en-US" dirty="0"/>
+              <a:t>中心点</a:t>
+            </a:r>
+          </a:p>
+        </p:txBody>
+      </p:sp>
+      <p:cxnSp>
+        <p:nvCxnSpPr>
+          <p:cNvPr id="3" name="直接箭头连接符 2">
+            <a:extLst>
+              <a:ext uri="{FF2B5EF4-FFF2-40B4-BE49-F238E27FC236}">
+                <a16:creationId xmlns:a16="http://schemas.microsoft.com/office/drawing/2014/main" id="{7F2B5525-9351-4735-8E5F-1F6B34FD5DF6}"/>
+              </a:ext>
+            </a:extLst>
+          </p:cNvPr>
+          <p:cNvCxnSpPr>
+            <a:stCxn id="25" idx="0"/>
+          </p:cNvCxnSpPr>
+          <p:nvPr/>
+        </p:nvCxnSpPr>
+        <p:spPr>
+          <a:xfrm flipV="1">
+            <a:off x="4612679" y="3033787"/>
+            <a:ext cx="1072411" cy="299183"/>
+          </a:xfrm>
+          <a:prstGeom prst="straightConnector1">
+            <a:avLst/>
+          </a:prstGeom>
+          <a:ln>
+            <a:tailEnd type="triangle"/>
+          </a:ln>
+        </p:spPr>
+        <p:style>
+          <a:lnRef idx="1">
+            <a:schemeClr val="accent1"/>
+          </a:lnRef>
+          <a:fillRef idx="0">
+            <a:schemeClr val="accent1"/>
+          </a:fillRef>
+          <a:effectRef idx="0">
+            <a:schemeClr val="accent1"/>
+          </a:effectRef>
+          <a:fontRef idx="minor">
+            <a:schemeClr val="tx1"/>
+          </a:fontRef>
+        </p:style>
+      </p:cxnSp>
+    </p:spTree>
+    <p:extLst>
+      <p:ext uri="{BB962C8B-B14F-4D97-AF65-F5344CB8AC3E}">
+        <p14:creationId xmlns:p14="http://schemas.microsoft.com/office/powerpoint/2010/main" val="4269054884"/>
+      </p:ext>
+    </p:extLst>
+  </p:cSld>
+  <p:clrMapOvr>
+    <a:masterClrMapping/>
+  </p:clrMapOvr>
+</p:sld>
+</file>
+
+<file path=ppt/slides/slide7.xml><?xml version="1.0" encoding="utf-8"?>
+<p:sld xmlns:a="http://schemas.openxmlformats.org/drawingml/2006/main" xmlns:r="http://schemas.openxmlformats.org/officeDocument/2006/relationships" xmlns:p="http://schemas.openxmlformats.org/presentationml/2006/main">
+  <p:cSld>
+    <p:spTree>
+      <p:nvGrpSpPr>
+        <p:cNvPr id="1" name=""/>
+        <p:cNvGrpSpPr/>
+        <p:nvPr/>
+      </p:nvGrpSpPr>
+      <p:grpSpPr>
+        <a:xfrm>
+          <a:off x="0" y="0"/>
+          <a:ext cx="0" cy="0"/>
+          <a:chOff x="0" y="0"/>
+          <a:chExt cx="0" cy="0"/>
+        </a:xfrm>
+      </p:grpSpPr>
+      <p:sp>
+        <p:nvSpPr>
+          <p:cNvPr id="49" name="梯形 48">
+            <a:extLst>
+              <a:ext uri="{FF2B5EF4-FFF2-40B4-BE49-F238E27FC236}">
+                <a16:creationId xmlns:a16="http://schemas.microsoft.com/office/drawing/2014/main" id="{CC32966B-C954-42FF-BC36-3F23456F3CF9}"/>
+              </a:ext>
+            </a:extLst>
+          </p:cNvPr>
+          <p:cNvSpPr/>
+          <p:nvPr/>
+        </p:nvSpPr>
+        <p:spPr>
+          <a:xfrm rot="5400000">
+            <a:off x="7263352" y="2714428"/>
+            <a:ext cx="2473358" cy="871785"/>
+          </a:xfrm>
+          <a:prstGeom prst="trapezoid">
+            <a:avLst/>
+          </a:prstGeom>
+        </p:spPr>
+        <p:style>
+          <a:lnRef idx="2">
+            <a:schemeClr val="dk1"/>
+          </a:lnRef>
+          <a:fillRef idx="1">
+            <a:schemeClr val="lt1"/>
+          </a:fillRef>
+          <a:effectRef idx="0">
+            <a:schemeClr val="dk1"/>
+          </a:effectRef>
+          <a:fontRef idx="minor">
+            <a:schemeClr val="dk1"/>
+          </a:fontRef>
+        </p:style>
+        <p:txBody>
+          <a:bodyPr rtlCol="0" anchor="ctr"/>
+          <a:lstStyle/>
+          <a:p>
+            <a:pPr algn="ctr"/>
+            <a:endParaRPr lang="zh-CN" altLang="en-US"/>
+          </a:p>
+        </p:txBody>
+      </p:sp>
+      <p:sp>
+        <p:nvSpPr>
+          <p:cNvPr id="47" name="梯形 46">
+            <a:extLst>
+              <a:ext uri="{FF2B5EF4-FFF2-40B4-BE49-F238E27FC236}">
+                <a16:creationId xmlns:a16="http://schemas.microsoft.com/office/drawing/2014/main" id="{6F0626F1-2249-4BEC-A145-9CA603FD25D0}"/>
+              </a:ext>
+            </a:extLst>
+          </p:cNvPr>
+          <p:cNvSpPr/>
+          <p:nvPr/>
+        </p:nvSpPr>
+        <p:spPr>
+          <a:xfrm rot="5400000">
+            <a:off x="1583506" y="2632532"/>
+            <a:ext cx="2473358" cy="871785"/>
+          </a:xfrm>
+          <a:prstGeom prst="trapezoid">
+            <a:avLst/>
+          </a:prstGeom>
+        </p:spPr>
+        <p:style>
+          <a:lnRef idx="2">
+            <a:schemeClr val="dk1"/>
+          </a:lnRef>
+          <a:fillRef idx="1">
+            <a:schemeClr val="lt1"/>
+          </a:fillRef>
+          <a:effectRef idx="0">
+            <a:schemeClr val="dk1"/>
+          </a:effectRef>
+          <a:fontRef idx="minor">
+            <a:schemeClr val="dk1"/>
+          </a:fontRef>
+        </p:style>
+        <p:txBody>
+          <a:bodyPr rtlCol="0" anchor="ctr"/>
+          <a:lstStyle/>
+          <a:p>
+            <a:pPr algn="ctr"/>
+            <a:endParaRPr lang="zh-CN" altLang="en-US"/>
+          </a:p>
+        </p:txBody>
+      </p:sp>
+      <p:sp>
+        <p:nvSpPr>
+          <p:cNvPr id="37" name="椭圆 36">
+            <a:extLst>
+              <a:ext uri="{FF2B5EF4-FFF2-40B4-BE49-F238E27FC236}">
+                <a16:creationId xmlns:a16="http://schemas.microsoft.com/office/drawing/2014/main" id="{632EF2F4-FE31-4695-B435-C934D802863B}"/>
+              </a:ext>
+            </a:extLst>
+          </p:cNvPr>
+          <p:cNvSpPr/>
+          <p:nvPr/>
+        </p:nvSpPr>
+        <p:spPr>
+          <a:xfrm>
+            <a:off x="5439266" y="2083324"/>
+            <a:ext cx="527901" cy="1932495"/>
+          </a:xfrm>
+          <a:prstGeom prst="ellipse">
+            <a:avLst/>
+          </a:prstGeom>
+        </p:spPr>
+        <p:style>
+          <a:lnRef idx="2">
+            <a:schemeClr val="dk1"/>
+          </a:lnRef>
+          <a:fillRef idx="1">
+            <a:schemeClr val="lt1"/>
+          </a:fillRef>
+          <a:effectRef idx="0">
+            <a:schemeClr val="dk1"/>
+          </a:effectRef>
+          <a:fontRef idx="minor">
+            <a:schemeClr val="dk1"/>
+          </a:fontRef>
+        </p:style>
+        <p:txBody>
+          <a:bodyPr rtlCol="0" anchor="ctr"/>
+          <a:lstStyle/>
+          <a:p>
+            <a:pPr algn="ctr"/>
+            <a:endParaRPr lang="zh-CN" altLang="en-US" dirty="0"/>
+          </a:p>
+        </p:txBody>
+      </p:sp>
+      <p:sp>
+        <p:nvSpPr>
+          <p:cNvPr id="43" name="流程图: 接点 42">
+            <a:extLst>
+              <a:ext uri="{FF2B5EF4-FFF2-40B4-BE49-F238E27FC236}">
+                <a16:creationId xmlns:a16="http://schemas.microsoft.com/office/drawing/2014/main" id="{54049764-2884-4DA1-B76D-E7E31F71517F}"/>
+              </a:ext>
+            </a:extLst>
+          </p:cNvPr>
+          <p:cNvSpPr/>
+          <p:nvPr/>
+        </p:nvSpPr>
+        <p:spPr>
+          <a:xfrm>
+            <a:off x="5656082" y="2941166"/>
+            <a:ext cx="72000" cy="72000"/>
+          </a:xfrm>
+          <a:prstGeom prst="flowChartConnector">
+            <a:avLst/>
+          </a:prstGeom>
+        </p:spPr>
+        <p:style>
+          <a:lnRef idx="2">
+            <a:schemeClr val="dk1">
+              <a:shade val="50000"/>
+            </a:schemeClr>
+          </a:lnRef>
+          <a:fillRef idx="1">
+            <a:schemeClr val="dk1"/>
+          </a:fillRef>
+          <a:effectRef idx="0">
+            <a:schemeClr val="dk1"/>
+          </a:effectRef>
+          <a:fontRef idx="minor">
+            <a:schemeClr val="lt1"/>
+          </a:fontRef>
+        </p:style>
+        <p:txBody>
+          <a:bodyPr rtlCol="0" anchor="ctr"/>
+          <a:lstStyle/>
+          <a:p>
+            <a:pPr algn="ctr"/>
+            <a:endParaRPr lang="zh-CN" altLang="en-US"/>
+          </a:p>
+        </p:txBody>
+      </p:sp>
+      <p:cxnSp>
+        <p:nvCxnSpPr>
+          <p:cNvPr id="13" name="直接连接符 12">
+            <a:extLst>
+              <a:ext uri="{FF2B5EF4-FFF2-40B4-BE49-F238E27FC236}">
+                <a16:creationId xmlns:a16="http://schemas.microsoft.com/office/drawing/2014/main" id="{B110BB7E-ABE6-42D3-A205-593DA3272E35}"/>
+              </a:ext>
+            </a:extLst>
+          </p:cNvPr>
+          <p:cNvCxnSpPr/>
+          <p:nvPr/>
+        </p:nvCxnSpPr>
+        <p:spPr>
+          <a:xfrm>
+            <a:off x="9671901" y="1913641"/>
+            <a:ext cx="0" cy="2309567"/>
+          </a:xfrm>
+          <a:prstGeom prst="line">
+            <a:avLst/>
+          </a:prstGeom>
+          <a:ln w="28575"/>
+        </p:spPr>
+        <p:style>
+          <a:lnRef idx="1">
+            <a:schemeClr val="dk1"/>
+          </a:lnRef>
+          <a:fillRef idx="0">
+            <a:schemeClr val="dk1"/>
+          </a:fillRef>
+          <a:effectRef idx="0">
+            <a:schemeClr val="dk1"/>
+          </a:effectRef>
+          <a:fontRef idx="minor">
+            <a:schemeClr val="tx1"/>
+          </a:fontRef>
+        </p:style>
+      </p:cxnSp>
+      <p:sp>
+        <p:nvSpPr>
+          <p:cNvPr id="14" name="文本框 13">
+            <a:extLst>
+              <a:ext uri="{FF2B5EF4-FFF2-40B4-BE49-F238E27FC236}">
+                <a16:creationId xmlns:a16="http://schemas.microsoft.com/office/drawing/2014/main" id="{008EACEB-CABB-4343-A74C-8AE5E4203D02}"/>
+              </a:ext>
+            </a:extLst>
+          </p:cNvPr>
+          <p:cNvSpPr txBox="1"/>
+          <p:nvPr/>
+        </p:nvSpPr>
+        <p:spPr>
+          <a:xfrm>
+            <a:off x="8991266" y="1544309"/>
+            <a:ext cx="1361270" cy="369332"/>
+          </a:xfrm>
+          <a:prstGeom prst="rect">
+            <a:avLst/>
+          </a:prstGeom>
+          <a:noFill/>
+        </p:spPr>
+        <p:txBody>
+          <a:bodyPr wrap="none" rtlCol="0">
+            <a:spAutoFit/>
+          </a:bodyPr>
+          <a:lstStyle/>
+          <a:p>
+            <a:r>
+              <a:rPr lang="en-US" altLang="zh-CN" dirty="0"/>
+              <a:t>Focus plane</a:t>
+            </a:r>
+            <a:endParaRPr lang="zh-CN" altLang="en-US" dirty="0"/>
+          </a:p>
+        </p:txBody>
+      </p:sp>
+      <p:sp>
+        <p:nvSpPr>
+          <p:cNvPr id="45" name="流程图: 接点 44">
+            <a:extLst>
+              <a:ext uri="{FF2B5EF4-FFF2-40B4-BE49-F238E27FC236}">
+                <a16:creationId xmlns:a16="http://schemas.microsoft.com/office/drawing/2014/main" id="{82024BD2-0A52-472B-8D57-0499EBE0C9B3}"/>
+              </a:ext>
+            </a:extLst>
+          </p:cNvPr>
+          <p:cNvSpPr/>
+          <p:nvPr/>
+        </p:nvSpPr>
+        <p:spPr>
+          <a:xfrm>
+            <a:off x="2820186" y="2395981"/>
+            <a:ext cx="72000" cy="72000"/>
+          </a:xfrm>
+          <a:prstGeom prst="flowChartConnector">
+            <a:avLst/>
+          </a:prstGeom>
+        </p:spPr>
+        <p:style>
+          <a:lnRef idx="2">
+            <a:schemeClr val="dk1">
+              <a:shade val="50000"/>
+            </a:schemeClr>
+          </a:lnRef>
+          <a:fillRef idx="1">
+            <a:schemeClr val="dk1"/>
+          </a:fillRef>
+          <a:effectRef idx="0">
+            <a:schemeClr val="dk1"/>
+          </a:effectRef>
+          <a:fontRef idx="minor">
+            <a:schemeClr val="lt1"/>
+          </a:fontRef>
+        </p:style>
+        <p:txBody>
+          <a:bodyPr rtlCol="0" anchor="ctr"/>
+          <a:lstStyle/>
+          <a:p>
+            <a:pPr algn="ctr"/>
+            <a:endParaRPr lang="zh-CN" altLang="en-US"/>
+          </a:p>
+        </p:txBody>
+      </p:sp>
+      <p:cxnSp>
+        <p:nvCxnSpPr>
+          <p:cNvPr id="16" name="直接箭头连接符 15">
+            <a:extLst>
+              <a:ext uri="{FF2B5EF4-FFF2-40B4-BE49-F238E27FC236}">
+                <a16:creationId xmlns:a16="http://schemas.microsoft.com/office/drawing/2014/main" id="{7576F43F-335D-42B4-9687-06EFE7BE5470}"/>
+              </a:ext>
+            </a:extLst>
+          </p:cNvPr>
+          <p:cNvCxnSpPr>
+            <a:stCxn id="45" idx="6"/>
+          </p:cNvCxnSpPr>
+          <p:nvPr/>
+        </p:nvCxnSpPr>
+        <p:spPr>
+          <a:xfrm>
+            <a:off x="2892186" y="2431981"/>
+            <a:ext cx="6779715" cy="1310460"/>
+          </a:xfrm>
+          <a:prstGeom prst="straightConnector1">
+            <a:avLst/>
+          </a:prstGeom>
+          <a:ln>
+            <a:tailEnd type="triangle"/>
+          </a:ln>
+        </p:spPr>
+        <p:style>
+          <a:lnRef idx="1">
+            <a:schemeClr val="dk1"/>
+          </a:lnRef>
+          <a:fillRef idx="0">
+            <a:schemeClr val="dk1"/>
+          </a:fillRef>
+          <a:effectRef idx="0">
+            <a:schemeClr val="dk1"/>
+          </a:effectRef>
+          <a:fontRef idx="minor">
+            <a:schemeClr val="tx1"/>
+          </a:fontRef>
+        </p:style>
+      </p:cxnSp>
+      <p:sp>
+        <p:nvSpPr>
+          <p:cNvPr id="46" name="流程图: 接点 45">
+            <a:extLst>
+              <a:ext uri="{FF2B5EF4-FFF2-40B4-BE49-F238E27FC236}">
+                <a16:creationId xmlns:a16="http://schemas.microsoft.com/office/drawing/2014/main" id="{F06F9B93-F461-47C5-86FF-AD59D6C00E03}"/>
+              </a:ext>
+            </a:extLst>
+          </p:cNvPr>
+          <p:cNvSpPr/>
+          <p:nvPr/>
+        </p:nvSpPr>
+        <p:spPr>
+          <a:xfrm>
+            <a:off x="9627908" y="3689024"/>
+            <a:ext cx="90000" cy="90000"/>
+          </a:xfrm>
+          <a:prstGeom prst="flowChartConnector">
+            <a:avLst/>
+          </a:prstGeom>
+          <a:solidFill>
+            <a:srgbClr val="FF0000"/>
+          </a:solidFill>
+          <a:ln>
+            <a:solidFill>
+              <a:srgbClr val="FF0000"/>
+            </a:solidFill>
+          </a:ln>
+        </p:spPr>
+        <p:style>
+          <a:lnRef idx="2">
+            <a:schemeClr val="dk1">
+              <a:shade val="50000"/>
+            </a:schemeClr>
+          </a:lnRef>
+          <a:fillRef idx="1">
+            <a:schemeClr val="dk1"/>
+          </a:fillRef>
+          <a:effectRef idx="0">
+            <a:schemeClr val="dk1"/>
+          </a:effectRef>
+          <a:fontRef idx="minor">
+            <a:schemeClr val="lt1"/>
+          </a:fontRef>
+        </p:style>
+        <p:txBody>
+          <a:bodyPr rtlCol="0" anchor="ctr"/>
+          <a:lstStyle/>
+          <a:p>
+            <a:pPr algn="ctr"/>
+            <a:endParaRPr lang="zh-CN" altLang="en-US"/>
+          </a:p>
+        </p:txBody>
+      </p:sp>
+      <p:sp>
+        <p:nvSpPr>
+          <p:cNvPr id="54" name="流程图: 接点 53">
+            <a:extLst>
+              <a:ext uri="{FF2B5EF4-FFF2-40B4-BE49-F238E27FC236}">
+                <a16:creationId xmlns:a16="http://schemas.microsoft.com/office/drawing/2014/main" id="{F5DC3139-6424-445E-9A08-5C1A8AD2D617}"/>
+              </a:ext>
+            </a:extLst>
+          </p:cNvPr>
+          <p:cNvSpPr/>
+          <p:nvPr/>
+        </p:nvSpPr>
+        <p:spPr>
+          <a:xfrm>
+            <a:off x="8477837" y="3481636"/>
+            <a:ext cx="72000" cy="72000"/>
+          </a:xfrm>
+          <a:prstGeom prst="flowChartConnector">
+            <a:avLst/>
+          </a:prstGeom>
+        </p:spPr>
+        <p:style>
+          <a:lnRef idx="2">
+            <a:schemeClr val="dk1">
+              <a:shade val="50000"/>
+            </a:schemeClr>
+          </a:lnRef>
+          <a:fillRef idx="1">
+            <a:schemeClr val="dk1"/>
+          </a:fillRef>
+          <a:effectRef idx="0">
+            <a:schemeClr val="dk1"/>
+          </a:effectRef>
+          <a:fontRef idx="minor">
+            <a:schemeClr val="lt1"/>
+          </a:fontRef>
+        </p:style>
+        <p:txBody>
+          <a:bodyPr rtlCol="0" anchor="ctr"/>
+          <a:lstStyle/>
+          <a:p>
+            <a:pPr algn="ctr"/>
+            <a:endParaRPr lang="zh-CN" altLang="en-US"/>
+          </a:p>
+        </p:txBody>
+      </p:sp>
+      <p:sp>
+        <p:nvSpPr>
+          <p:cNvPr id="55" name="流程图: 接点 54">
+            <a:extLst>
+              <a:ext uri="{FF2B5EF4-FFF2-40B4-BE49-F238E27FC236}">
+                <a16:creationId xmlns:a16="http://schemas.microsoft.com/office/drawing/2014/main" id="{F4DD36D6-FA08-415A-BB12-8592C9ABEDC7}"/>
+              </a:ext>
+            </a:extLst>
+          </p:cNvPr>
+          <p:cNvSpPr/>
+          <p:nvPr/>
+        </p:nvSpPr>
+        <p:spPr>
+          <a:xfrm>
+            <a:off x="5659223" y="2397551"/>
+            <a:ext cx="72000" cy="72000"/>
+          </a:xfrm>
+          <a:prstGeom prst="flowChartConnector">
+            <a:avLst/>
+          </a:prstGeom>
+        </p:spPr>
+        <p:style>
+          <a:lnRef idx="2">
+            <a:schemeClr val="accent2">
+              <a:shade val="50000"/>
+            </a:schemeClr>
+          </a:lnRef>
+          <a:fillRef idx="1">
+            <a:schemeClr val="accent2"/>
+          </a:fillRef>
+          <a:effectRef idx="0">
+            <a:schemeClr val="accent2"/>
+          </a:effectRef>
+          <a:fontRef idx="minor">
+            <a:schemeClr val="lt1"/>
+          </a:fontRef>
+        </p:style>
+        <p:txBody>
+          <a:bodyPr rtlCol="0" anchor="ctr"/>
+          <a:lstStyle/>
+          <a:p>
+            <a:pPr algn="ctr"/>
+            <a:endParaRPr lang="zh-CN" altLang="en-US"/>
+          </a:p>
+        </p:txBody>
+      </p:sp>
+      <p:sp>
+        <p:nvSpPr>
+          <p:cNvPr id="56" name="流程图: 接点 55">
+            <a:extLst>
+              <a:ext uri="{FF2B5EF4-FFF2-40B4-BE49-F238E27FC236}">
+                <a16:creationId xmlns:a16="http://schemas.microsoft.com/office/drawing/2014/main" id="{0C198A96-EEA6-4801-AD8C-36899B564B90}"/>
+              </a:ext>
+            </a:extLst>
+          </p:cNvPr>
+          <p:cNvSpPr/>
+          <p:nvPr/>
+        </p:nvSpPr>
+        <p:spPr>
+          <a:xfrm>
+            <a:off x="5660792" y="2625364"/>
+            <a:ext cx="72000" cy="72000"/>
+          </a:xfrm>
+          <a:prstGeom prst="flowChartConnector">
+            <a:avLst/>
+          </a:prstGeom>
+        </p:spPr>
+        <p:style>
+          <a:lnRef idx="2">
+            <a:schemeClr val="accent2">
+              <a:shade val="50000"/>
+            </a:schemeClr>
+          </a:lnRef>
+          <a:fillRef idx="1">
+            <a:schemeClr val="accent2"/>
+          </a:fillRef>
+          <a:effectRef idx="0">
+            <a:schemeClr val="accent2"/>
+          </a:effectRef>
+          <a:fontRef idx="minor">
+            <a:schemeClr val="lt1"/>
+          </a:fontRef>
+        </p:style>
+        <p:txBody>
+          <a:bodyPr rtlCol="0" anchor="ctr"/>
+          <a:lstStyle/>
+          <a:p>
+            <a:pPr algn="ctr"/>
+            <a:endParaRPr lang="zh-CN" altLang="en-US"/>
+          </a:p>
+        </p:txBody>
+      </p:sp>
+      <p:sp>
+        <p:nvSpPr>
+          <p:cNvPr id="57" name="流程图: 接点 56">
+            <a:extLst>
+              <a:ext uri="{FF2B5EF4-FFF2-40B4-BE49-F238E27FC236}">
+                <a16:creationId xmlns:a16="http://schemas.microsoft.com/office/drawing/2014/main" id="{520C8D8F-16AB-439E-B402-FFF11DA5F6E5}"/>
+              </a:ext>
+            </a:extLst>
+          </p:cNvPr>
+          <p:cNvSpPr/>
+          <p:nvPr/>
+        </p:nvSpPr>
+        <p:spPr>
+          <a:xfrm>
+            <a:off x="5671788" y="3531907"/>
+            <a:ext cx="72000" cy="72000"/>
+          </a:xfrm>
+          <a:prstGeom prst="flowChartConnector">
+            <a:avLst/>
+          </a:prstGeom>
+        </p:spPr>
+        <p:style>
+          <a:lnRef idx="2">
+            <a:schemeClr val="accent2">
+              <a:shade val="50000"/>
+            </a:schemeClr>
+          </a:lnRef>
+          <a:fillRef idx="1">
+            <a:schemeClr val="accent2"/>
+          </a:fillRef>
+          <a:effectRef idx="0">
+            <a:schemeClr val="accent2"/>
+          </a:effectRef>
+          <a:fontRef idx="minor">
+            <a:schemeClr val="lt1"/>
+          </a:fontRef>
+        </p:style>
+        <p:txBody>
+          <a:bodyPr rtlCol="0" anchor="ctr"/>
+          <a:lstStyle/>
+          <a:p>
+            <a:pPr algn="ctr"/>
+            <a:endParaRPr lang="zh-CN" altLang="en-US"/>
+          </a:p>
+        </p:txBody>
+      </p:sp>
+      <p:cxnSp>
+        <p:nvCxnSpPr>
+          <p:cNvPr id="18" name="直接箭头连接符 17">
+            <a:extLst>
+              <a:ext uri="{FF2B5EF4-FFF2-40B4-BE49-F238E27FC236}">
+                <a16:creationId xmlns:a16="http://schemas.microsoft.com/office/drawing/2014/main" id="{FFD16E68-8476-40E3-A6CB-38E60EF899C7}"/>
+              </a:ext>
+            </a:extLst>
+          </p:cNvPr>
+          <p:cNvCxnSpPr>
+            <a:cxnSpLocks/>
+            <a:stCxn id="45" idx="1"/>
+            <a:endCxn id="55" idx="3"/>
+          </p:cNvCxnSpPr>
+          <p:nvPr/>
+        </p:nvCxnSpPr>
+        <p:spPr>
+          <a:xfrm>
+            <a:off x="2830730" y="2406525"/>
+            <a:ext cx="2839037" cy="52482"/>
+          </a:xfrm>
+          <a:prstGeom prst="straightConnector1">
+            <a:avLst/>
+          </a:prstGeom>
+          <a:ln>
+            <a:tailEnd type="triangle"/>
+          </a:ln>
+        </p:spPr>
+        <p:style>
+          <a:lnRef idx="1">
+            <a:schemeClr val="accent1"/>
+          </a:lnRef>
+          <a:fillRef idx="0">
+            <a:schemeClr val="accent1"/>
+          </a:fillRef>
+          <a:effectRef idx="0">
+            <a:schemeClr val="accent1"/>
+          </a:effectRef>
+          <a:fontRef idx="minor">
+            <a:schemeClr val="tx1"/>
+          </a:fontRef>
+        </p:style>
+      </p:cxnSp>
+      <p:cxnSp>
+        <p:nvCxnSpPr>
+          <p:cNvPr id="58" name="直接箭头连接符 57">
+            <a:extLst>
+              <a:ext uri="{FF2B5EF4-FFF2-40B4-BE49-F238E27FC236}">
+                <a16:creationId xmlns:a16="http://schemas.microsoft.com/office/drawing/2014/main" id="{3E4D6150-8B39-4DBC-B22F-BE4B97AB2557}"/>
+              </a:ext>
+            </a:extLst>
+          </p:cNvPr>
+          <p:cNvCxnSpPr>
+            <a:cxnSpLocks/>
+            <a:endCxn id="46" idx="1"/>
+          </p:cNvCxnSpPr>
+          <p:nvPr/>
+        </p:nvCxnSpPr>
+        <p:spPr>
+          <a:xfrm>
+            <a:off x="5743788" y="2431981"/>
+            <a:ext cx="3897300" cy="1270223"/>
+          </a:xfrm>
+          <a:prstGeom prst="straightConnector1">
+            <a:avLst/>
+          </a:prstGeom>
+          <a:ln>
+            <a:tailEnd type="triangle"/>
+          </a:ln>
+        </p:spPr>
+        <p:style>
+          <a:lnRef idx="1">
+            <a:schemeClr val="accent1"/>
+          </a:lnRef>
+          <a:fillRef idx="0">
+            <a:schemeClr val="accent1"/>
+          </a:fillRef>
+          <a:effectRef idx="0">
+            <a:schemeClr val="accent1"/>
+          </a:effectRef>
+          <a:fontRef idx="minor">
+            <a:schemeClr val="tx1"/>
+          </a:fontRef>
+        </p:style>
+      </p:cxnSp>
+      <p:cxnSp>
+        <p:nvCxnSpPr>
+          <p:cNvPr id="59" name="直接箭头连接符 58">
+            <a:extLst>
+              <a:ext uri="{FF2B5EF4-FFF2-40B4-BE49-F238E27FC236}">
+                <a16:creationId xmlns:a16="http://schemas.microsoft.com/office/drawing/2014/main" id="{BCCC0B87-44DD-4251-8D79-2D8909577ADC}"/>
+              </a:ext>
+            </a:extLst>
+          </p:cNvPr>
+          <p:cNvCxnSpPr>
+            <a:cxnSpLocks/>
+            <a:stCxn id="45" idx="1"/>
+            <a:endCxn id="56" idx="1"/>
+          </p:cNvCxnSpPr>
+          <p:nvPr/>
+        </p:nvCxnSpPr>
+        <p:spPr>
+          <a:xfrm>
+            <a:off x="2830730" y="2406525"/>
+            <a:ext cx="2840606" cy="229383"/>
+          </a:xfrm>
+          <a:prstGeom prst="straightConnector1">
+            <a:avLst/>
+          </a:prstGeom>
+          <a:ln>
+            <a:tailEnd type="triangle"/>
+          </a:ln>
+        </p:spPr>
+        <p:style>
+          <a:lnRef idx="1">
+            <a:schemeClr val="accent1"/>
+          </a:lnRef>
+          <a:fillRef idx="0">
+            <a:schemeClr val="accent1"/>
+          </a:fillRef>
+          <a:effectRef idx="0">
+            <a:schemeClr val="accent1"/>
+          </a:effectRef>
+          <a:fontRef idx="minor">
+            <a:schemeClr val="tx1"/>
+          </a:fontRef>
+        </p:style>
+      </p:cxnSp>
+      <p:cxnSp>
+        <p:nvCxnSpPr>
+          <p:cNvPr id="61" name="直接箭头连接符 60">
+            <a:extLst>
+              <a:ext uri="{FF2B5EF4-FFF2-40B4-BE49-F238E27FC236}">
+                <a16:creationId xmlns:a16="http://schemas.microsoft.com/office/drawing/2014/main" id="{51507AEB-2128-4CCC-AFB2-89AF012B0487}"/>
+              </a:ext>
+            </a:extLst>
+          </p:cNvPr>
+          <p:cNvCxnSpPr>
+            <a:cxnSpLocks/>
+            <a:stCxn id="56" idx="5"/>
+            <a:endCxn id="46" idx="2"/>
+          </p:cNvCxnSpPr>
+          <p:nvPr/>
+        </p:nvCxnSpPr>
+        <p:spPr>
+          <a:xfrm>
+            <a:off x="5722248" y="2686820"/>
+            <a:ext cx="3905660" cy="1047204"/>
+          </a:xfrm>
+          <a:prstGeom prst="straightConnector1">
+            <a:avLst/>
+          </a:prstGeom>
+          <a:ln>
+            <a:tailEnd type="triangle"/>
+          </a:ln>
+        </p:spPr>
+        <p:style>
+          <a:lnRef idx="1">
+            <a:schemeClr val="accent1"/>
+          </a:lnRef>
+          <a:fillRef idx="0">
+            <a:schemeClr val="accent1"/>
+          </a:fillRef>
+          <a:effectRef idx="0">
+            <a:schemeClr val="accent1"/>
+          </a:effectRef>
+          <a:fontRef idx="minor">
+            <a:schemeClr val="tx1"/>
+          </a:fontRef>
+        </p:style>
+      </p:cxnSp>
+      <p:cxnSp>
+        <p:nvCxnSpPr>
+          <p:cNvPr id="64" name="直接箭头连接符 63">
+            <a:extLst>
+              <a:ext uri="{FF2B5EF4-FFF2-40B4-BE49-F238E27FC236}">
+                <a16:creationId xmlns:a16="http://schemas.microsoft.com/office/drawing/2014/main" id="{B6A1E5A2-7335-4EF7-8907-E7BE2FD5FFB7}"/>
+              </a:ext>
+            </a:extLst>
+          </p:cNvPr>
+          <p:cNvCxnSpPr>
+            <a:cxnSpLocks/>
+            <a:stCxn id="45" idx="4"/>
+            <a:endCxn id="57" idx="1"/>
+          </p:cNvCxnSpPr>
+          <p:nvPr/>
+        </p:nvCxnSpPr>
+        <p:spPr>
+          <a:xfrm>
+            <a:off x="2856186" y="2467981"/>
+            <a:ext cx="2826146" cy="1074470"/>
+          </a:xfrm>
+          <a:prstGeom prst="straightConnector1">
+            <a:avLst/>
+          </a:prstGeom>
+          <a:ln>
+            <a:tailEnd type="triangle"/>
+          </a:ln>
+        </p:spPr>
+        <p:style>
+          <a:lnRef idx="1">
+            <a:schemeClr val="accent1"/>
+          </a:lnRef>
+          <a:fillRef idx="0">
+            <a:schemeClr val="accent1"/>
+          </a:fillRef>
+          <a:effectRef idx="0">
+            <a:schemeClr val="accent1"/>
+          </a:effectRef>
+          <a:fontRef idx="minor">
+            <a:schemeClr val="tx1"/>
+          </a:fontRef>
+        </p:style>
+      </p:cxnSp>
+      <p:cxnSp>
+        <p:nvCxnSpPr>
+          <p:cNvPr id="67" name="直接箭头连接符 66">
+            <a:extLst>
+              <a:ext uri="{FF2B5EF4-FFF2-40B4-BE49-F238E27FC236}">
+                <a16:creationId xmlns:a16="http://schemas.microsoft.com/office/drawing/2014/main" id="{9F5B0B61-0ED6-4084-9A29-2DFF041C659A}"/>
+              </a:ext>
+            </a:extLst>
+          </p:cNvPr>
+          <p:cNvCxnSpPr>
+            <a:cxnSpLocks/>
+            <a:stCxn id="57" idx="5"/>
+            <a:endCxn id="46" idx="3"/>
+          </p:cNvCxnSpPr>
+          <p:nvPr/>
+        </p:nvCxnSpPr>
+        <p:spPr>
+          <a:xfrm>
+            <a:off x="5733244" y="3593363"/>
+            <a:ext cx="3907844" cy="172481"/>
+          </a:xfrm>
+          <a:prstGeom prst="straightConnector1">
+            <a:avLst/>
+          </a:prstGeom>
+          <a:ln>
+            <a:tailEnd type="triangle"/>
+          </a:ln>
+        </p:spPr>
+        <p:style>
+          <a:lnRef idx="1">
+            <a:schemeClr val="accent1"/>
+          </a:lnRef>
+          <a:fillRef idx="0">
+            <a:schemeClr val="accent1"/>
+          </a:fillRef>
+          <a:effectRef idx="0">
+            <a:schemeClr val="accent1"/>
+          </a:effectRef>
+          <a:fontRef idx="minor">
+            <a:schemeClr val="tx1"/>
+          </a:fontRef>
+        </p:style>
+      </p:cxnSp>
+      <p:sp>
+        <p:nvSpPr>
+          <p:cNvPr id="72" name="文本框 71">
+            <a:extLst>
+              <a:ext uri="{FF2B5EF4-FFF2-40B4-BE49-F238E27FC236}">
+                <a16:creationId xmlns:a16="http://schemas.microsoft.com/office/drawing/2014/main" id="{4299C9B1-7AC6-4177-B974-6175717AFB63}"/>
+              </a:ext>
+            </a:extLst>
+          </p:cNvPr>
+          <p:cNvSpPr txBox="1"/>
+          <p:nvPr/>
+        </p:nvSpPr>
+        <p:spPr>
+          <a:xfrm>
+            <a:off x="4708716" y="1692574"/>
+            <a:ext cx="2262158" cy="369332"/>
+          </a:xfrm>
+          <a:prstGeom prst="rect">
+            <a:avLst/>
+          </a:prstGeom>
+          <a:noFill/>
+        </p:spPr>
+        <p:txBody>
+          <a:bodyPr wrap="none" rtlCol="0">
+            <a:spAutoFit/>
+          </a:bodyPr>
+          <a:lstStyle/>
+          <a:p>
+            <a:r>
+              <a:rPr lang="zh-CN" altLang="en-US" dirty="0"/>
+              <a:t>为透镜上随机采样点</a:t>
+            </a:r>
+          </a:p>
+        </p:txBody>
+      </p:sp>
+      <p:sp>
+        <p:nvSpPr>
+          <p:cNvPr id="73" name="流程图: 接点 72">
+            <a:extLst>
+              <a:ext uri="{FF2B5EF4-FFF2-40B4-BE49-F238E27FC236}">
+                <a16:creationId xmlns:a16="http://schemas.microsoft.com/office/drawing/2014/main" id="{C1B18F4A-6364-41DA-98FD-C209F6BB404E}"/>
+              </a:ext>
+            </a:extLst>
+          </p:cNvPr>
+          <p:cNvSpPr/>
+          <p:nvPr/>
+        </p:nvSpPr>
+        <p:spPr>
+          <a:xfrm>
+            <a:off x="4619159" y="1844246"/>
+            <a:ext cx="72000" cy="72000"/>
+          </a:xfrm>
+          <a:prstGeom prst="flowChartConnector">
+            <a:avLst/>
+          </a:prstGeom>
+        </p:spPr>
+        <p:style>
+          <a:lnRef idx="2">
+            <a:schemeClr val="accent2">
+              <a:shade val="50000"/>
+            </a:schemeClr>
+          </a:lnRef>
+          <a:fillRef idx="1">
+            <a:schemeClr val="accent2"/>
+          </a:fillRef>
+          <a:effectRef idx="0">
+            <a:schemeClr val="accent2"/>
+          </a:effectRef>
+          <a:fontRef idx="minor">
+            <a:schemeClr val="lt1"/>
+          </a:fontRef>
+        </p:style>
+        <p:txBody>
+          <a:bodyPr rtlCol="0" anchor="ctr"/>
+          <a:lstStyle/>
+          <a:p>
+            <a:pPr algn="ctr"/>
+            <a:endParaRPr lang="zh-CN" altLang="en-US"/>
+          </a:p>
+        </p:txBody>
+      </p:sp>
+      <p:sp>
+        <p:nvSpPr>
+          <p:cNvPr id="74" name="文本框 73">
+            <a:extLst>
+              <a:ext uri="{FF2B5EF4-FFF2-40B4-BE49-F238E27FC236}">
+                <a16:creationId xmlns:a16="http://schemas.microsoft.com/office/drawing/2014/main" id="{214B82A2-3693-4086-8221-295C5E0B39D7}"/>
+              </a:ext>
+            </a:extLst>
+          </p:cNvPr>
+          <p:cNvSpPr txBox="1"/>
+          <p:nvPr/>
+        </p:nvSpPr>
+        <p:spPr>
+          <a:xfrm>
+            <a:off x="7675078" y="1479000"/>
+            <a:ext cx="1215397" cy="369332"/>
+          </a:xfrm>
+          <a:prstGeom prst="rect">
+            <a:avLst/>
+          </a:prstGeom>
+          <a:noFill/>
+        </p:spPr>
+        <p:txBody>
+          <a:bodyPr wrap="none" rtlCol="0">
+            <a:spAutoFit/>
+          </a:bodyPr>
+          <a:lstStyle/>
+          <a:p>
+            <a:r>
+              <a:rPr lang="en-US" altLang="zh-CN" dirty="0"/>
+              <a:t>virtual film</a:t>
+            </a:r>
+            <a:endParaRPr lang="zh-CN" altLang="en-US" dirty="0"/>
+          </a:p>
+        </p:txBody>
+      </p:sp>
+      <p:sp>
+        <p:nvSpPr>
+          <p:cNvPr id="75" name="文本框 74">
+            <a:extLst>
+              <a:ext uri="{FF2B5EF4-FFF2-40B4-BE49-F238E27FC236}">
+                <a16:creationId xmlns:a16="http://schemas.microsoft.com/office/drawing/2014/main" id="{ADEA02A3-BEBB-4C97-9CAD-65AC7476644B}"/>
+              </a:ext>
+            </a:extLst>
+          </p:cNvPr>
+          <p:cNvSpPr txBox="1"/>
+          <p:nvPr/>
+        </p:nvSpPr>
+        <p:spPr>
+          <a:xfrm>
+            <a:off x="2271637" y="1462413"/>
+            <a:ext cx="548548" cy="369332"/>
+          </a:xfrm>
+          <a:prstGeom prst="rect">
+            <a:avLst/>
+          </a:prstGeom>
+          <a:noFill/>
+        </p:spPr>
+        <p:txBody>
+          <a:bodyPr wrap="none" rtlCol="0">
+            <a:spAutoFit/>
+          </a:bodyPr>
+          <a:lstStyle/>
+          <a:p>
+            <a:r>
+              <a:rPr lang="en-US" altLang="zh-CN" dirty="0"/>
+              <a:t>film</a:t>
+            </a:r>
+            <a:endParaRPr lang="zh-CN" altLang="en-US" dirty="0"/>
+          </a:p>
+        </p:txBody>
+      </p:sp>
+    </p:spTree>
+    <p:extLst>
+      <p:ext uri="{BB962C8B-B14F-4D97-AF65-F5344CB8AC3E}">
+        <p14:creationId xmlns:p14="http://schemas.microsoft.com/office/powerpoint/2010/main" val="1891019379"/>
+      </p:ext>
+    </p:extLst>
+  </p:cSld>
+  <p:clrMapOvr>
+    <a:masterClrMapping/>
+  </p:clrMapOvr>
+</p:sld>
+</file>
+
+<file path=ppt/slides/slide8.xml><?xml version="1.0" encoding="utf-8"?>
+<p:sld xmlns:a="http://schemas.openxmlformats.org/drawingml/2006/main" xmlns:r="http://schemas.openxmlformats.org/officeDocument/2006/relationships" xmlns:p="http://schemas.openxmlformats.org/presentationml/2006/main">
+  <p:cSld>
+    <p:spTree>
+      <p:nvGrpSpPr>
+        <p:cNvPr id="1" name=""/>
+        <p:cNvGrpSpPr/>
+        <p:nvPr/>
+      </p:nvGrpSpPr>
+      <p:grpSpPr>
+        <a:xfrm>
+          <a:off x="0" y="0"/>
+          <a:ext cx="0" cy="0"/>
+          <a:chOff x="0" y="0"/>
+          <a:chExt cx="0" cy="0"/>
+        </a:xfrm>
+      </p:grpSpPr>
+      <p:sp>
+        <p:nvSpPr>
+          <p:cNvPr id="49" name="梯形 48">
+            <a:extLst>
+              <a:ext uri="{FF2B5EF4-FFF2-40B4-BE49-F238E27FC236}">
+                <a16:creationId xmlns:a16="http://schemas.microsoft.com/office/drawing/2014/main" id="{CC32966B-C954-42FF-BC36-3F23456F3CF9}"/>
+              </a:ext>
+            </a:extLst>
+          </p:cNvPr>
+          <p:cNvSpPr/>
+          <p:nvPr/>
+        </p:nvSpPr>
+        <p:spPr>
+          <a:xfrm rot="5400000">
+            <a:off x="5415699" y="2714428"/>
+            <a:ext cx="2473358" cy="871785"/>
+          </a:xfrm>
+          <a:prstGeom prst="trapezoid">
+            <a:avLst/>
+          </a:prstGeom>
+        </p:spPr>
+        <p:style>
+          <a:lnRef idx="2">
+            <a:schemeClr val="dk1"/>
+          </a:lnRef>
+          <a:fillRef idx="1">
+            <a:schemeClr val="lt1"/>
+          </a:fillRef>
+          <a:effectRef idx="0">
+            <a:schemeClr val="dk1"/>
+          </a:effectRef>
+          <a:fontRef idx="minor">
+            <a:schemeClr val="dk1"/>
+          </a:fontRef>
+        </p:style>
+        <p:txBody>
+          <a:bodyPr rtlCol="0" anchor="ctr"/>
+          <a:lstStyle/>
+          <a:p>
+            <a:pPr algn="ctr"/>
+            <a:endParaRPr lang="zh-CN" altLang="en-US"/>
+          </a:p>
+        </p:txBody>
+      </p:sp>
+      <p:sp>
+        <p:nvSpPr>
+          <p:cNvPr id="37" name="椭圆 36">
+            <a:extLst>
+              <a:ext uri="{FF2B5EF4-FFF2-40B4-BE49-F238E27FC236}">
+                <a16:creationId xmlns:a16="http://schemas.microsoft.com/office/drawing/2014/main" id="{632EF2F4-FE31-4695-B435-C934D802863B}"/>
+              </a:ext>
+            </a:extLst>
+          </p:cNvPr>
+          <p:cNvSpPr/>
+          <p:nvPr/>
+        </p:nvSpPr>
+        <p:spPr>
+          <a:xfrm>
+            <a:off x="3591613" y="2083324"/>
+            <a:ext cx="527901" cy="1932495"/>
+          </a:xfrm>
+          <a:prstGeom prst="ellipse">
+            <a:avLst/>
+          </a:prstGeom>
+        </p:spPr>
+        <p:style>
+          <a:lnRef idx="2">
+            <a:schemeClr val="dk1"/>
+          </a:lnRef>
+          <a:fillRef idx="1">
+            <a:schemeClr val="lt1"/>
+          </a:fillRef>
+          <a:effectRef idx="0">
+            <a:schemeClr val="dk1"/>
+          </a:effectRef>
+          <a:fontRef idx="minor">
+            <a:schemeClr val="dk1"/>
+          </a:fontRef>
+        </p:style>
+        <p:txBody>
+          <a:bodyPr rtlCol="0" anchor="ctr"/>
+          <a:lstStyle/>
+          <a:p>
+            <a:pPr algn="ctr"/>
+            <a:endParaRPr lang="zh-CN" altLang="en-US" dirty="0"/>
+          </a:p>
+        </p:txBody>
+      </p:sp>
+      <p:sp>
+        <p:nvSpPr>
+          <p:cNvPr id="43" name="流程图: 接点 42">
+            <a:extLst>
+              <a:ext uri="{FF2B5EF4-FFF2-40B4-BE49-F238E27FC236}">
+                <a16:creationId xmlns:a16="http://schemas.microsoft.com/office/drawing/2014/main" id="{54049764-2884-4DA1-B76D-E7E31F71517F}"/>
+              </a:ext>
+            </a:extLst>
+          </p:cNvPr>
+          <p:cNvSpPr/>
+          <p:nvPr/>
+        </p:nvSpPr>
+        <p:spPr>
+          <a:xfrm>
+            <a:off x="3808429" y="2941166"/>
+            <a:ext cx="72000" cy="72000"/>
+          </a:xfrm>
+          <a:prstGeom prst="flowChartConnector">
+            <a:avLst/>
+          </a:prstGeom>
+        </p:spPr>
+        <p:style>
+          <a:lnRef idx="2">
+            <a:schemeClr val="dk1">
+              <a:shade val="50000"/>
+            </a:schemeClr>
+          </a:lnRef>
+          <a:fillRef idx="1">
+            <a:schemeClr val="dk1"/>
+          </a:fillRef>
+          <a:effectRef idx="0">
+            <a:schemeClr val="dk1"/>
+          </a:effectRef>
+          <a:fontRef idx="minor">
+            <a:schemeClr val="lt1"/>
+          </a:fontRef>
+        </p:style>
+        <p:txBody>
+          <a:bodyPr rtlCol="0" anchor="ctr"/>
+          <a:lstStyle/>
+          <a:p>
+            <a:pPr algn="ctr"/>
+            <a:endParaRPr lang="zh-CN" altLang="en-US"/>
+          </a:p>
+        </p:txBody>
+      </p:sp>
+      <p:cxnSp>
+        <p:nvCxnSpPr>
+          <p:cNvPr id="13" name="直接连接符 12">
+            <a:extLst>
+              <a:ext uri="{FF2B5EF4-FFF2-40B4-BE49-F238E27FC236}">
+                <a16:creationId xmlns:a16="http://schemas.microsoft.com/office/drawing/2014/main" id="{B110BB7E-ABE6-42D3-A205-593DA3272E35}"/>
+              </a:ext>
+            </a:extLst>
+          </p:cNvPr>
+          <p:cNvCxnSpPr/>
+          <p:nvPr/>
+        </p:nvCxnSpPr>
+        <p:spPr>
+          <a:xfrm>
+            <a:off x="9793246" y="1913641"/>
+            <a:ext cx="0" cy="2309567"/>
+          </a:xfrm>
+          <a:prstGeom prst="line">
+            <a:avLst/>
+          </a:prstGeom>
+          <a:ln w="28575"/>
+        </p:spPr>
+        <p:style>
+          <a:lnRef idx="1">
+            <a:schemeClr val="dk1"/>
+          </a:lnRef>
+          <a:fillRef idx="0">
+            <a:schemeClr val="dk1"/>
+          </a:fillRef>
+          <a:effectRef idx="0">
+            <a:schemeClr val="dk1"/>
+          </a:effectRef>
+          <a:fontRef idx="minor">
+            <a:schemeClr val="tx1"/>
+          </a:fontRef>
+        </p:style>
+      </p:cxnSp>
+      <p:sp>
+        <p:nvSpPr>
+          <p:cNvPr id="14" name="文本框 13">
+            <a:extLst>
+              <a:ext uri="{FF2B5EF4-FFF2-40B4-BE49-F238E27FC236}">
+                <a16:creationId xmlns:a16="http://schemas.microsoft.com/office/drawing/2014/main" id="{008EACEB-CABB-4343-A74C-8AE5E4203D02}"/>
+              </a:ext>
+            </a:extLst>
+          </p:cNvPr>
+          <p:cNvSpPr txBox="1"/>
+          <p:nvPr/>
+        </p:nvSpPr>
+        <p:spPr>
+          <a:xfrm>
+            <a:off x="9112611" y="1544309"/>
+            <a:ext cx="1361270" cy="369332"/>
+          </a:xfrm>
+          <a:prstGeom prst="rect">
+            <a:avLst/>
+          </a:prstGeom>
+          <a:noFill/>
+        </p:spPr>
+        <p:txBody>
+          <a:bodyPr wrap="none" rtlCol="0">
+            <a:spAutoFit/>
+          </a:bodyPr>
+          <a:lstStyle/>
+          <a:p>
+            <a:r>
+              <a:rPr lang="en-US" altLang="zh-CN" dirty="0"/>
+              <a:t>Focus plane</a:t>
+            </a:r>
+            <a:endParaRPr lang="zh-CN" altLang="en-US" dirty="0"/>
+          </a:p>
+        </p:txBody>
+      </p:sp>
+      <p:cxnSp>
+        <p:nvCxnSpPr>
+          <p:cNvPr id="16" name="直接箭头连接符 15">
+            <a:extLst>
+              <a:ext uri="{FF2B5EF4-FFF2-40B4-BE49-F238E27FC236}">
+                <a16:creationId xmlns:a16="http://schemas.microsoft.com/office/drawing/2014/main" id="{7576F43F-335D-42B4-9687-06EFE7BE5470}"/>
+              </a:ext>
+            </a:extLst>
+          </p:cNvPr>
+          <p:cNvCxnSpPr>
+            <a:cxnSpLocks/>
+            <a:stCxn id="43" idx="7"/>
+            <a:endCxn id="46" idx="3"/>
+          </p:cNvCxnSpPr>
+          <p:nvPr/>
+        </p:nvCxnSpPr>
+        <p:spPr>
+          <a:xfrm>
+            <a:off x="3869885" y="2951710"/>
+            <a:ext cx="5892548" cy="814134"/>
+          </a:xfrm>
+          <a:prstGeom prst="straightConnector1">
+            <a:avLst/>
+          </a:prstGeom>
+          <a:ln>
+            <a:tailEnd type="triangle"/>
+          </a:ln>
+        </p:spPr>
+        <p:style>
+          <a:lnRef idx="1">
+            <a:schemeClr val="dk1"/>
+          </a:lnRef>
+          <a:fillRef idx="0">
+            <a:schemeClr val="dk1"/>
+          </a:fillRef>
+          <a:effectRef idx="0">
+            <a:schemeClr val="dk1"/>
+          </a:effectRef>
+          <a:fontRef idx="minor">
+            <a:schemeClr val="tx1"/>
+          </a:fontRef>
+        </p:style>
+      </p:cxnSp>
+      <p:sp>
+        <p:nvSpPr>
+          <p:cNvPr id="46" name="流程图: 接点 45">
+            <a:extLst>
+              <a:ext uri="{FF2B5EF4-FFF2-40B4-BE49-F238E27FC236}">
+                <a16:creationId xmlns:a16="http://schemas.microsoft.com/office/drawing/2014/main" id="{F06F9B93-F461-47C5-86FF-AD59D6C00E03}"/>
+              </a:ext>
+            </a:extLst>
+          </p:cNvPr>
+          <p:cNvSpPr/>
+          <p:nvPr/>
+        </p:nvSpPr>
+        <p:spPr>
+          <a:xfrm>
+            <a:off x="9749253" y="3689024"/>
+            <a:ext cx="90000" cy="90000"/>
+          </a:xfrm>
+          <a:prstGeom prst="flowChartConnector">
+            <a:avLst/>
+          </a:prstGeom>
+          <a:solidFill>
+            <a:srgbClr val="FF0000"/>
+          </a:solidFill>
+          <a:ln>
+            <a:solidFill>
+              <a:srgbClr val="FF0000"/>
+            </a:solidFill>
+          </a:ln>
+        </p:spPr>
+        <p:style>
+          <a:lnRef idx="2">
+            <a:schemeClr val="dk1">
+              <a:shade val="50000"/>
+            </a:schemeClr>
+          </a:lnRef>
+          <a:fillRef idx="1">
+            <a:schemeClr val="dk1"/>
+          </a:fillRef>
+          <a:effectRef idx="0">
+            <a:schemeClr val="dk1"/>
+          </a:effectRef>
+          <a:fontRef idx="minor">
+            <a:schemeClr val="lt1"/>
+          </a:fontRef>
+        </p:style>
+        <p:txBody>
+          <a:bodyPr rtlCol="0" anchor="ctr"/>
+          <a:lstStyle/>
+          <a:p>
+            <a:pPr algn="ctr"/>
+            <a:endParaRPr lang="zh-CN" altLang="en-US"/>
+          </a:p>
+        </p:txBody>
+      </p:sp>
+      <p:sp>
+        <p:nvSpPr>
+          <p:cNvPr id="54" name="流程图: 接点 53">
+            <a:extLst>
+              <a:ext uri="{FF2B5EF4-FFF2-40B4-BE49-F238E27FC236}">
+                <a16:creationId xmlns:a16="http://schemas.microsoft.com/office/drawing/2014/main" id="{F5DC3139-6424-445E-9A08-5C1A8AD2D617}"/>
+              </a:ext>
+            </a:extLst>
+          </p:cNvPr>
+          <p:cNvSpPr/>
+          <p:nvPr/>
+        </p:nvSpPr>
+        <p:spPr>
+          <a:xfrm>
+            <a:off x="6630184" y="3321377"/>
+            <a:ext cx="72000" cy="72000"/>
+          </a:xfrm>
+          <a:prstGeom prst="flowChartConnector">
+            <a:avLst/>
+          </a:prstGeom>
+        </p:spPr>
+        <p:style>
+          <a:lnRef idx="2">
+            <a:schemeClr val="dk1">
+              <a:shade val="50000"/>
+            </a:schemeClr>
+          </a:lnRef>
+          <a:fillRef idx="1">
+            <a:schemeClr val="dk1"/>
+          </a:fillRef>
+          <a:effectRef idx="0">
+            <a:schemeClr val="dk1"/>
+          </a:effectRef>
+          <a:fontRef idx="minor">
+            <a:schemeClr val="lt1"/>
+          </a:fontRef>
+        </p:style>
+        <p:txBody>
+          <a:bodyPr rtlCol="0" anchor="ctr"/>
+          <a:lstStyle/>
+          <a:p>
+            <a:pPr algn="ctr"/>
+            <a:endParaRPr lang="zh-CN" altLang="en-US"/>
+          </a:p>
+        </p:txBody>
+      </p:sp>
+      <p:sp>
+        <p:nvSpPr>
+          <p:cNvPr id="55" name="流程图: 接点 54">
+            <a:extLst>
+              <a:ext uri="{FF2B5EF4-FFF2-40B4-BE49-F238E27FC236}">
+                <a16:creationId xmlns:a16="http://schemas.microsoft.com/office/drawing/2014/main" id="{F4DD36D6-FA08-415A-BB12-8592C9ABEDC7}"/>
+              </a:ext>
+            </a:extLst>
+          </p:cNvPr>
+          <p:cNvSpPr/>
+          <p:nvPr/>
+        </p:nvSpPr>
+        <p:spPr>
+          <a:xfrm>
+            <a:off x="3811570" y="2397551"/>
+            <a:ext cx="72000" cy="72000"/>
+          </a:xfrm>
+          <a:prstGeom prst="flowChartConnector">
+            <a:avLst/>
+          </a:prstGeom>
+        </p:spPr>
+        <p:style>
+          <a:lnRef idx="2">
+            <a:schemeClr val="accent2">
+              <a:shade val="50000"/>
+            </a:schemeClr>
+          </a:lnRef>
+          <a:fillRef idx="1">
+            <a:schemeClr val="accent2"/>
+          </a:fillRef>
+          <a:effectRef idx="0">
+            <a:schemeClr val="accent2"/>
+          </a:effectRef>
+          <a:fontRef idx="minor">
+            <a:schemeClr val="lt1"/>
+          </a:fontRef>
+        </p:style>
+        <p:txBody>
+          <a:bodyPr rtlCol="0" anchor="ctr"/>
+          <a:lstStyle/>
+          <a:p>
+            <a:pPr algn="ctr"/>
+            <a:endParaRPr lang="zh-CN" altLang="en-US"/>
+          </a:p>
+        </p:txBody>
+      </p:sp>
+      <p:sp>
+        <p:nvSpPr>
+          <p:cNvPr id="56" name="流程图: 接点 55">
+            <a:extLst>
+              <a:ext uri="{FF2B5EF4-FFF2-40B4-BE49-F238E27FC236}">
+                <a16:creationId xmlns:a16="http://schemas.microsoft.com/office/drawing/2014/main" id="{0C198A96-EEA6-4801-AD8C-36899B564B90}"/>
+              </a:ext>
+            </a:extLst>
+          </p:cNvPr>
+          <p:cNvSpPr/>
+          <p:nvPr/>
+        </p:nvSpPr>
+        <p:spPr>
+          <a:xfrm>
+            <a:off x="3813139" y="2625364"/>
+            <a:ext cx="72000" cy="72000"/>
+          </a:xfrm>
+          <a:prstGeom prst="flowChartConnector">
+            <a:avLst/>
+          </a:prstGeom>
+        </p:spPr>
+        <p:style>
+          <a:lnRef idx="2">
+            <a:schemeClr val="accent2">
+              <a:shade val="50000"/>
+            </a:schemeClr>
+          </a:lnRef>
+          <a:fillRef idx="1">
+            <a:schemeClr val="accent2"/>
+          </a:fillRef>
+          <a:effectRef idx="0">
+            <a:schemeClr val="accent2"/>
+          </a:effectRef>
+          <a:fontRef idx="minor">
+            <a:schemeClr val="lt1"/>
+          </a:fontRef>
+        </p:style>
+        <p:txBody>
+          <a:bodyPr rtlCol="0" anchor="ctr"/>
+          <a:lstStyle/>
+          <a:p>
+            <a:pPr algn="ctr"/>
+            <a:endParaRPr lang="zh-CN" altLang="en-US"/>
+          </a:p>
+        </p:txBody>
+      </p:sp>
+      <p:sp>
+        <p:nvSpPr>
+          <p:cNvPr id="57" name="流程图: 接点 56">
+            <a:extLst>
+              <a:ext uri="{FF2B5EF4-FFF2-40B4-BE49-F238E27FC236}">
+                <a16:creationId xmlns:a16="http://schemas.microsoft.com/office/drawing/2014/main" id="{520C8D8F-16AB-439E-B402-FFF11DA5F6E5}"/>
+              </a:ext>
+            </a:extLst>
+          </p:cNvPr>
+          <p:cNvSpPr/>
+          <p:nvPr/>
+        </p:nvSpPr>
+        <p:spPr>
+          <a:xfrm>
+            <a:off x="3824135" y="3531907"/>
+            <a:ext cx="72000" cy="72000"/>
+          </a:xfrm>
+          <a:prstGeom prst="flowChartConnector">
+            <a:avLst/>
+          </a:prstGeom>
+        </p:spPr>
+        <p:style>
+          <a:lnRef idx="2">
+            <a:schemeClr val="accent2">
+              <a:shade val="50000"/>
+            </a:schemeClr>
+          </a:lnRef>
+          <a:fillRef idx="1">
+            <a:schemeClr val="accent2"/>
+          </a:fillRef>
+          <a:effectRef idx="0">
+            <a:schemeClr val="accent2"/>
+          </a:effectRef>
+          <a:fontRef idx="minor">
+            <a:schemeClr val="lt1"/>
+          </a:fontRef>
+        </p:style>
+        <p:txBody>
+          <a:bodyPr rtlCol="0" anchor="ctr"/>
+          <a:lstStyle/>
+          <a:p>
+            <a:pPr algn="ctr"/>
+            <a:endParaRPr lang="zh-CN" altLang="en-US"/>
+          </a:p>
+        </p:txBody>
+      </p:sp>
+      <p:cxnSp>
+        <p:nvCxnSpPr>
+          <p:cNvPr id="58" name="直接箭头连接符 57">
+            <a:extLst>
+              <a:ext uri="{FF2B5EF4-FFF2-40B4-BE49-F238E27FC236}">
+                <a16:creationId xmlns:a16="http://schemas.microsoft.com/office/drawing/2014/main" id="{3E4D6150-8B39-4DBC-B22F-BE4B97AB2557}"/>
+              </a:ext>
+            </a:extLst>
+          </p:cNvPr>
+          <p:cNvCxnSpPr>
+            <a:cxnSpLocks/>
+            <a:stCxn id="55" idx="5"/>
+            <a:endCxn id="46" idx="1"/>
+          </p:cNvCxnSpPr>
+          <p:nvPr/>
+        </p:nvCxnSpPr>
+        <p:spPr>
+          <a:xfrm>
+            <a:off x="3873026" y="2459007"/>
+            <a:ext cx="5889407" cy="1243197"/>
+          </a:xfrm>
+          <a:prstGeom prst="straightConnector1">
+            <a:avLst/>
+          </a:prstGeom>
+          <a:ln>
+            <a:tailEnd type="triangle"/>
+          </a:ln>
+        </p:spPr>
+        <p:style>
+          <a:lnRef idx="1">
+            <a:schemeClr val="accent1"/>
+          </a:lnRef>
+          <a:fillRef idx="0">
+            <a:schemeClr val="accent1"/>
+          </a:fillRef>
+          <a:effectRef idx="0">
+            <a:schemeClr val="accent1"/>
+          </a:effectRef>
+          <a:fontRef idx="minor">
+            <a:schemeClr val="tx1"/>
+          </a:fontRef>
+        </p:style>
+      </p:cxnSp>
+      <p:cxnSp>
+        <p:nvCxnSpPr>
+          <p:cNvPr id="61" name="直接箭头连接符 60">
+            <a:extLst>
+              <a:ext uri="{FF2B5EF4-FFF2-40B4-BE49-F238E27FC236}">
+                <a16:creationId xmlns:a16="http://schemas.microsoft.com/office/drawing/2014/main" id="{51507AEB-2128-4CCC-AFB2-89AF012B0487}"/>
+              </a:ext>
+            </a:extLst>
+          </p:cNvPr>
+          <p:cNvCxnSpPr>
+            <a:cxnSpLocks/>
+            <a:stCxn id="56" idx="5"/>
+            <a:endCxn id="46" idx="2"/>
+          </p:cNvCxnSpPr>
+          <p:nvPr/>
+        </p:nvCxnSpPr>
+        <p:spPr>
+          <a:xfrm>
+            <a:off x="3874595" y="2686820"/>
+            <a:ext cx="5874658" cy="1047204"/>
+          </a:xfrm>
+          <a:prstGeom prst="straightConnector1">
+            <a:avLst/>
+          </a:prstGeom>
+          <a:ln>
+            <a:tailEnd type="triangle"/>
+          </a:ln>
+        </p:spPr>
+        <p:style>
+          <a:lnRef idx="1">
+            <a:schemeClr val="accent1"/>
+          </a:lnRef>
+          <a:fillRef idx="0">
+            <a:schemeClr val="accent1"/>
+          </a:fillRef>
+          <a:effectRef idx="0">
+            <a:schemeClr val="accent1"/>
+          </a:effectRef>
+          <a:fontRef idx="minor">
+            <a:schemeClr val="tx1"/>
+          </a:fontRef>
+        </p:style>
+      </p:cxnSp>
+      <p:cxnSp>
+        <p:nvCxnSpPr>
+          <p:cNvPr id="67" name="直接箭头连接符 66">
+            <a:extLst>
+              <a:ext uri="{FF2B5EF4-FFF2-40B4-BE49-F238E27FC236}">
+                <a16:creationId xmlns:a16="http://schemas.microsoft.com/office/drawing/2014/main" id="{9F5B0B61-0ED6-4084-9A29-2DFF041C659A}"/>
+              </a:ext>
+            </a:extLst>
+          </p:cNvPr>
+          <p:cNvCxnSpPr>
+            <a:cxnSpLocks/>
+            <a:stCxn id="57" idx="5"/>
+            <a:endCxn id="46" idx="3"/>
+          </p:cNvCxnSpPr>
+          <p:nvPr/>
+        </p:nvCxnSpPr>
+        <p:spPr>
+          <a:xfrm>
+            <a:off x="3885591" y="3593363"/>
+            <a:ext cx="5876842" cy="172481"/>
+          </a:xfrm>
+          <a:prstGeom prst="straightConnector1">
+            <a:avLst/>
+          </a:prstGeom>
+          <a:ln>
+            <a:tailEnd type="triangle"/>
+          </a:ln>
+        </p:spPr>
+        <p:style>
+          <a:lnRef idx="1">
+            <a:schemeClr val="accent1"/>
+          </a:lnRef>
+          <a:fillRef idx="0">
+            <a:schemeClr val="accent1"/>
+          </a:fillRef>
+          <a:effectRef idx="0">
+            <a:schemeClr val="accent1"/>
+          </a:effectRef>
+          <a:fontRef idx="minor">
+            <a:schemeClr val="tx1"/>
+          </a:fontRef>
+        </p:style>
+      </p:cxnSp>
+      <p:sp>
+        <p:nvSpPr>
+          <p:cNvPr id="72" name="文本框 71">
+            <a:extLst>
+              <a:ext uri="{FF2B5EF4-FFF2-40B4-BE49-F238E27FC236}">
+                <a16:creationId xmlns:a16="http://schemas.microsoft.com/office/drawing/2014/main" id="{4299C9B1-7AC6-4177-B974-6175717AFB63}"/>
+              </a:ext>
+            </a:extLst>
+          </p:cNvPr>
+          <p:cNvSpPr txBox="1"/>
+          <p:nvPr/>
+        </p:nvSpPr>
+        <p:spPr>
+          <a:xfrm>
+            <a:off x="2861063" y="1692574"/>
+            <a:ext cx="2262158" cy="369332"/>
+          </a:xfrm>
+          <a:prstGeom prst="rect">
+            <a:avLst/>
+          </a:prstGeom>
+          <a:noFill/>
+        </p:spPr>
+        <p:txBody>
+          <a:bodyPr wrap="none" rtlCol="0">
+            <a:spAutoFit/>
+          </a:bodyPr>
+          <a:lstStyle/>
+          <a:p>
+            <a:r>
+              <a:rPr lang="zh-CN" altLang="en-US" dirty="0"/>
+              <a:t>为透镜上随机采样点</a:t>
+            </a:r>
+          </a:p>
+        </p:txBody>
+      </p:sp>
+      <p:sp>
+        <p:nvSpPr>
+          <p:cNvPr id="73" name="流程图: 接点 72">
+            <a:extLst>
+              <a:ext uri="{FF2B5EF4-FFF2-40B4-BE49-F238E27FC236}">
+                <a16:creationId xmlns:a16="http://schemas.microsoft.com/office/drawing/2014/main" id="{C1B18F4A-6364-41DA-98FD-C209F6BB404E}"/>
+              </a:ext>
+            </a:extLst>
+          </p:cNvPr>
+          <p:cNvSpPr/>
+          <p:nvPr/>
+        </p:nvSpPr>
+        <p:spPr>
+          <a:xfrm>
+            <a:off x="2771506" y="1844246"/>
+            <a:ext cx="72000" cy="72000"/>
+          </a:xfrm>
+          <a:prstGeom prst="flowChartConnector">
+            <a:avLst/>
+          </a:prstGeom>
+        </p:spPr>
+        <p:style>
+          <a:lnRef idx="2">
+            <a:schemeClr val="accent2">
+              <a:shade val="50000"/>
+            </a:schemeClr>
+          </a:lnRef>
+          <a:fillRef idx="1">
+            <a:schemeClr val="accent2"/>
+          </a:fillRef>
+          <a:effectRef idx="0">
+            <a:schemeClr val="accent2"/>
+          </a:effectRef>
+          <a:fontRef idx="minor">
+            <a:schemeClr val="lt1"/>
+          </a:fontRef>
+        </p:style>
+        <p:txBody>
+          <a:bodyPr rtlCol="0" anchor="ctr"/>
+          <a:lstStyle/>
+          <a:p>
+            <a:pPr algn="ctr"/>
+            <a:endParaRPr lang="zh-CN" altLang="en-US"/>
+          </a:p>
+        </p:txBody>
+      </p:sp>
+      <p:sp>
+        <p:nvSpPr>
+          <p:cNvPr id="74" name="文本框 73">
+            <a:extLst>
+              <a:ext uri="{FF2B5EF4-FFF2-40B4-BE49-F238E27FC236}">
+                <a16:creationId xmlns:a16="http://schemas.microsoft.com/office/drawing/2014/main" id="{214B82A2-3693-4086-8221-295C5E0B39D7}"/>
+              </a:ext>
+            </a:extLst>
+          </p:cNvPr>
+          <p:cNvSpPr txBox="1"/>
+          <p:nvPr/>
+        </p:nvSpPr>
+        <p:spPr>
+          <a:xfrm>
+            <a:off x="5827425" y="1479000"/>
+            <a:ext cx="1215397" cy="369332"/>
+          </a:xfrm>
+          <a:prstGeom prst="rect">
+            <a:avLst/>
+          </a:prstGeom>
+          <a:noFill/>
+        </p:spPr>
+        <p:txBody>
+          <a:bodyPr wrap="none" rtlCol="0">
+            <a:spAutoFit/>
+          </a:bodyPr>
+          <a:lstStyle/>
+          <a:p>
+            <a:r>
+              <a:rPr lang="en-US" altLang="zh-CN" dirty="0"/>
+              <a:t>virtual film</a:t>
+            </a:r>
+            <a:endParaRPr lang="zh-CN" altLang="en-US" dirty="0"/>
+          </a:p>
+        </p:txBody>
+      </p:sp>
+      <p:sp>
+        <p:nvSpPr>
+          <p:cNvPr id="7" name="星形: 七角 6">
+            <a:extLst>
+              <a:ext uri="{FF2B5EF4-FFF2-40B4-BE49-F238E27FC236}">
+                <a16:creationId xmlns:a16="http://schemas.microsoft.com/office/drawing/2014/main" id="{C8731032-C919-4CE6-AF9B-C6E65C76FCD1}"/>
+              </a:ext>
+            </a:extLst>
+          </p:cNvPr>
+          <p:cNvSpPr/>
+          <p:nvPr/>
+        </p:nvSpPr>
+        <p:spPr>
+          <a:xfrm>
+            <a:off x="8785781" y="2941166"/>
+            <a:ext cx="480767" cy="1306404"/>
+          </a:xfrm>
+          <a:prstGeom prst="star7">
+            <a:avLst/>
+          </a:prstGeom>
+        </p:spPr>
+        <p:style>
+          <a:lnRef idx="2">
+            <a:schemeClr val="dk1"/>
+          </a:lnRef>
+          <a:fillRef idx="1">
+            <a:schemeClr val="lt1"/>
+          </a:fillRef>
+          <a:effectRef idx="0">
+            <a:schemeClr val="dk1"/>
+          </a:effectRef>
+          <a:fontRef idx="minor">
+            <a:schemeClr val="dk1"/>
+          </a:fontRef>
+        </p:style>
+        <p:txBody>
+          <a:bodyPr rtlCol="0" anchor="ctr"/>
+          <a:lstStyle/>
+          <a:p>
+            <a:pPr algn="ctr"/>
+            <a:endParaRPr lang="zh-CN" altLang="en-US"/>
+          </a:p>
+        </p:txBody>
+      </p:sp>
+      <p:sp>
+        <p:nvSpPr>
+          <p:cNvPr id="31" name="流程图: 接点 30">
+            <a:extLst>
+              <a:ext uri="{FF2B5EF4-FFF2-40B4-BE49-F238E27FC236}">
+                <a16:creationId xmlns:a16="http://schemas.microsoft.com/office/drawing/2014/main" id="{2507F842-9CC3-40D7-8793-753547ED314F}"/>
+              </a:ext>
+            </a:extLst>
+          </p:cNvPr>
+          <p:cNvSpPr/>
+          <p:nvPr/>
+        </p:nvSpPr>
+        <p:spPr>
+          <a:xfrm>
+            <a:off x="8971171" y="3503631"/>
+            <a:ext cx="36000" cy="36000"/>
+          </a:xfrm>
+          <a:prstGeom prst="flowChartConnector">
+            <a:avLst/>
+          </a:prstGeom>
+          <a:ln>
+            <a:solidFill>
+              <a:srgbClr val="FF0000"/>
+            </a:solidFill>
+          </a:ln>
+        </p:spPr>
+        <p:style>
+          <a:lnRef idx="2">
+            <a:schemeClr val="accent2">
+              <a:shade val="50000"/>
+            </a:schemeClr>
+          </a:lnRef>
+          <a:fillRef idx="1">
+            <a:schemeClr val="accent2"/>
+          </a:fillRef>
+          <a:effectRef idx="0">
+            <a:schemeClr val="accent2"/>
+          </a:effectRef>
+          <a:fontRef idx="minor">
+            <a:schemeClr val="lt1"/>
+          </a:fontRef>
+        </p:style>
+        <p:txBody>
+          <a:bodyPr rtlCol="0" anchor="ctr"/>
+          <a:lstStyle/>
+          <a:p>
+            <a:pPr algn="ctr"/>
+            <a:endParaRPr lang="zh-CN" altLang="en-US"/>
+          </a:p>
+        </p:txBody>
+      </p:sp>
+      <p:sp>
+        <p:nvSpPr>
+          <p:cNvPr id="32" name="流程图: 接点 31">
+            <a:extLst>
+              <a:ext uri="{FF2B5EF4-FFF2-40B4-BE49-F238E27FC236}">
+                <a16:creationId xmlns:a16="http://schemas.microsoft.com/office/drawing/2014/main" id="{FBBB602F-3CE2-4C82-8958-DDA7761EE937}"/>
+              </a:ext>
+            </a:extLst>
+          </p:cNvPr>
+          <p:cNvSpPr/>
+          <p:nvPr/>
+        </p:nvSpPr>
+        <p:spPr>
+          <a:xfrm>
+            <a:off x="8991593" y="3561761"/>
+            <a:ext cx="36000" cy="36000"/>
+          </a:xfrm>
+          <a:prstGeom prst="flowChartConnector">
+            <a:avLst/>
+          </a:prstGeom>
+          <a:ln>
+            <a:solidFill>
+              <a:srgbClr val="FF0000"/>
+            </a:solidFill>
+          </a:ln>
+        </p:spPr>
+        <p:style>
+          <a:lnRef idx="2">
+            <a:schemeClr val="accent2">
+              <a:shade val="50000"/>
+            </a:schemeClr>
+          </a:lnRef>
+          <a:fillRef idx="1">
+            <a:schemeClr val="accent2"/>
+          </a:fillRef>
+          <a:effectRef idx="0">
+            <a:schemeClr val="accent2"/>
+          </a:effectRef>
+          <a:fontRef idx="minor">
+            <a:schemeClr val="lt1"/>
+          </a:fontRef>
+        </p:style>
+        <p:txBody>
+          <a:bodyPr rtlCol="0" anchor="ctr"/>
+          <a:lstStyle/>
+          <a:p>
+            <a:pPr algn="ctr"/>
+            <a:endParaRPr lang="zh-CN" altLang="en-US"/>
+          </a:p>
+        </p:txBody>
+      </p:sp>
+      <p:sp>
+        <p:nvSpPr>
+          <p:cNvPr id="33" name="流程图: 接点 32">
+            <a:extLst>
+              <a:ext uri="{FF2B5EF4-FFF2-40B4-BE49-F238E27FC236}">
+                <a16:creationId xmlns:a16="http://schemas.microsoft.com/office/drawing/2014/main" id="{F428BCE9-1524-47D6-AD1A-E70B7568A40A}"/>
+              </a:ext>
+            </a:extLst>
+          </p:cNvPr>
+          <p:cNvSpPr/>
+          <p:nvPr/>
+        </p:nvSpPr>
+        <p:spPr>
+          <a:xfrm>
+            <a:off x="9010448" y="3646604"/>
+            <a:ext cx="36000" cy="36000"/>
+          </a:xfrm>
+          <a:prstGeom prst="flowChartConnector">
+            <a:avLst/>
+          </a:prstGeom>
+          <a:ln>
+            <a:solidFill>
+              <a:srgbClr val="FF0000"/>
+            </a:solidFill>
+          </a:ln>
+        </p:spPr>
+        <p:style>
+          <a:lnRef idx="2">
+            <a:schemeClr val="accent2">
+              <a:shade val="50000"/>
+            </a:schemeClr>
+          </a:lnRef>
+          <a:fillRef idx="1">
+            <a:schemeClr val="accent2"/>
+          </a:fillRef>
+          <a:effectRef idx="0">
+            <a:schemeClr val="accent2"/>
+          </a:effectRef>
+          <a:fontRef idx="minor">
+            <a:schemeClr val="lt1"/>
+          </a:fontRef>
+        </p:style>
+        <p:txBody>
+          <a:bodyPr rtlCol="0" anchor="ctr"/>
+          <a:lstStyle/>
+          <a:p>
+            <a:pPr algn="ctr"/>
+            <a:endParaRPr lang="zh-CN" altLang="en-US"/>
+          </a:p>
+        </p:txBody>
+      </p:sp>
+      <p:sp>
+        <p:nvSpPr>
+          <p:cNvPr id="34" name="流程图: 接点 33">
+            <a:extLst>
+              <a:ext uri="{FF2B5EF4-FFF2-40B4-BE49-F238E27FC236}">
+                <a16:creationId xmlns:a16="http://schemas.microsoft.com/office/drawing/2014/main" id="{DAA057AD-1E7A-4CF3-94E0-8A4ACA91AD8A}"/>
+              </a:ext>
+            </a:extLst>
+          </p:cNvPr>
+          <p:cNvSpPr/>
+          <p:nvPr/>
+        </p:nvSpPr>
+        <p:spPr>
+          <a:xfrm>
+            <a:off x="9010449" y="3712593"/>
+            <a:ext cx="36000" cy="36000"/>
+          </a:xfrm>
+          <a:prstGeom prst="flowChartConnector">
+            <a:avLst/>
+          </a:prstGeom>
+          <a:ln>
+            <a:solidFill>
+              <a:srgbClr val="FF0000"/>
+            </a:solidFill>
+          </a:ln>
+        </p:spPr>
+        <p:style>
+          <a:lnRef idx="2">
+            <a:schemeClr val="accent2">
+              <a:shade val="50000"/>
+            </a:schemeClr>
+          </a:lnRef>
+          <a:fillRef idx="1">
+            <a:schemeClr val="accent2"/>
+          </a:fillRef>
+          <a:effectRef idx="0">
+            <a:schemeClr val="accent2"/>
+          </a:effectRef>
+          <a:fontRef idx="minor">
+            <a:schemeClr val="lt1"/>
+          </a:fontRef>
+        </p:style>
+        <p:txBody>
+          <a:bodyPr rtlCol="0" anchor="ctr"/>
+          <a:lstStyle/>
+          <a:p>
+            <a:pPr algn="ctr"/>
+            <a:endParaRPr lang="zh-CN" altLang="en-US"/>
+          </a:p>
+        </p:txBody>
+      </p:sp>
+    </p:spTree>
+    <p:extLst>
+      <p:ext uri="{BB962C8B-B14F-4D97-AF65-F5344CB8AC3E}">
+        <p14:creationId xmlns:p14="http://schemas.microsoft.com/office/powerpoint/2010/main" val="1651271912"/>
       </p:ext>
     </p:extLst>
   </p:cSld>
